--- a/Docs/Jozef Sabo - Prezentace obhajoba.pptx
+++ b/Docs/Jozef Sabo - Prezentace obhajoba.pptx
@@ -4,6 +4,9 @@
   <p:sldMasterIdLst>
     <p:sldMasterId id="2147483648" r:id="rId1"/>
   </p:sldMasterIdLst>
+  <p:notesMasterIdLst>
+    <p:notesMasterId r:id="rId21"/>
+  </p:notesMasterIdLst>
   <p:sldIdLst>
     <p:sldId id="256" r:id="rId2"/>
     <p:sldId id="274" r:id="rId3"/>
@@ -13,15 +16,17 @@
     <p:sldId id="276" r:id="rId7"/>
     <p:sldId id="260" r:id="rId8"/>
     <p:sldId id="277" r:id="rId9"/>
-    <p:sldId id="261" r:id="rId10"/>
-    <p:sldId id="262" r:id="rId11"/>
-    <p:sldId id="278" r:id="rId12"/>
-    <p:sldId id="279" r:id="rId13"/>
-    <p:sldId id="280" r:id="rId14"/>
-    <p:sldId id="281" r:id="rId15"/>
-    <p:sldId id="282" r:id="rId16"/>
-    <p:sldId id="283" r:id="rId17"/>
-    <p:sldId id="263" r:id="rId18"/>
+    <p:sldId id="284" r:id="rId10"/>
+    <p:sldId id="261" r:id="rId11"/>
+    <p:sldId id="262" r:id="rId12"/>
+    <p:sldId id="285" r:id="rId13"/>
+    <p:sldId id="278" r:id="rId14"/>
+    <p:sldId id="279" r:id="rId15"/>
+    <p:sldId id="281" r:id="rId16"/>
+    <p:sldId id="286" r:id="rId17"/>
+    <p:sldId id="282" r:id="rId18"/>
+    <p:sldId id="287" r:id="rId19"/>
+    <p:sldId id="263" r:id="rId20"/>
   </p:sldIdLst>
   <p:sldSz cx="9144000" cy="6858000" type="screen4x3"/>
   <p:notesSz cx="7099300" cy="10234613"/>
@@ -123,6 +128,2625 @@
 </p:presentation>
 </file>
 
+<file path=ppt/notesMasters/notesMaster1.xml><?xml version="1.0" encoding="utf-8"?>
+<p:notesMaster xmlns:a="http://schemas.openxmlformats.org/drawingml/2006/main" xmlns:r="http://schemas.openxmlformats.org/officeDocument/2006/relationships" xmlns:p="http://schemas.openxmlformats.org/presentationml/2006/main">
+  <p:cSld>
+    <p:bg>
+      <p:bgRef idx="1001">
+        <a:schemeClr val="bg1"/>
+      </p:bgRef>
+    </p:bg>
+    <p:spTree>
+      <p:nvGrpSpPr>
+        <p:cNvPr id="1" name=""/>
+        <p:cNvGrpSpPr/>
+        <p:nvPr/>
+      </p:nvGrpSpPr>
+      <p:grpSpPr>
+        <a:xfrm>
+          <a:off x="0" y="0"/>
+          <a:ext cx="0" cy="0"/>
+          <a:chOff x="0" y="0"/>
+          <a:chExt cx="0" cy="0"/>
+        </a:xfrm>
+      </p:grpSpPr>
+      <p:sp>
+        <p:nvSpPr>
+          <p:cNvPr id="2" name="Header Placeholder 1"/>
+          <p:cNvSpPr>
+            <a:spLocks noGrp="1"/>
+          </p:cNvSpPr>
+          <p:nvPr>
+            <p:ph type="hdr" sz="quarter"/>
+          </p:nvPr>
+        </p:nvSpPr>
+        <p:spPr>
+          <a:xfrm>
+            <a:off x="0" y="0"/>
+            <a:ext cx="3076575" cy="511175"/>
+          </a:xfrm>
+          <a:prstGeom prst="rect">
+            <a:avLst/>
+          </a:prstGeom>
+        </p:spPr>
+        <p:txBody>
+          <a:bodyPr vert="horz" lIns="91440" tIns="45720" rIns="91440" bIns="45720" rtlCol="0"/>
+          <a:lstStyle>
+            <a:lvl1pPr algn="l">
+              <a:defRPr sz="1200"/>
+            </a:lvl1pPr>
+          </a:lstStyle>
+          <a:p>
+            <a:endParaRPr lang="cs-CZ"/>
+          </a:p>
+        </p:txBody>
+      </p:sp>
+      <p:sp>
+        <p:nvSpPr>
+          <p:cNvPr id="3" name="Date Placeholder 2"/>
+          <p:cNvSpPr>
+            <a:spLocks noGrp="1"/>
+          </p:cNvSpPr>
+          <p:nvPr>
+            <p:ph type="dt" idx="1"/>
+          </p:nvPr>
+        </p:nvSpPr>
+        <p:spPr>
+          <a:xfrm>
+            <a:off x="4021138" y="0"/>
+            <a:ext cx="3076575" cy="511175"/>
+          </a:xfrm>
+          <a:prstGeom prst="rect">
+            <a:avLst/>
+          </a:prstGeom>
+        </p:spPr>
+        <p:txBody>
+          <a:bodyPr vert="horz" lIns="91440" tIns="45720" rIns="91440" bIns="45720" rtlCol="0"/>
+          <a:lstStyle>
+            <a:lvl1pPr algn="r">
+              <a:defRPr sz="1200"/>
+            </a:lvl1pPr>
+          </a:lstStyle>
+          <a:p>
+            <a:fld id="{4CD91365-B47A-4653-A158-88DF0A547115}" type="datetimeFigureOut">
+              <a:rPr lang="cs-CZ" smtClean="0"/>
+              <a:t>22.5.2012</a:t>
+            </a:fld>
+            <a:endParaRPr lang="cs-CZ"/>
+          </a:p>
+        </p:txBody>
+      </p:sp>
+      <p:sp>
+        <p:nvSpPr>
+          <p:cNvPr id="4" name="Slide Image Placeholder 3"/>
+          <p:cNvSpPr>
+            <a:spLocks noGrp="1" noRot="1" noChangeAspect="1"/>
+          </p:cNvSpPr>
+          <p:nvPr>
+            <p:ph type="sldImg" idx="2"/>
+          </p:nvPr>
+        </p:nvSpPr>
+        <p:spPr>
+          <a:xfrm>
+            <a:off x="992188" y="768350"/>
+            <a:ext cx="5114925" cy="3836988"/>
+          </a:xfrm>
+          <a:prstGeom prst="rect">
+            <a:avLst/>
+          </a:prstGeom>
+          <a:noFill/>
+          <a:ln w="12700">
+            <a:solidFill>
+              <a:prstClr val="black"/>
+            </a:solidFill>
+          </a:ln>
+        </p:spPr>
+        <p:txBody>
+          <a:bodyPr vert="horz" lIns="91440" tIns="45720" rIns="91440" bIns="45720" rtlCol="0" anchor="ctr"/>
+          <a:lstStyle/>
+          <a:p>
+            <a:endParaRPr lang="cs-CZ"/>
+          </a:p>
+        </p:txBody>
+      </p:sp>
+      <p:sp>
+        <p:nvSpPr>
+          <p:cNvPr id="5" name="Notes Placeholder 4"/>
+          <p:cNvSpPr>
+            <a:spLocks noGrp="1"/>
+          </p:cNvSpPr>
+          <p:nvPr>
+            <p:ph type="body" sz="quarter" idx="3"/>
+          </p:nvPr>
+        </p:nvSpPr>
+        <p:spPr>
+          <a:xfrm>
+            <a:off x="709613" y="4860925"/>
+            <a:ext cx="5680075" cy="4605338"/>
+          </a:xfrm>
+          <a:prstGeom prst="rect">
+            <a:avLst/>
+          </a:prstGeom>
+        </p:spPr>
+        <p:txBody>
+          <a:bodyPr vert="horz" lIns="91440" tIns="45720" rIns="91440" bIns="45720" rtlCol="0"/>
+          <a:lstStyle/>
+          <a:p>
+            <a:pPr lvl="0"/>
+            <a:r>
+              <a:rPr lang="en-US" smtClean="0"/>
+              <a:t>Click to edit Master text styles</a:t>
+            </a:r>
+          </a:p>
+          <a:p>
+            <a:pPr lvl="1"/>
+            <a:r>
+              <a:rPr lang="en-US" smtClean="0"/>
+              <a:t>Second level</a:t>
+            </a:r>
+          </a:p>
+          <a:p>
+            <a:pPr lvl="2"/>
+            <a:r>
+              <a:rPr lang="en-US" smtClean="0"/>
+              <a:t>Third level</a:t>
+            </a:r>
+          </a:p>
+          <a:p>
+            <a:pPr lvl="3"/>
+            <a:r>
+              <a:rPr lang="en-US" smtClean="0"/>
+              <a:t>Fourth level</a:t>
+            </a:r>
+          </a:p>
+          <a:p>
+            <a:pPr lvl="4"/>
+            <a:r>
+              <a:rPr lang="en-US" smtClean="0"/>
+              <a:t>Fifth level</a:t>
+            </a:r>
+            <a:endParaRPr lang="cs-CZ"/>
+          </a:p>
+        </p:txBody>
+      </p:sp>
+      <p:sp>
+        <p:nvSpPr>
+          <p:cNvPr id="6" name="Footer Placeholder 5"/>
+          <p:cNvSpPr>
+            <a:spLocks noGrp="1"/>
+          </p:cNvSpPr>
+          <p:nvPr>
+            <p:ph type="ftr" sz="quarter" idx="4"/>
+          </p:nvPr>
+        </p:nvSpPr>
+        <p:spPr>
+          <a:xfrm>
+            <a:off x="0" y="9721850"/>
+            <a:ext cx="3076575" cy="511175"/>
+          </a:xfrm>
+          <a:prstGeom prst="rect">
+            <a:avLst/>
+          </a:prstGeom>
+        </p:spPr>
+        <p:txBody>
+          <a:bodyPr vert="horz" lIns="91440" tIns="45720" rIns="91440" bIns="45720" rtlCol="0" anchor="b"/>
+          <a:lstStyle>
+            <a:lvl1pPr algn="l">
+              <a:defRPr sz="1200"/>
+            </a:lvl1pPr>
+          </a:lstStyle>
+          <a:p>
+            <a:endParaRPr lang="cs-CZ"/>
+          </a:p>
+        </p:txBody>
+      </p:sp>
+      <p:sp>
+        <p:nvSpPr>
+          <p:cNvPr id="7" name="Slide Number Placeholder 6"/>
+          <p:cNvSpPr>
+            <a:spLocks noGrp="1"/>
+          </p:cNvSpPr>
+          <p:nvPr>
+            <p:ph type="sldNum" sz="quarter" idx="5"/>
+          </p:nvPr>
+        </p:nvSpPr>
+        <p:spPr>
+          <a:xfrm>
+            <a:off x="4021138" y="9721850"/>
+            <a:ext cx="3076575" cy="511175"/>
+          </a:xfrm>
+          <a:prstGeom prst="rect">
+            <a:avLst/>
+          </a:prstGeom>
+        </p:spPr>
+        <p:txBody>
+          <a:bodyPr vert="horz" lIns="91440" tIns="45720" rIns="91440" bIns="45720" rtlCol="0" anchor="b"/>
+          <a:lstStyle>
+            <a:lvl1pPr algn="r">
+              <a:defRPr sz="1200"/>
+            </a:lvl1pPr>
+          </a:lstStyle>
+          <a:p>
+            <a:fld id="{FFC80817-C8B3-4C06-B23B-D56824C23AA4}" type="slidenum">
+              <a:rPr lang="cs-CZ" smtClean="0"/>
+              <a:t>‹#›</a:t>
+            </a:fld>
+            <a:endParaRPr lang="cs-CZ"/>
+          </a:p>
+        </p:txBody>
+      </p:sp>
+    </p:spTree>
+    <p:extLst>
+      <p:ext uri="{BB962C8B-B14F-4D97-AF65-F5344CB8AC3E}">
+        <p14:creationId xmlns:p14="http://schemas.microsoft.com/office/powerpoint/2010/main" val="643715242"/>
+      </p:ext>
+    </p:extLst>
+  </p:cSld>
+  <p:clrMap bg1="lt1" tx1="dk1" bg2="lt2" tx2="dk2" accent1="accent1" accent2="accent2" accent3="accent3" accent4="accent4" accent5="accent5" accent6="accent6" hlink="hlink" folHlink="folHlink"/>
+  <p:notesStyle>
+    <a:lvl1pPr marL="0" algn="l" defTabSz="914400" rtl="0" eaLnBrk="1" latinLnBrk="0" hangingPunct="1">
+      <a:defRPr sz="1200" kern="1200">
+        <a:solidFill>
+          <a:schemeClr val="tx1"/>
+        </a:solidFill>
+        <a:latin typeface="+mn-lt"/>
+        <a:ea typeface="+mn-ea"/>
+        <a:cs typeface="+mn-cs"/>
+      </a:defRPr>
+    </a:lvl1pPr>
+    <a:lvl2pPr marL="457200" algn="l" defTabSz="914400" rtl="0" eaLnBrk="1" latinLnBrk="0" hangingPunct="1">
+      <a:defRPr sz="1200" kern="1200">
+        <a:solidFill>
+          <a:schemeClr val="tx1"/>
+        </a:solidFill>
+        <a:latin typeface="+mn-lt"/>
+        <a:ea typeface="+mn-ea"/>
+        <a:cs typeface="+mn-cs"/>
+      </a:defRPr>
+    </a:lvl2pPr>
+    <a:lvl3pPr marL="914400" algn="l" defTabSz="914400" rtl="0" eaLnBrk="1" latinLnBrk="0" hangingPunct="1">
+      <a:defRPr sz="1200" kern="1200">
+        <a:solidFill>
+          <a:schemeClr val="tx1"/>
+        </a:solidFill>
+        <a:latin typeface="+mn-lt"/>
+        <a:ea typeface="+mn-ea"/>
+        <a:cs typeface="+mn-cs"/>
+      </a:defRPr>
+    </a:lvl3pPr>
+    <a:lvl4pPr marL="1371600" algn="l" defTabSz="914400" rtl="0" eaLnBrk="1" latinLnBrk="0" hangingPunct="1">
+      <a:defRPr sz="1200" kern="1200">
+        <a:solidFill>
+          <a:schemeClr val="tx1"/>
+        </a:solidFill>
+        <a:latin typeface="+mn-lt"/>
+        <a:ea typeface="+mn-ea"/>
+        <a:cs typeface="+mn-cs"/>
+      </a:defRPr>
+    </a:lvl4pPr>
+    <a:lvl5pPr marL="1828800" algn="l" defTabSz="914400" rtl="0" eaLnBrk="1" latinLnBrk="0" hangingPunct="1">
+      <a:defRPr sz="1200" kern="1200">
+        <a:solidFill>
+          <a:schemeClr val="tx1"/>
+        </a:solidFill>
+        <a:latin typeface="+mn-lt"/>
+        <a:ea typeface="+mn-ea"/>
+        <a:cs typeface="+mn-cs"/>
+      </a:defRPr>
+    </a:lvl5pPr>
+    <a:lvl6pPr marL="2286000" algn="l" defTabSz="914400" rtl="0" eaLnBrk="1" latinLnBrk="0" hangingPunct="1">
+      <a:defRPr sz="1200" kern="1200">
+        <a:solidFill>
+          <a:schemeClr val="tx1"/>
+        </a:solidFill>
+        <a:latin typeface="+mn-lt"/>
+        <a:ea typeface="+mn-ea"/>
+        <a:cs typeface="+mn-cs"/>
+      </a:defRPr>
+    </a:lvl6pPr>
+    <a:lvl7pPr marL="2743200" algn="l" defTabSz="914400" rtl="0" eaLnBrk="1" latinLnBrk="0" hangingPunct="1">
+      <a:defRPr sz="1200" kern="1200">
+        <a:solidFill>
+          <a:schemeClr val="tx1"/>
+        </a:solidFill>
+        <a:latin typeface="+mn-lt"/>
+        <a:ea typeface="+mn-ea"/>
+        <a:cs typeface="+mn-cs"/>
+      </a:defRPr>
+    </a:lvl7pPr>
+    <a:lvl8pPr marL="3200400" algn="l" defTabSz="914400" rtl="0" eaLnBrk="1" latinLnBrk="0" hangingPunct="1">
+      <a:defRPr sz="1200" kern="1200">
+        <a:solidFill>
+          <a:schemeClr val="tx1"/>
+        </a:solidFill>
+        <a:latin typeface="+mn-lt"/>
+        <a:ea typeface="+mn-ea"/>
+        <a:cs typeface="+mn-cs"/>
+      </a:defRPr>
+    </a:lvl8pPr>
+    <a:lvl9pPr marL="3657600" algn="l" defTabSz="914400" rtl="0" eaLnBrk="1" latinLnBrk="0" hangingPunct="1">
+      <a:defRPr sz="1200" kern="1200">
+        <a:solidFill>
+          <a:schemeClr val="tx1"/>
+        </a:solidFill>
+        <a:latin typeface="+mn-lt"/>
+        <a:ea typeface="+mn-ea"/>
+        <a:cs typeface="+mn-cs"/>
+      </a:defRPr>
+    </a:lvl9pPr>
+  </p:notesStyle>
+</p:notesMaster>
+</file>
+
+<file path=ppt/notesSlides/notesSlide1.xml><?xml version="1.0" encoding="utf-8"?>
+<p:notes xmlns:a="http://schemas.openxmlformats.org/drawingml/2006/main" xmlns:r="http://schemas.openxmlformats.org/officeDocument/2006/relationships" xmlns:p="http://schemas.openxmlformats.org/presentationml/2006/main">
+  <p:cSld>
+    <p:spTree>
+      <p:nvGrpSpPr>
+        <p:cNvPr id="1" name=""/>
+        <p:cNvGrpSpPr/>
+        <p:nvPr/>
+      </p:nvGrpSpPr>
+      <p:grpSpPr>
+        <a:xfrm>
+          <a:off x="0" y="0"/>
+          <a:ext cx="0" cy="0"/>
+          <a:chOff x="0" y="0"/>
+          <a:chExt cx="0" cy="0"/>
+        </a:xfrm>
+      </p:grpSpPr>
+      <p:sp>
+        <p:nvSpPr>
+          <p:cNvPr id="2" name="Slide Image Placeholder 1"/>
+          <p:cNvSpPr>
+            <a:spLocks noGrp="1" noRot="1" noChangeAspect="1"/>
+          </p:cNvSpPr>
+          <p:nvPr>
+            <p:ph type="sldImg"/>
+          </p:nvPr>
+        </p:nvSpPr>
+        <p:spPr/>
+      </p:sp>
+      <p:sp>
+        <p:nvSpPr>
+          <p:cNvPr id="3" name="Notes Placeholder 2"/>
+          <p:cNvSpPr>
+            <a:spLocks noGrp="1"/>
+          </p:cNvSpPr>
+          <p:nvPr>
+            <p:ph type="body" idx="1"/>
+          </p:nvPr>
+        </p:nvSpPr>
+        <p:spPr/>
+        <p:txBody>
+          <a:bodyPr/>
+          <a:lstStyle/>
+          <a:p>
+            <a:endParaRPr lang="cs-CZ" dirty="0"/>
+          </a:p>
+        </p:txBody>
+      </p:sp>
+      <p:sp>
+        <p:nvSpPr>
+          <p:cNvPr id="4" name="Slide Number Placeholder 3"/>
+          <p:cNvSpPr>
+            <a:spLocks noGrp="1"/>
+          </p:cNvSpPr>
+          <p:nvPr>
+            <p:ph type="sldNum" sz="quarter" idx="10"/>
+          </p:nvPr>
+        </p:nvSpPr>
+        <p:spPr/>
+        <p:txBody>
+          <a:bodyPr/>
+          <a:lstStyle/>
+          <a:p>
+            <a:fld id="{FFC80817-C8B3-4C06-B23B-D56824C23AA4}" type="slidenum">
+              <a:rPr lang="cs-CZ" smtClean="0"/>
+              <a:t>1</a:t>
+            </a:fld>
+            <a:endParaRPr lang="cs-CZ"/>
+          </a:p>
+        </p:txBody>
+      </p:sp>
+    </p:spTree>
+    <p:extLst>
+      <p:ext uri="{BB962C8B-B14F-4D97-AF65-F5344CB8AC3E}">
+        <p14:creationId xmlns:p14="http://schemas.microsoft.com/office/powerpoint/2010/main" val="2817036423"/>
+      </p:ext>
+    </p:extLst>
+  </p:cSld>
+  <p:clrMapOvr>
+    <a:masterClrMapping/>
+  </p:clrMapOvr>
+</p:notes>
+</file>
+
+<file path=ppt/notesSlides/notesSlide2.xml><?xml version="1.0" encoding="utf-8"?>
+<p:notes xmlns:a="http://schemas.openxmlformats.org/drawingml/2006/main" xmlns:r="http://schemas.openxmlformats.org/officeDocument/2006/relationships" xmlns:p="http://schemas.openxmlformats.org/presentationml/2006/main">
+  <p:cSld>
+    <p:spTree>
+      <p:nvGrpSpPr>
+        <p:cNvPr id="1" name=""/>
+        <p:cNvGrpSpPr/>
+        <p:nvPr/>
+      </p:nvGrpSpPr>
+      <p:grpSpPr>
+        <a:xfrm>
+          <a:off x="0" y="0"/>
+          <a:ext cx="0" cy="0"/>
+          <a:chOff x="0" y="0"/>
+          <a:chExt cx="0" cy="0"/>
+        </a:xfrm>
+      </p:grpSpPr>
+      <p:sp>
+        <p:nvSpPr>
+          <p:cNvPr id="2" name="Slide Image Placeholder 1"/>
+          <p:cNvSpPr>
+            <a:spLocks noGrp="1" noRot="1" noChangeAspect="1"/>
+          </p:cNvSpPr>
+          <p:nvPr>
+            <p:ph type="sldImg"/>
+          </p:nvPr>
+        </p:nvSpPr>
+        <p:spPr/>
+      </p:sp>
+      <p:sp>
+        <p:nvSpPr>
+          <p:cNvPr id="3" name="Notes Placeholder 2"/>
+          <p:cNvSpPr>
+            <a:spLocks noGrp="1"/>
+          </p:cNvSpPr>
+          <p:nvPr>
+            <p:ph type="body" idx="1"/>
+          </p:nvPr>
+        </p:nvSpPr>
+        <p:spPr/>
+        <p:txBody>
+          <a:bodyPr/>
+          <a:lstStyle/>
+          <a:p>
+            <a:endParaRPr lang="en-US" b="1" dirty="0" smtClean="0">
+              <a:latin typeface="Cambria" pitchFamily="18" charset="0"/>
+            </a:endParaRPr>
+          </a:p>
+          <a:p>
+            <a:r>
+              <a:rPr lang="cs-CZ" b="1" dirty="0" smtClean="0">
+                <a:latin typeface="Cambria" pitchFamily="18" charset="0"/>
+              </a:rPr>
+              <a:t>při po</a:t>
+            </a:r>
+            <a:r>
+              <a:rPr lang="sk-SK" b="1" dirty="0" smtClean="0">
+                <a:latin typeface="Cambria" pitchFamily="18" charset="0"/>
+              </a:rPr>
+              <a:t>řizování fotografií z ruky, </a:t>
+            </a:r>
+            <a:r>
+              <a:rPr lang="sk-SK" dirty="0" smtClean="0">
+                <a:latin typeface="Cambria" pitchFamily="18" charset="0"/>
+              </a:rPr>
+              <a:t>zejména v nepříznivých světelných podmínkách, s</a:t>
+            </a:r>
+            <a:r>
+              <a:rPr lang="en-US" dirty="0" smtClean="0">
+                <a:latin typeface="Cambria" pitchFamily="18" charset="0"/>
+              </a:rPr>
+              <a:t>e </a:t>
+            </a:r>
+            <a:r>
+              <a:rPr lang="cs-CZ" dirty="0" smtClean="0">
+                <a:latin typeface="Cambria" pitchFamily="18" charset="0"/>
+              </a:rPr>
+              <a:t>ve výsledných fotografiích </a:t>
+            </a:r>
+            <a:r>
+              <a:rPr lang="sk-SK" dirty="0" smtClean="0">
+                <a:latin typeface="Cambria" pitchFamily="18" charset="0"/>
+              </a:rPr>
+              <a:t>často potýkáme s rozmazáním pohybem (</a:t>
+            </a:r>
+            <a:r>
+              <a:rPr lang="sk-SK" i="1" dirty="0" smtClean="0">
+                <a:latin typeface="Cambria" pitchFamily="18" charset="0"/>
+              </a:rPr>
+              <a:t>motion blur</a:t>
+            </a:r>
+            <a:r>
+              <a:rPr lang="en-US" dirty="0" smtClean="0">
+                <a:latin typeface="Cambria" pitchFamily="18" charset="0"/>
+              </a:rPr>
+              <a:t>)</a:t>
+            </a:r>
+            <a:r>
+              <a:rPr lang="sk-SK" dirty="0" smtClean="0">
+                <a:latin typeface="Cambria" pitchFamily="18" charset="0"/>
+              </a:rPr>
+              <a:t> </a:t>
+            </a:r>
+            <a:r>
+              <a:rPr lang="cs-CZ" dirty="0" smtClean="0">
+                <a:latin typeface="Cambria" pitchFamily="18" charset="0"/>
+              </a:rPr>
+              <a:t> </a:t>
+            </a:r>
+            <a:r>
+              <a:rPr lang="sk-SK" dirty="0" smtClean="0">
+                <a:latin typeface="Cambria" pitchFamily="18" charset="0"/>
+              </a:rPr>
+              <a:t> </a:t>
+            </a:r>
+            <a:endParaRPr lang="cs-CZ" dirty="0" smtClean="0">
+              <a:latin typeface="Cambria" pitchFamily="18" charset="0"/>
+            </a:endParaRPr>
+          </a:p>
+          <a:p>
+            <a:r>
+              <a:rPr lang="cs-CZ" dirty="0" smtClean="0">
+                <a:latin typeface="Cambria" pitchFamily="18" charset="0"/>
+              </a:rPr>
+              <a:t>je žádoucí </a:t>
+            </a:r>
+            <a:r>
+              <a:rPr lang="cs-CZ" b="1" dirty="0" smtClean="0">
+                <a:latin typeface="Cambria" pitchFamily="18" charset="0"/>
+              </a:rPr>
+              <a:t>potlačení</a:t>
+            </a:r>
+            <a:r>
+              <a:rPr lang="cs-CZ" dirty="0" smtClean="0">
+                <a:latin typeface="Cambria" pitchFamily="18" charset="0"/>
+              </a:rPr>
+              <a:t>, nebo nejlépe úplné </a:t>
+            </a:r>
+            <a:r>
+              <a:rPr lang="cs-CZ" b="1" dirty="0" smtClean="0">
+                <a:latin typeface="Cambria" pitchFamily="18" charset="0"/>
+              </a:rPr>
+              <a:t>odstranění</a:t>
+            </a:r>
+            <a:r>
+              <a:rPr lang="cs-CZ" dirty="0" smtClean="0">
+                <a:latin typeface="Cambria" pitchFamily="18" charset="0"/>
+              </a:rPr>
+              <a:t> tohoto rozmazání</a:t>
+            </a:r>
+          </a:p>
+          <a:p>
+            <a:r>
+              <a:rPr lang="cs-CZ" dirty="0" smtClean="0">
+                <a:latin typeface="Cambria" pitchFamily="18" charset="0"/>
+              </a:rPr>
+              <a:t>v praxi můžeme rozmazání potlačit:</a:t>
+            </a:r>
+          </a:p>
+          <a:p>
+            <a:pPr lvl="1"/>
+            <a:r>
+              <a:rPr lang="cs-CZ" b="1" dirty="0" smtClean="0">
+                <a:latin typeface="Cambria" pitchFamily="18" charset="0"/>
+              </a:rPr>
+              <a:t>hardvérovými</a:t>
+            </a:r>
+            <a:r>
+              <a:rPr lang="cs-CZ" dirty="0" smtClean="0">
+                <a:latin typeface="Cambria" pitchFamily="18" charset="0"/>
+              </a:rPr>
+              <a:t>  prostředky – stabilizátory obrazu, široké nasazení omezeno poměrně vysokou cenou</a:t>
+            </a:r>
+          </a:p>
+          <a:p>
+            <a:pPr lvl="1"/>
+            <a:r>
+              <a:rPr lang="cs-CZ" b="1" dirty="0" smtClean="0">
+                <a:latin typeface="Cambria" pitchFamily="18" charset="0"/>
+              </a:rPr>
+              <a:t>softvérovými prostředky </a:t>
+            </a:r>
+            <a:r>
+              <a:rPr lang="cs-CZ" dirty="0" smtClean="0">
+                <a:latin typeface="Cambria" pitchFamily="18" charset="0"/>
+              </a:rPr>
+              <a:t> -  po pořízení snímku, bezprobl</a:t>
+            </a:r>
+            <a:r>
+              <a:rPr lang="sk-SK" dirty="0" smtClean="0">
+                <a:latin typeface="Cambria" pitchFamily="18" charset="0"/>
+              </a:rPr>
+              <a:t>émové nasazení na široké spektrum zařízení  </a:t>
+            </a:r>
+            <a:r>
+              <a:rPr lang="en-US" dirty="0" smtClean="0">
+                <a:latin typeface="Cambria" pitchFamily="18" charset="0"/>
+              </a:rPr>
+              <a:t>(</a:t>
+            </a:r>
+            <a:r>
+              <a:rPr lang="en-US" dirty="0" err="1" smtClean="0">
+                <a:latin typeface="Cambria" pitchFamily="18" charset="0"/>
+              </a:rPr>
+              <a:t>mj</a:t>
+            </a:r>
+            <a:r>
+              <a:rPr lang="en-US" dirty="0" smtClean="0">
+                <a:latin typeface="Cambria" pitchFamily="18" charset="0"/>
+              </a:rPr>
+              <a:t>. </a:t>
+            </a:r>
+            <a:r>
+              <a:rPr lang="cs-CZ" dirty="0" smtClean="0">
+                <a:latin typeface="Cambria" pitchFamily="18" charset="0"/>
+              </a:rPr>
+              <a:t>mobilní telefony</a:t>
+            </a:r>
+            <a:r>
+              <a:rPr lang="en-US" dirty="0" smtClean="0">
+                <a:latin typeface="Cambria" pitchFamily="18" charset="0"/>
+              </a:rPr>
+              <a:t>)</a:t>
+            </a:r>
+            <a:endParaRPr lang="cs-CZ" dirty="0" smtClean="0">
+              <a:latin typeface="Cambria" pitchFamily="18" charset="0"/>
+            </a:endParaRPr>
+          </a:p>
+        </p:txBody>
+      </p:sp>
+      <p:sp>
+        <p:nvSpPr>
+          <p:cNvPr id="4" name="Slide Number Placeholder 3"/>
+          <p:cNvSpPr>
+            <a:spLocks noGrp="1"/>
+          </p:cNvSpPr>
+          <p:nvPr>
+            <p:ph type="sldNum" sz="quarter" idx="10"/>
+          </p:nvPr>
+        </p:nvSpPr>
+        <p:spPr/>
+        <p:txBody>
+          <a:bodyPr/>
+          <a:lstStyle/>
+          <a:p>
+            <a:fld id="{FFC80817-C8B3-4C06-B23B-D56824C23AA4}" type="slidenum">
+              <a:rPr lang="cs-CZ" smtClean="0"/>
+              <a:t>2</a:t>
+            </a:fld>
+            <a:endParaRPr lang="cs-CZ"/>
+          </a:p>
+        </p:txBody>
+      </p:sp>
+    </p:spTree>
+    <p:extLst>
+      <p:ext uri="{BB962C8B-B14F-4D97-AF65-F5344CB8AC3E}">
+        <p14:creationId xmlns:p14="http://schemas.microsoft.com/office/powerpoint/2010/main" val="4247774287"/>
+      </p:ext>
+    </p:extLst>
+  </p:cSld>
+  <p:clrMapOvr>
+    <a:masterClrMapping/>
+  </p:clrMapOvr>
+</p:notes>
+</file>
+
+<file path=ppt/notesSlides/notesSlide3.xml><?xml version="1.0" encoding="utf-8"?>
+<p:notes xmlns:a="http://schemas.openxmlformats.org/drawingml/2006/main" xmlns:r="http://schemas.openxmlformats.org/officeDocument/2006/relationships" xmlns:p="http://schemas.openxmlformats.org/presentationml/2006/main">
+  <p:cSld>
+    <p:spTree>
+      <p:nvGrpSpPr>
+        <p:cNvPr id="1" name=""/>
+        <p:cNvGrpSpPr/>
+        <p:nvPr/>
+      </p:nvGrpSpPr>
+      <p:grpSpPr>
+        <a:xfrm>
+          <a:off x="0" y="0"/>
+          <a:ext cx="0" cy="0"/>
+          <a:chOff x="0" y="0"/>
+          <a:chExt cx="0" cy="0"/>
+        </a:xfrm>
+      </p:grpSpPr>
+      <p:sp>
+        <p:nvSpPr>
+          <p:cNvPr id="2" name="Slide Image Placeholder 1"/>
+          <p:cNvSpPr>
+            <a:spLocks noGrp="1" noRot="1" noChangeAspect="1"/>
+          </p:cNvSpPr>
+          <p:nvPr>
+            <p:ph type="sldImg"/>
+          </p:nvPr>
+        </p:nvSpPr>
+        <p:spPr/>
+      </p:sp>
+      <p:sp>
+        <p:nvSpPr>
+          <p:cNvPr id="3" name="Notes Placeholder 2"/>
+          <p:cNvSpPr>
+            <a:spLocks noGrp="1"/>
+          </p:cNvSpPr>
+          <p:nvPr>
+            <p:ph type="body" idx="1"/>
+          </p:nvPr>
+        </p:nvSpPr>
+        <p:spPr/>
+        <p:txBody>
+          <a:bodyPr/>
+          <a:lstStyle/>
+          <a:p>
+            <a:r>
+              <a:rPr lang="cs-CZ" b="1" dirty="0" smtClean="0">
+                <a:latin typeface="Cambria" pitchFamily="18" charset="0"/>
+              </a:rPr>
+              <a:t>soustředíme se </a:t>
+            </a:r>
+            <a:r>
+              <a:rPr lang="cs-CZ" dirty="0" smtClean="0">
+                <a:latin typeface="Cambria" pitchFamily="18" charset="0"/>
+              </a:rPr>
+              <a:t>na speciální případ, kde</a:t>
+            </a:r>
+            <a:endParaRPr lang="en-US" b="1" dirty="0" smtClean="0">
+              <a:latin typeface="Cambria" pitchFamily="18" charset="0"/>
+            </a:endParaRPr>
+          </a:p>
+          <a:p>
+            <a:r>
+              <a:rPr lang="cs-CZ" b="1" dirty="0" smtClean="0">
+                <a:latin typeface="Cambria" pitchFamily="18" charset="0"/>
+              </a:rPr>
+              <a:t>po</a:t>
+            </a:r>
+            <a:r>
+              <a:rPr lang="sk-SK" b="1" dirty="0" smtClean="0">
+                <a:latin typeface="Cambria" pitchFamily="18" charset="0"/>
+              </a:rPr>
+              <a:t>řídíme </a:t>
+            </a:r>
+            <a:r>
+              <a:rPr lang="cs-CZ" b="1" dirty="0" smtClean="0">
+                <a:latin typeface="Cambria" pitchFamily="18" charset="0"/>
+              </a:rPr>
+              <a:t>2 snímky</a:t>
+            </a:r>
+            <a:r>
+              <a:rPr lang="cs-CZ" dirty="0" smtClean="0">
+                <a:latin typeface="Cambria" pitchFamily="18" charset="0"/>
+              </a:rPr>
+              <a:t> stejné předlohy</a:t>
+            </a:r>
+            <a:r>
+              <a:rPr lang="en-US" dirty="0" smtClean="0">
+                <a:latin typeface="Cambria" pitchFamily="18" charset="0"/>
+              </a:rPr>
+              <a:t> s r</a:t>
+            </a:r>
+            <a:r>
+              <a:rPr lang="cs-CZ" dirty="0" smtClean="0">
+                <a:latin typeface="Cambria" pitchFamily="18" charset="0"/>
+              </a:rPr>
+              <a:t>ůznou délkou expozice</a:t>
+            </a:r>
+          </a:p>
+          <a:p>
+            <a:pPr marL="971550" lvl="1" indent="-514350">
+              <a:buFont typeface="+mj-lt"/>
+              <a:buAutoNum type="arabicPeriod"/>
+            </a:pPr>
+            <a:r>
+              <a:rPr lang="cs-CZ" dirty="0" smtClean="0">
+                <a:latin typeface="Cambria" pitchFamily="18" charset="0"/>
+              </a:rPr>
+              <a:t>snímek – krátká expozice → tmav</a:t>
+            </a:r>
+            <a:r>
+              <a:rPr lang="sk-SK" dirty="0" smtClean="0">
+                <a:latin typeface="Cambria" pitchFamily="18" charset="0"/>
+              </a:rPr>
+              <a:t>ší</a:t>
+            </a:r>
+            <a:r>
+              <a:rPr lang="cs-CZ" dirty="0" smtClean="0">
+                <a:latin typeface="Cambria" pitchFamily="18" charset="0"/>
+              </a:rPr>
+              <a:t>, bez rozmazání, </a:t>
+            </a:r>
+            <a:r>
+              <a:rPr lang="en-US" dirty="0" smtClean="0">
+                <a:latin typeface="Cambria" pitchFamily="18" charset="0"/>
+              </a:rPr>
+              <a:t>men</a:t>
+            </a:r>
+            <a:r>
+              <a:rPr lang="cs-CZ" dirty="0" smtClean="0">
+                <a:latin typeface="Cambria" pitchFamily="18" charset="0"/>
+              </a:rPr>
+              <a:t>ší odstup signálu od šumu</a:t>
+            </a:r>
+          </a:p>
+          <a:p>
+            <a:pPr marL="971550" lvl="1" indent="-514350">
+              <a:buFont typeface="+mj-lt"/>
+              <a:buAutoNum type="arabicPeriod"/>
+            </a:pPr>
+            <a:r>
+              <a:rPr lang="cs-CZ" dirty="0" smtClean="0">
+                <a:latin typeface="Cambria" pitchFamily="18" charset="0"/>
+              </a:rPr>
+              <a:t>snímek – delší expozice → správná úroveň osvětlení, větší odstup signálu od šumu, ovšem rozmazán pohybem (snímacího zařízení, nebo objek</a:t>
+            </a:r>
+            <a:r>
+              <a:rPr lang="en-US" dirty="0" smtClean="0">
+                <a:latin typeface="Cambria" pitchFamily="18" charset="0"/>
+              </a:rPr>
+              <a:t>t</a:t>
+            </a:r>
+            <a:r>
+              <a:rPr lang="cs-CZ" dirty="0" smtClean="0">
+                <a:latin typeface="Cambria" pitchFamily="18" charset="0"/>
+              </a:rPr>
+              <a:t>ů ve scéně)</a:t>
+            </a:r>
+          </a:p>
+          <a:p>
+            <a:r>
+              <a:rPr lang="sk-SK" b="1" dirty="0" smtClean="0">
+                <a:latin typeface="Cambria" pitchFamily="18" charset="0"/>
+              </a:rPr>
+              <a:t>cílem</a:t>
+            </a:r>
+            <a:r>
+              <a:rPr lang="sk-SK" dirty="0" smtClean="0">
+                <a:latin typeface="Cambria" pitchFamily="18" charset="0"/>
+              </a:rPr>
+              <a:t> je co nejlepší rekonstrukce „ideálního“ p</a:t>
+            </a:r>
+            <a:r>
+              <a:rPr lang="cs-CZ" dirty="0" smtClean="0">
+                <a:latin typeface="Cambria" pitchFamily="18" charset="0"/>
+              </a:rPr>
+              <a:t>ůvodního obr</a:t>
+            </a:r>
+            <a:r>
+              <a:rPr lang="sk-SK" dirty="0" smtClean="0">
+                <a:latin typeface="Cambria" pitchFamily="18" charset="0"/>
+              </a:rPr>
+              <a:t>ázku z těchto dvou snímk</a:t>
+            </a:r>
+            <a:r>
+              <a:rPr lang="cs-CZ" dirty="0" smtClean="0">
+                <a:latin typeface="Cambria" pitchFamily="18" charset="0"/>
+              </a:rPr>
+              <a:t>ů</a:t>
+            </a:r>
+          </a:p>
+          <a:p>
+            <a:r>
+              <a:rPr lang="sk-SK" b="1" dirty="0" smtClean="0">
+                <a:latin typeface="Cambria" pitchFamily="18" charset="0"/>
+              </a:rPr>
+              <a:t>v praxi </a:t>
+            </a:r>
+            <a:r>
+              <a:rPr lang="sk-SK" dirty="0" smtClean="0">
+                <a:latin typeface="Cambria" pitchFamily="18" charset="0"/>
+              </a:rPr>
+              <a:t>vol</a:t>
+            </a:r>
+            <a:r>
+              <a:rPr lang="cs-CZ" dirty="0" smtClean="0">
+                <a:latin typeface="Cambria" pitchFamily="18" charset="0"/>
+              </a:rPr>
+              <a:t>íme expoziční doby a nastavení ISO  v obráceném poměru → dosahujeme správné úrovně osvitu v obou případech, ovšem různé úrovně šumu</a:t>
+            </a:r>
+          </a:p>
+          <a:p>
+            <a:endParaRPr lang="cs-CZ" b="1" dirty="0"/>
+          </a:p>
+        </p:txBody>
+      </p:sp>
+      <p:sp>
+        <p:nvSpPr>
+          <p:cNvPr id="4" name="Slide Number Placeholder 3"/>
+          <p:cNvSpPr>
+            <a:spLocks noGrp="1"/>
+          </p:cNvSpPr>
+          <p:nvPr>
+            <p:ph type="sldNum" sz="quarter" idx="10"/>
+          </p:nvPr>
+        </p:nvSpPr>
+        <p:spPr/>
+        <p:txBody>
+          <a:bodyPr/>
+          <a:lstStyle/>
+          <a:p>
+            <a:fld id="{FFC80817-C8B3-4C06-B23B-D56824C23AA4}" type="slidenum">
+              <a:rPr lang="cs-CZ" smtClean="0"/>
+              <a:t>4</a:t>
+            </a:fld>
+            <a:endParaRPr lang="cs-CZ"/>
+          </a:p>
+        </p:txBody>
+      </p:sp>
+    </p:spTree>
+    <p:extLst>
+      <p:ext uri="{BB962C8B-B14F-4D97-AF65-F5344CB8AC3E}">
+        <p14:creationId xmlns:p14="http://schemas.microsoft.com/office/powerpoint/2010/main" val="2732798084"/>
+      </p:ext>
+    </p:extLst>
+  </p:cSld>
+  <p:clrMapOvr>
+    <a:masterClrMapping/>
+  </p:clrMapOvr>
+</p:notes>
+</file>
+
+<file path=ppt/notesSlides/notesSlide4.xml><?xml version="1.0" encoding="utf-8"?>
+<p:notes xmlns:a="http://schemas.openxmlformats.org/drawingml/2006/main" xmlns:r="http://schemas.openxmlformats.org/officeDocument/2006/relationships" xmlns:p="http://schemas.openxmlformats.org/presentationml/2006/main">
+  <p:cSld>
+    <p:spTree>
+      <p:nvGrpSpPr>
+        <p:cNvPr id="1" name=""/>
+        <p:cNvGrpSpPr/>
+        <p:nvPr/>
+      </p:nvGrpSpPr>
+      <p:grpSpPr>
+        <a:xfrm>
+          <a:off x="0" y="0"/>
+          <a:ext cx="0" cy="0"/>
+          <a:chOff x="0" y="0"/>
+          <a:chExt cx="0" cy="0"/>
+        </a:xfrm>
+      </p:grpSpPr>
+      <p:sp>
+        <p:nvSpPr>
+          <p:cNvPr id="2" name="Slide Image Placeholder 1"/>
+          <p:cNvSpPr>
+            <a:spLocks noGrp="1" noRot="1" noChangeAspect="1"/>
+          </p:cNvSpPr>
+          <p:nvPr>
+            <p:ph type="sldImg"/>
+          </p:nvPr>
+        </p:nvSpPr>
+        <p:spPr/>
+      </p:sp>
+      <p:sp>
+        <p:nvSpPr>
+          <p:cNvPr id="3" name="Notes Placeholder 2"/>
+          <p:cNvSpPr>
+            <a:spLocks noGrp="1"/>
+          </p:cNvSpPr>
+          <p:nvPr>
+            <p:ph type="body" idx="1"/>
+          </p:nvPr>
+        </p:nvSpPr>
+        <p:spPr/>
+        <p:txBody>
+          <a:bodyPr/>
+          <a:lstStyle/>
+          <a:p>
+            <a:r>
+              <a:rPr lang="cs-CZ" b="1" dirty="0" smtClean="0">
+                <a:latin typeface="Cambria" pitchFamily="18" charset="0"/>
+              </a:rPr>
+              <a:t>Neřešíme:</a:t>
+            </a:r>
+          </a:p>
+          <a:p>
+            <a:pPr lvl="1"/>
+            <a:r>
+              <a:rPr lang="cs-CZ" dirty="0" smtClean="0">
+                <a:latin typeface="Cambria" pitchFamily="18" charset="0"/>
+              </a:rPr>
+              <a:t>registraci </a:t>
+            </a:r>
+            <a:r>
+              <a:rPr lang="en-US" dirty="0" err="1" smtClean="0">
+                <a:latin typeface="Cambria" pitchFamily="18" charset="0"/>
+              </a:rPr>
+              <a:t>sn</a:t>
+            </a:r>
+            <a:r>
+              <a:rPr lang="cs-CZ" dirty="0" smtClean="0">
+                <a:latin typeface="Cambria" pitchFamily="18" charset="0"/>
+              </a:rPr>
+              <a:t>ímků (simulovaná data jsou již registrována, v experimentu na reálných datech registrujeme semi</a:t>
+            </a:r>
+            <a:r>
+              <a:rPr lang="sk-SK" dirty="0" smtClean="0">
+                <a:latin typeface="Cambria" pitchFamily="18" charset="0"/>
+              </a:rPr>
+              <a:t>-manuálně</a:t>
+            </a:r>
+            <a:r>
+              <a:rPr lang="en-US" dirty="0" smtClean="0">
+                <a:latin typeface="Cambria" pitchFamily="18" charset="0"/>
+              </a:rPr>
+              <a:t>)</a:t>
+            </a:r>
+            <a:endParaRPr lang="sk-SK" dirty="0" smtClean="0">
+              <a:latin typeface="Cambria" pitchFamily="18" charset="0"/>
+            </a:endParaRPr>
+          </a:p>
+          <a:p>
+            <a:pPr lvl="1"/>
+            <a:r>
+              <a:rPr lang="sk-SK" dirty="0" smtClean="0">
+                <a:latin typeface="Cambria" pitchFamily="18" charset="0"/>
+              </a:rPr>
+              <a:t>barvy </a:t>
+            </a:r>
+            <a:r>
+              <a:rPr lang="en-US" dirty="0" smtClean="0">
+                <a:latin typeface="Cambria" pitchFamily="18" charset="0"/>
+              </a:rPr>
+              <a:t>(</a:t>
+            </a:r>
+            <a:r>
+              <a:rPr lang="cs-CZ" dirty="0" smtClean="0">
+                <a:latin typeface="Cambria" pitchFamily="18" charset="0"/>
+              </a:rPr>
+              <a:t>šedotónové snímky</a:t>
+            </a:r>
+            <a:r>
+              <a:rPr lang="en-US" dirty="0" smtClean="0">
+                <a:latin typeface="Cambria" pitchFamily="18" charset="0"/>
+              </a:rPr>
+              <a:t>)</a:t>
+            </a:r>
+          </a:p>
+          <a:p>
+            <a:pPr lvl="1"/>
+            <a:r>
+              <a:rPr lang="sk-SK" dirty="0" smtClean="0">
+                <a:latin typeface="Cambria" pitchFamily="18" charset="0"/>
+              </a:rPr>
+              <a:t>lokální rozmazání pohybem, </a:t>
+            </a:r>
+            <a:r>
+              <a:rPr lang="en-US" dirty="0" err="1" smtClean="0">
+                <a:latin typeface="Cambria" pitchFamily="18" charset="0"/>
+              </a:rPr>
+              <a:t>uva</a:t>
+            </a:r>
+            <a:r>
+              <a:rPr lang="cs-CZ" dirty="0" smtClean="0">
+                <a:latin typeface="Cambria" pitchFamily="18" charset="0"/>
+              </a:rPr>
+              <a:t>žujeme pouze </a:t>
+            </a:r>
+            <a:r>
+              <a:rPr lang="sk-SK" dirty="0" smtClean="0">
+                <a:latin typeface="Cambria" pitchFamily="18" charset="0"/>
+              </a:rPr>
+              <a:t>pohyb snímacího zařízení </a:t>
+            </a:r>
+            <a:r>
+              <a:rPr lang="en-US" dirty="0" smtClean="0">
+                <a:latin typeface="Cambria" pitchFamily="18" charset="0"/>
+              </a:rPr>
+              <a:t>(</a:t>
+            </a:r>
+            <a:r>
+              <a:rPr lang="en-US" dirty="0" err="1" smtClean="0">
+                <a:latin typeface="Cambria" pitchFamily="18" charset="0"/>
+              </a:rPr>
+              <a:t>jedna</a:t>
+            </a:r>
+            <a:r>
+              <a:rPr lang="en-US" dirty="0" smtClean="0">
+                <a:latin typeface="Cambria" pitchFamily="18" charset="0"/>
+              </a:rPr>
+              <a:t> z </a:t>
+            </a:r>
+            <a:r>
+              <a:rPr lang="cs-CZ" dirty="0" smtClean="0">
+                <a:latin typeface="Cambria" pitchFamily="18" charset="0"/>
+              </a:rPr>
+              <a:t>později zmiňovaných metod je ovšem schopna se s lokálním rozmazáním vypořádat</a:t>
+            </a:r>
+            <a:r>
+              <a:rPr lang="en-US" dirty="0" smtClean="0">
+                <a:latin typeface="Cambria" pitchFamily="18" charset="0"/>
+              </a:rPr>
+              <a:t>)</a:t>
+            </a:r>
+            <a:endParaRPr lang="sk-SK" dirty="0" smtClean="0">
+              <a:latin typeface="Cambria" pitchFamily="18" charset="0"/>
+            </a:endParaRPr>
+          </a:p>
+          <a:p>
+            <a:pPr lvl="1"/>
+            <a:r>
+              <a:rPr lang="sk-SK" dirty="0" smtClean="0">
+                <a:latin typeface="Cambria" pitchFamily="18" charset="0"/>
+              </a:rPr>
+              <a:t>výpočetní složitost algoritm</a:t>
+            </a:r>
+            <a:r>
+              <a:rPr lang="cs-CZ" dirty="0" smtClean="0">
+                <a:latin typeface="Cambria" pitchFamily="18" charset="0"/>
+              </a:rPr>
+              <a:t>ů</a:t>
+            </a:r>
+            <a:endParaRPr lang="sk-SK" dirty="0" smtClean="0">
+              <a:latin typeface="Cambria" pitchFamily="18" charset="0"/>
+            </a:endParaRPr>
+          </a:p>
+          <a:p>
+            <a:endParaRPr lang="cs-CZ" dirty="0"/>
+          </a:p>
+        </p:txBody>
+      </p:sp>
+      <p:sp>
+        <p:nvSpPr>
+          <p:cNvPr id="4" name="Slide Number Placeholder 3"/>
+          <p:cNvSpPr>
+            <a:spLocks noGrp="1"/>
+          </p:cNvSpPr>
+          <p:nvPr>
+            <p:ph type="sldNum" sz="quarter" idx="10"/>
+          </p:nvPr>
+        </p:nvSpPr>
+        <p:spPr/>
+        <p:txBody>
+          <a:bodyPr/>
+          <a:lstStyle/>
+          <a:p>
+            <a:fld id="{FFC80817-C8B3-4C06-B23B-D56824C23AA4}" type="slidenum">
+              <a:rPr lang="cs-CZ" smtClean="0"/>
+              <a:t>5</a:t>
+            </a:fld>
+            <a:endParaRPr lang="cs-CZ"/>
+          </a:p>
+        </p:txBody>
+      </p:sp>
+    </p:spTree>
+    <p:extLst>
+      <p:ext uri="{BB962C8B-B14F-4D97-AF65-F5344CB8AC3E}">
+        <p14:creationId xmlns:p14="http://schemas.microsoft.com/office/powerpoint/2010/main" val="745983217"/>
+      </p:ext>
+    </p:extLst>
+  </p:cSld>
+  <p:clrMapOvr>
+    <a:masterClrMapping/>
+  </p:clrMapOvr>
+</p:notes>
+</file>
+
+<file path=ppt/notesSlides/notesSlide5.xml><?xml version="1.0" encoding="utf-8"?>
+<p:notes xmlns:a="http://schemas.openxmlformats.org/drawingml/2006/main" xmlns:r="http://schemas.openxmlformats.org/officeDocument/2006/relationships" xmlns:p="http://schemas.openxmlformats.org/presentationml/2006/main">
+  <p:cSld>
+    <p:spTree>
+      <p:nvGrpSpPr>
+        <p:cNvPr id="1" name=""/>
+        <p:cNvGrpSpPr/>
+        <p:nvPr/>
+      </p:nvGrpSpPr>
+      <p:grpSpPr>
+        <a:xfrm>
+          <a:off x="0" y="0"/>
+          <a:ext cx="0" cy="0"/>
+          <a:chOff x="0" y="0"/>
+          <a:chExt cx="0" cy="0"/>
+        </a:xfrm>
+      </p:grpSpPr>
+      <p:sp>
+        <p:nvSpPr>
+          <p:cNvPr id="2" name="Slide Image Placeholder 1"/>
+          <p:cNvSpPr>
+            <a:spLocks noGrp="1" noRot="1" noChangeAspect="1"/>
+          </p:cNvSpPr>
+          <p:nvPr>
+            <p:ph type="sldImg"/>
+          </p:nvPr>
+        </p:nvSpPr>
+        <p:spPr/>
+      </p:sp>
+      <p:sp>
+        <p:nvSpPr>
+          <p:cNvPr id="3" name="Notes Placeholder 2"/>
+          <p:cNvSpPr>
+            <a:spLocks noGrp="1"/>
+          </p:cNvSpPr>
+          <p:nvPr>
+            <p:ph type="body" idx="1"/>
+          </p:nvPr>
+        </p:nvSpPr>
+        <p:spPr/>
+        <p:txBody>
+          <a:bodyPr/>
+          <a:lstStyle/>
+          <a:p>
+            <a:r>
+              <a:rPr lang="sk-SK" b="1" dirty="0" smtClean="0">
+                <a:latin typeface="Cambria" pitchFamily="18" charset="0"/>
+              </a:rPr>
+              <a:t>nastudov</a:t>
+            </a:r>
+            <a:r>
+              <a:rPr lang="cs-CZ" b="1" dirty="0" smtClean="0">
+                <a:latin typeface="Cambria" pitchFamily="18" charset="0"/>
+              </a:rPr>
+              <a:t>áno</a:t>
+            </a:r>
+            <a:r>
+              <a:rPr lang="sk-SK" dirty="0" smtClean="0">
+                <a:latin typeface="Cambria" pitchFamily="18" charset="0"/>
+              </a:rPr>
+              <a:t> zhruba 10 r</a:t>
+            </a:r>
+            <a:r>
+              <a:rPr lang="cs-CZ" dirty="0" smtClean="0">
+                <a:latin typeface="Cambria" pitchFamily="18" charset="0"/>
+              </a:rPr>
+              <a:t>ůzných metod, které vesměs spadají do </a:t>
+            </a:r>
+            <a:r>
+              <a:rPr lang="cs-CZ" b="1" dirty="0" smtClean="0">
+                <a:latin typeface="Cambria" pitchFamily="18" charset="0"/>
+              </a:rPr>
+              <a:t>3 kategorií</a:t>
+            </a:r>
+            <a:r>
+              <a:rPr lang="cs-CZ" dirty="0" smtClean="0">
+                <a:latin typeface="Cambria" pitchFamily="18" charset="0"/>
+              </a:rPr>
+              <a:t> </a:t>
+            </a:r>
+            <a:endParaRPr lang="cs-CZ" b="1" dirty="0" smtClean="0">
+              <a:latin typeface="Cambria" pitchFamily="18" charset="0"/>
+            </a:endParaRPr>
+          </a:p>
+          <a:p>
+            <a:pPr lvl="1"/>
+            <a:r>
+              <a:rPr lang="cs-CZ" dirty="0" smtClean="0">
+                <a:latin typeface="Cambria" pitchFamily="18" charset="0"/>
+              </a:rPr>
+              <a:t>úprava snímku s kratší expoziční dobou </a:t>
+            </a:r>
+            <a:r>
+              <a:rPr lang="en-US" dirty="0" smtClean="0">
+                <a:latin typeface="Cambria" pitchFamily="18" charset="0"/>
+              </a:rPr>
+              <a:t>(</a:t>
+            </a:r>
+            <a:r>
+              <a:rPr lang="en-US" dirty="0" err="1" smtClean="0">
+                <a:latin typeface="Cambria" pitchFamily="18" charset="0"/>
+              </a:rPr>
+              <a:t>bez</a:t>
+            </a:r>
+            <a:r>
+              <a:rPr lang="en-US" dirty="0" smtClean="0">
+                <a:latin typeface="Cambria" pitchFamily="18" charset="0"/>
+              </a:rPr>
+              <a:t> </a:t>
+            </a:r>
+            <a:r>
+              <a:rPr lang="en-US" dirty="0" err="1" smtClean="0">
+                <a:latin typeface="Cambria" pitchFamily="18" charset="0"/>
+              </a:rPr>
+              <a:t>rozmaz</a:t>
+            </a:r>
+            <a:r>
+              <a:rPr lang="cs-CZ" dirty="0" smtClean="0">
+                <a:latin typeface="Cambria" pitchFamily="18" charset="0"/>
+              </a:rPr>
+              <a:t>ání</a:t>
+            </a:r>
+            <a:r>
+              <a:rPr lang="en-US" dirty="0" smtClean="0">
+                <a:latin typeface="Cambria" pitchFamily="18" charset="0"/>
+              </a:rPr>
+              <a:t>)</a:t>
+            </a:r>
+            <a:r>
+              <a:rPr lang="cs-CZ" dirty="0" smtClean="0">
+                <a:latin typeface="Cambria" pitchFamily="18" charset="0"/>
+              </a:rPr>
+              <a:t>, především odstranění šumu</a:t>
+            </a:r>
+            <a:r>
+              <a:rPr lang="cs-CZ" b="1" dirty="0" smtClean="0">
+                <a:latin typeface="Cambria" pitchFamily="18" charset="0"/>
+              </a:rPr>
+              <a:t> → </a:t>
+            </a:r>
+            <a:r>
+              <a:rPr lang="en-US" dirty="0" err="1" smtClean="0">
+                <a:latin typeface="Cambria" pitchFamily="18" charset="0"/>
+              </a:rPr>
+              <a:t>intuitivn</a:t>
+            </a:r>
+            <a:r>
+              <a:rPr lang="cs-CZ" dirty="0" smtClean="0">
+                <a:latin typeface="Cambria" pitchFamily="18" charset="0"/>
+              </a:rPr>
+              <a:t>í a přímočar</a:t>
+            </a:r>
+            <a:r>
+              <a:rPr lang="sk-SK" dirty="0" smtClean="0">
+                <a:latin typeface="Cambria" pitchFamily="18" charset="0"/>
+              </a:rPr>
+              <a:t>é</a:t>
+            </a:r>
+            <a:endParaRPr lang="en-US" dirty="0" smtClean="0">
+              <a:latin typeface="Cambria" pitchFamily="18" charset="0"/>
+            </a:endParaRPr>
+          </a:p>
+          <a:p>
+            <a:pPr lvl="1"/>
+            <a:r>
+              <a:rPr lang="en-US" dirty="0" smtClean="0">
+                <a:latin typeface="Cambria" pitchFamily="18" charset="0"/>
+              </a:rPr>
+              <a:t>f</a:t>
+            </a:r>
+            <a:r>
+              <a:rPr lang="cs-CZ" dirty="0" smtClean="0">
+                <a:latin typeface="Cambria" pitchFamily="18" charset="0"/>
+              </a:rPr>
+              <a:t>úz</a:t>
+            </a:r>
+            <a:r>
+              <a:rPr lang="en-US" dirty="0" smtClean="0">
+                <a:latin typeface="Cambria" pitchFamily="18" charset="0"/>
+              </a:rPr>
+              <a:t>e</a:t>
+            </a:r>
+            <a:r>
+              <a:rPr lang="cs-CZ" dirty="0" smtClean="0">
+                <a:latin typeface="Cambria" pitchFamily="18" charset="0"/>
+              </a:rPr>
+              <a:t> snímků bez využití dekonvoluce</a:t>
+            </a:r>
+          </a:p>
+          <a:p>
+            <a:pPr lvl="1"/>
+            <a:r>
+              <a:rPr lang="cs-CZ" dirty="0" smtClean="0">
+                <a:latin typeface="Cambria" pitchFamily="18" charset="0"/>
+              </a:rPr>
+              <a:t>fúze snímku s použitím dekonvoluce </a:t>
+            </a:r>
+            <a:r>
+              <a:rPr lang="cs-CZ" b="1" dirty="0" smtClean="0">
+                <a:latin typeface="Cambria" pitchFamily="18" charset="0"/>
+              </a:rPr>
+              <a:t>→ </a:t>
+            </a:r>
+            <a:r>
+              <a:rPr lang="cs-CZ" dirty="0" smtClean="0">
+                <a:latin typeface="Cambria" pitchFamily="18" charset="0"/>
+              </a:rPr>
+              <a:t>výpočetně obvykle nejnáročnější</a:t>
+            </a:r>
+          </a:p>
+          <a:p>
+            <a:r>
+              <a:rPr lang="cs-CZ" dirty="0" smtClean="0">
+                <a:latin typeface="Cambria" pitchFamily="18" charset="0"/>
+              </a:rPr>
+              <a:t>z každé kategorie vybr</a:t>
+            </a:r>
+            <a:r>
+              <a:rPr lang="sk-SK" dirty="0" smtClean="0">
+                <a:latin typeface="Cambria" pitchFamily="18" charset="0"/>
+              </a:rPr>
+              <a:t>ána </a:t>
+            </a:r>
+            <a:r>
+              <a:rPr lang="en-US" dirty="0" smtClean="0">
+                <a:latin typeface="Cambria" pitchFamily="18" charset="0"/>
+              </a:rPr>
+              <a:t>a </a:t>
+            </a:r>
+            <a:r>
+              <a:rPr lang="sk-SK" dirty="0" smtClean="0">
+                <a:latin typeface="Cambria" pitchFamily="18" charset="0"/>
+              </a:rPr>
+              <a:t>testována jedna zástupní metoda</a:t>
+            </a:r>
+            <a:endParaRPr lang="en-US" dirty="0" smtClean="0">
+              <a:latin typeface="Cambria" pitchFamily="18" charset="0"/>
+            </a:endParaRPr>
+          </a:p>
+          <a:p>
+            <a:endParaRPr lang="cs-CZ" dirty="0"/>
+          </a:p>
+        </p:txBody>
+      </p:sp>
+      <p:sp>
+        <p:nvSpPr>
+          <p:cNvPr id="4" name="Slide Number Placeholder 3"/>
+          <p:cNvSpPr>
+            <a:spLocks noGrp="1"/>
+          </p:cNvSpPr>
+          <p:nvPr>
+            <p:ph type="sldNum" sz="quarter" idx="10"/>
+          </p:nvPr>
+        </p:nvSpPr>
+        <p:spPr/>
+        <p:txBody>
+          <a:bodyPr/>
+          <a:lstStyle/>
+          <a:p>
+            <a:fld id="{FFC80817-C8B3-4C06-B23B-D56824C23AA4}" type="slidenum">
+              <a:rPr lang="cs-CZ" smtClean="0"/>
+              <a:t>6</a:t>
+            </a:fld>
+            <a:endParaRPr lang="cs-CZ"/>
+          </a:p>
+        </p:txBody>
+      </p:sp>
+    </p:spTree>
+    <p:extLst>
+      <p:ext uri="{BB962C8B-B14F-4D97-AF65-F5344CB8AC3E}">
+        <p14:creationId xmlns:p14="http://schemas.microsoft.com/office/powerpoint/2010/main" val="1141188063"/>
+      </p:ext>
+    </p:extLst>
+  </p:cSld>
+  <p:clrMapOvr>
+    <a:masterClrMapping/>
+  </p:clrMapOvr>
+</p:notes>
+</file>
+
+<file path=ppt/notesSlides/notesSlide6.xml><?xml version="1.0" encoding="utf-8"?>
+<p:notes xmlns:a="http://schemas.openxmlformats.org/drawingml/2006/main" xmlns:r="http://schemas.openxmlformats.org/officeDocument/2006/relationships" xmlns:p="http://schemas.openxmlformats.org/presentationml/2006/main">
+  <p:cSld>
+    <p:spTree>
+      <p:nvGrpSpPr>
+        <p:cNvPr id="1" name=""/>
+        <p:cNvGrpSpPr/>
+        <p:nvPr/>
+      </p:nvGrpSpPr>
+      <p:grpSpPr>
+        <a:xfrm>
+          <a:off x="0" y="0"/>
+          <a:ext cx="0" cy="0"/>
+          <a:chOff x="0" y="0"/>
+          <a:chExt cx="0" cy="0"/>
+        </a:xfrm>
+      </p:grpSpPr>
+      <p:sp>
+        <p:nvSpPr>
+          <p:cNvPr id="2" name="Slide Image Placeholder 1"/>
+          <p:cNvSpPr>
+            <a:spLocks noGrp="1" noRot="1" noChangeAspect="1"/>
+          </p:cNvSpPr>
+          <p:nvPr>
+            <p:ph type="sldImg"/>
+          </p:nvPr>
+        </p:nvSpPr>
+        <p:spPr/>
+      </p:sp>
+      <p:sp>
+        <p:nvSpPr>
+          <p:cNvPr id="3" name="Notes Placeholder 2"/>
+          <p:cNvSpPr>
+            <a:spLocks noGrp="1"/>
+          </p:cNvSpPr>
+          <p:nvPr>
+            <p:ph type="body" idx="1"/>
+          </p:nvPr>
+        </p:nvSpPr>
+        <p:spPr/>
+        <p:txBody>
+          <a:bodyPr/>
+          <a:lstStyle/>
+          <a:p>
+            <a:r>
+              <a:rPr lang="cs-CZ" dirty="0" smtClean="0">
+                <a:latin typeface="Cambria" pitchFamily="18" charset="0"/>
+              </a:rPr>
+              <a:t>vysoce efektivní algoritmus na odstranění šumu</a:t>
+            </a:r>
+          </a:p>
+          <a:p>
+            <a:r>
+              <a:rPr lang="en-US" dirty="0" smtClean="0">
+                <a:latin typeface="Cambria" pitchFamily="18" charset="0"/>
+              </a:rPr>
+              <a:t>p</a:t>
+            </a:r>
+            <a:r>
+              <a:rPr lang="sk-SK" dirty="0" smtClean="0">
+                <a:latin typeface="Cambria" pitchFamily="18" charset="0"/>
+              </a:rPr>
+              <a:t>ublikoval Alessandro Foi a kol.</a:t>
+            </a:r>
+            <a:r>
+              <a:rPr lang="en-US" dirty="0" smtClean="0">
+                <a:latin typeface="Cambria" pitchFamily="18" charset="0"/>
+              </a:rPr>
+              <a:t>  (2006)</a:t>
+            </a:r>
+            <a:endParaRPr lang="sk-SK" dirty="0" smtClean="0">
+              <a:latin typeface="Cambria" pitchFamily="18" charset="0"/>
+            </a:endParaRPr>
+          </a:p>
+          <a:p>
+            <a:r>
+              <a:rPr lang="sk-SK" dirty="0" smtClean="0">
+                <a:latin typeface="Cambria" pitchFamily="18" charset="0"/>
+              </a:rPr>
+              <a:t>BM3D – </a:t>
+            </a:r>
+            <a:r>
+              <a:rPr lang="cs-CZ" dirty="0" smtClean="0">
+                <a:latin typeface="Cambria" pitchFamily="18" charset="0"/>
+              </a:rPr>
+              <a:t>„</a:t>
+            </a:r>
+            <a:r>
+              <a:rPr lang="sk-SK" dirty="0" smtClean="0">
+                <a:latin typeface="Cambria" pitchFamily="18" charset="0"/>
+              </a:rPr>
+              <a:t>block matching and 3D filtering“</a:t>
+            </a:r>
+          </a:p>
+          <a:p>
+            <a:r>
+              <a:rPr lang="sk-SK" dirty="0" smtClean="0">
+                <a:latin typeface="Cambria" pitchFamily="18" charset="0"/>
+              </a:rPr>
+              <a:t>zástupce první kategorie metod řešení, použitý k </a:t>
+            </a:r>
+            <a:r>
+              <a:rPr lang="en-US" dirty="0" smtClean="0">
+                <a:latin typeface="Cambria" pitchFamily="18" charset="0"/>
+              </a:rPr>
+              <a:t>(ne)</a:t>
+            </a:r>
+            <a:r>
+              <a:rPr lang="en-US" dirty="0" err="1" smtClean="0">
+                <a:latin typeface="Cambria" pitchFamily="18" charset="0"/>
+              </a:rPr>
+              <a:t>potvrzen</a:t>
+            </a:r>
+            <a:r>
+              <a:rPr lang="cs-CZ" dirty="0" smtClean="0">
+                <a:latin typeface="Cambria" pitchFamily="18" charset="0"/>
+              </a:rPr>
+              <a:t>í nutnosti fúze dvou snímků</a:t>
+            </a:r>
+          </a:p>
+          <a:p>
+            <a:r>
+              <a:rPr lang="sk-SK" dirty="0" smtClean="0">
+                <a:latin typeface="Cambria" pitchFamily="18" charset="0"/>
+              </a:rPr>
+              <a:t>pro každý pixel ve výsledném obraze:</a:t>
+            </a:r>
+          </a:p>
+          <a:p>
+            <a:pPr lvl="1"/>
+            <a:r>
+              <a:rPr lang="sk-SK" dirty="0" smtClean="0">
+                <a:latin typeface="Cambria" pitchFamily="18" charset="0"/>
+              </a:rPr>
+              <a:t>nalezení podobných bloků v obraze </a:t>
+            </a:r>
+            <a:r>
+              <a:rPr lang="en-US" dirty="0" smtClean="0">
+                <a:latin typeface="Cambria" pitchFamily="18" charset="0"/>
+              </a:rPr>
+              <a:t>(</a:t>
+            </a:r>
+            <a:r>
+              <a:rPr lang="cs-CZ" dirty="0" smtClean="0">
+                <a:latin typeface="Cambria" pitchFamily="18" charset="0"/>
+              </a:rPr>
+              <a:t>„block matching“</a:t>
+            </a:r>
+            <a:r>
+              <a:rPr lang="en-US" dirty="0" smtClean="0">
+                <a:latin typeface="Cambria" pitchFamily="18" charset="0"/>
+              </a:rPr>
+              <a:t>)</a:t>
+            </a:r>
+          </a:p>
+          <a:p>
+            <a:pPr lvl="1"/>
+            <a:r>
+              <a:rPr lang="cs-CZ" dirty="0" smtClean="0">
+                <a:latin typeface="Cambria" pitchFamily="18" charset="0"/>
+              </a:rPr>
+              <a:t>seskládaní podobných bloků na sebe do podoby 3D pole</a:t>
+            </a:r>
+          </a:p>
+          <a:p>
+            <a:pPr lvl="1"/>
+            <a:r>
+              <a:rPr lang="cs-CZ" dirty="0" smtClean="0">
+                <a:latin typeface="Cambria" pitchFamily="18" charset="0"/>
+              </a:rPr>
+              <a:t>provedení 3D diskrétní kosinové transformace</a:t>
+            </a:r>
+          </a:p>
+          <a:p>
+            <a:pPr lvl="1"/>
+            <a:r>
+              <a:rPr lang="cs-CZ" dirty="0" smtClean="0">
+                <a:latin typeface="Cambria" pitchFamily="18" charset="0"/>
+              </a:rPr>
+              <a:t>thresholding koeficientů</a:t>
+            </a:r>
+          </a:p>
+          <a:p>
+            <a:pPr lvl="1"/>
+            <a:r>
+              <a:rPr lang="cs-CZ" dirty="0" smtClean="0">
+                <a:latin typeface="Cambria" pitchFamily="18" charset="0"/>
+              </a:rPr>
+              <a:t>inverzní kosinová transformace</a:t>
+            </a:r>
+          </a:p>
+          <a:p>
+            <a:pPr lvl="1"/>
+            <a:r>
+              <a:rPr lang="cs-CZ" dirty="0" smtClean="0">
+                <a:latin typeface="Cambria" pitchFamily="18" charset="0"/>
+              </a:rPr>
+              <a:t>vážený průměr na sebe seskládaných bloků</a:t>
+            </a:r>
+          </a:p>
+          <a:p>
+            <a:r>
+              <a:rPr lang="cs-CZ" dirty="0" smtClean="0">
+                <a:latin typeface="Cambria" pitchFamily="18" charset="0"/>
+              </a:rPr>
+              <a:t>algoritmus pouze převzat </a:t>
+            </a:r>
+            <a:r>
+              <a:rPr lang="en-US" dirty="0" smtClean="0">
+                <a:latin typeface="Cambria" pitchFamily="18" charset="0"/>
+              </a:rPr>
+              <a:t>(</a:t>
+            </a:r>
+            <a:r>
+              <a:rPr lang="en-US" dirty="0" err="1" smtClean="0">
+                <a:latin typeface="Cambria" pitchFamily="18" charset="0"/>
+              </a:rPr>
+              <a:t>rozhran</a:t>
+            </a:r>
+            <a:r>
+              <a:rPr lang="cs-CZ" dirty="0" smtClean="0">
+                <a:latin typeface="Cambria" pitchFamily="18" charset="0"/>
+              </a:rPr>
+              <a:t>í pro MATLAB</a:t>
+            </a:r>
+            <a:r>
+              <a:rPr lang="en-US" dirty="0" smtClean="0">
+                <a:latin typeface="Cambria" pitchFamily="18" charset="0"/>
+              </a:rPr>
+              <a:t>)</a:t>
+            </a:r>
+            <a:r>
+              <a:rPr lang="cs-CZ" dirty="0" smtClean="0">
+                <a:latin typeface="Cambria" pitchFamily="18" charset="0"/>
+              </a:rPr>
+              <a:t>, nebyl implementován</a:t>
+            </a:r>
+            <a:endParaRPr lang="en-US" dirty="0" smtClean="0">
+              <a:latin typeface="Cambria" pitchFamily="18" charset="0"/>
+            </a:endParaRPr>
+          </a:p>
+          <a:p>
+            <a:endParaRPr lang="cs-CZ" dirty="0"/>
+          </a:p>
+        </p:txBody>
+      </p:sp>
+      <p:sp>
+        <p:nvSpPr>
+          <p:cNvPr id="4" name="Slide Number Placeholder 3"/>
+          <p:cNvSpPr>
+            <a:spLocks noGrp="1"/>
+          </p:cNvSpPr>
+          <p:nvPr>
+            <p:ph type="sldNum" sz="quarter" idx="10"/>
+          </p:nvPr>
+        </p:nvSpPr>
+        <p:spPr/>
+        <p:txBody>
+          <a:bodyPr/>
+          <a:lstStyle/>
+          <a:p>
+            <a:fld id="{FFC80817-C8B3-4C06-B23B-D56824C23AA4}" type="slidenum">
+              <a:rPr lang="cs-CZ" smtClean="0"/>
+              <a:t>7</a:t>
+            </a:fld>
+            <a:endParaRPr lang="cs-CZ"/>
+          </a:p>
+        </p:txBody>
+      </p:sp>
+    </p:spTree>
+    <p:extLst>
+      <p:ext uri="{BB962C8B-B14F-4D97-AF65-F5344CB8AC3E}">
+        <p14:creationId xmlns:p14="http://schemas.microsoft.com/office/powerpoint/2010/main" val="1360182680"/>
+      </p:ext>
+    </p:extLst>
+  </p:cSld>
+  <p:clrMapOvr>
+    <a:masterClrMapping/>
+  </p:clrMapOvr>
+</p:notes>
+</file>
+
+<file path=ppt/notesSlides/notesSlide7.xml><?xml version="1.0" encoding="utf-8"?>
+<p:notes xmlns:a="http://schemas.openxmlformats.org/drawingml/2006/main" xmlns:r="http://schemas.openxmlformats.org/officeDocument/2006/relationships" xmlns:p="http://schemas.openxmlformats.org/presentationml/2006/main">
+  <p:cSld>
+    <p:spTree>
+      <p:nvGrpSpPr>
+        <p:cNvPr id="1" name=""/>
+        <p:cNvGrpSpPr/>
+        <p:nvPr/>
+      </p:nvGrpSpPr>
+      <p:grpSpPr>
+        <a:xfrm>
+          <a:off x="0" y="0"/>
+          <a:ext cx="0" cy="0"/>
+          <a:chOff x="0" y="0"/>
+          <a:chExt cx="0" cy="0"/>
+        </a:xfrm>
+      </p:grpSpPr>
+      <p:sp>
+        <p:nvSpPr>
+          <p:cNvPr id="2" name="Slide Image Placeholder 1"/>
+          <p:cNvSpPr>
+            <a:spLocks noGrp="1" noRot="1" noChangeAspect="1"/>
+          </p:cNvSpPr>
+          <p:nvPr>
+            <p:ph type="sldImg"/>
+          </p:nvPr>
+        </p:nvSpPr>
+        <p:spPr/>
+      </p:sp>
+      <p:sp>
+        <p:nvSpPr>
+          <p:cNvPr id="3" name="Notes Placeholder 2"/>
+          <p:cNvSpPr>
+            <a:spLocks noGrp="1"/>
+          </p:cNvSpPr>
+          <p:nvPr>
+            <p:ph type="body" idx="1"/>
+          </p:nvPr>
+        </p:nvSpPr>
+        <p:spPr/>
+        <p:txBody>
+          <a:bodyPr/>
+          <a:lstStyle/>
+          <a:p>
+            <a:r>
+              <a:rPr lang="cs-CZ" dirty="0" smtClean="0">
+                <a:latin typeface="Cambria" pitchFamily="18" charset="0"/>
+              </a:rPr>
+              <a:t>Marius Tico, 2009</a:t>
+            </a:r>
+          </a:p>
+          <a:p>
+            <a:r>
+              <a:rPr lang="cs-CZ" dirty="0" smtClean="0">
+                <a:latin typeface="Cambria" pitchFamily="18" charset="0"/>
+              </a:rPr>
+              <a:t>fúze snímků bez využití dekonvoluce</a:t>
+            </a:r>
+          </a:p>
+          <a:p>
+            <a:r>
+              <a:rPr lang="en-US" dirty="0" smtClean="0">
+                <a:latin typeface="Cambria" pitchFamily="18" charset="0"/>
+              </a:rPr>
+              <a:t>v m</a:t>
+            </a:r>
+            <a:r>
+              <a:rPr lang="cs-CZ" dirty="0" smtClean="0">
+                <a:latin typeface="Cambria" pitchFamily="18" charset="0"/>
+              </a:rPr>
+              <a:t>ístech ostrých přechodů </a:t>
+            </a:r>
+            <a:r>
+              <a:rPr lang="en-US" dirty="0" smtClean="0">
+                <a:latin typeface="Cambria" pitchFamily="18" charset="0"/>
+              </a:rPr>
+              <a:t>(</a:t>
+            </a:r>
+            <a:r>
+              <a:rPr lang="en-US" dirty="0" err="1" smtClean="0">
+                <a:latin typeface="Cambria" pitchFamily="18" charset="0"/>
+              </a:rPr>
+              <a:t>hrany</a:t>
+            </a:r>
+            <a:r>
+              <a:rPr lang="en-US" dirty="0" smtClean="0">
+                <a:latin typeface="Cambria" pitchFamily="18" charset="0"/>
+              </a:rPr>
+              <a:t>)</a:t>
+            </a:r>
+            <a:r>
+              <a:rPr lang="sk-SK" dirty="0" smtClean="0">
+                <a:latin typeface="Cambria" pitchFamily="18" charset="0"/>
+              </a:rPr>
+              <a:t>, kde šum překáží méně, </a:t>
+            </a:r>
+            <a:r>
+              <a:rPr lang="en-US" dirty="0" smtClean="0">
+                <a:latin typeface="Cambria" pitchFamily="18" charset="0"/>
+              </a:rPr>
+              <a:t>je up</a:t>
+            </a:r>
+            <a:r>
+              <a:rPr lang="cs-CZ" dirty="0" smtClean="0">
+                <a:latin typeface="Cambria" pitchFamily="18" charset="0"/>
+              </a:rPr>
+              <a:t>řednostněn snímek s krátkou expozicí</a:t>
+            </a:r>
+          </a:p>
+          <a:p>
+            <a:r>
+              <a:rPr lang="sk-SK" dirty="0" smtClean="0">
+                <a:latin typeface="Cambria" pitchFamily="18" charset="0"/>
+              </a:rPr>
+              <a:t>v místech </a:t>
+            </a:r>
+            <a:r>
+              <a:rPr lang="en-US" dirty="0" err="1" smtClean="0">
+                <a:latin typeface="Cambria" pitchFamily="18" charset="0"/>
+              </a:rPr>
+              <a:t>mimo</a:t>
+            </a:r>
+            <a:r>
+              <a:rPr lang="en-US" dirty="0" smtClean="0">
+                <a:latin typeface="Cambria" pitchFamily="18" charset="0"/>
+              </a:rPr>
+              <a:t> p</a:t>
+            </a:r>
+            <a:r>
+              <a:rPr lang="cs-CZ" dirty="0" smtClean="0">
+                <a:latin typeface="Cambria" pitchFamily="18" charset="0"/>
+              </a:rPr>
+              <a:t>řechodů</a:t>
+            </a:r>
+            <a:r>
+              <a:rPr lang="sk-SK" dirty="0" smtClean="0">
+                <a:latin typeface="Cambria" pitchFamily="18" charset="0"/>
+              </a:rPr>
+              <a:t> </a:t>
+            </a:r>
+            <a:r>
+              <a:rPr lang="en-US" dirty="0" smtClean="0">
+                <a:latin typeface="Cambria" pitchFamily="18" charset="0"/>
+              </a:rPr>
+              <a:t>(</a:t>
+            </a:r>
+            <a:r>
+              <a:rPr lang="cs-CZ" dirty="0" smtClean="0">
+                <a:latin typeface="Cambria" pitchFamily="18" charset="0"/>
+              </a:rPr>
+              <a:t>plochy</a:t>
+            </a:r>
+            <a:r>
+              <a:rPr lang="en-US" dirty="0" smtClean="0">
+                <a:latin typeface="Cambria" pitchFamily="18" charset="0"/>
+              </a:rPr>
+              <a:t>)</a:t>
+            </a:r>
+            <a:r>
+              <a:rPr lang="cs-CZ" dirty="0" smtClean="0">
+                <a:latin typeface="Cambria" pitchFamily="18" charset="0"/>
+              </a:rPr>
+              <a:t> upřednostníme rozmazaný obrázek</a:t>
+            </a:r>
+          </a:p>
+          <a:p>
+            <a:r>
+              <a:rPr lang="sk-SK" dirty="0" smtClean="0">
+                <a:latin typeface="Cambria" pitchFamily="18" charset="0"/>
+              </a:rPr>
+              <a:t>výpočet probíhá na koeficientech získaných </a:t>
+            </a:r>
+            <a:r>
+              <a:rPr lang="sk-SK" i="1" dirty="0" smtClean="0">
+                <a:latin typeface="Cambria" pitchFamily="18" charset="0"/>
+              </a:rPr>
+              <a:t>stacionární </a:t>
+            </a:r>
+            <a:r>
+              <a:rPr lang="sk-SK" dirty="0" smtClean="0">
+                <a:latin typeface="Cambria" pitchFamily="18" charset="0"/>
+              </a:rPr>
+              <a:t>vaweletovou transformací</a:t>
+            </a:r>
+            <a:endParaRPr lang="en-US" dirty="0" smtClean="0">
+              <a:latin typeface="Cambria" pitchFamily="18" charset="0"/>
+            </a:endParaRPr>
+          </a:p>
+          <a:p>
+            <a:r>
+              <a:rPr lang="cs-CZ" dirty="0" smtClean="0">
+                <a:latin typeface="Cambria" pitchFamily="18" charset="0"/>
+              </a:rPr>
+              <a:t>algoritmus implemento</a:t>
+            </a:r>
+            <a:r>
+              <a:rPr lang="sk-SK" dirty="0" smtClean="0">
+                <a:latin typeface="Cambria" pitchFamily="18" charset="0"/>
+              </a:rPr>
+              <a:t>ván v MATLABu</a:t>
+            </a:r>
+          </a:p>
+          <a:p>
+            <a:r>
+              <a:rPr lang="sk-SK" dirty="0" smtClean="0">
+                <a:latin typeface="Cambria" pitchFamily="18" charset="0"/>
+              </a:rPr>
+              <a:t>algoritmus je schopen vypoř</a:t>
+            </a:r>
+            <a:r>
+              <a:rPr lang="cs-CZ" dirty="0" smtClean="0">
+                <a:latin typeface="Cambria" pitchFamily="18" charset="0"/>
+              </a:rPr>
+              <a:t>ádat se s lokálním rozmazáním </a:t>
+            </a:r>
+            <a:endParaRPr lang="sk-SK" dirty="0" smtClean="0">
+              <a:latin typeface="Cambria" pitchFamily="18" charset="0"/>
+            </a:endParaRPr>
+          </a:p>
+        </p:txBody>
+      </p:sp>
+      <p:sp>
+        <p:nvSpPr>
+          <p:cNvPr id="4" name="Slide Number Placeholder 3"/>
+          <p:cNvSpPr>
+            <a:spLocks noGrp="1"/>
+          </p:cNvSpPr>
+          <p:nvPr>
+            <p:ph type="sldNum" sz="quarter" idx="10"/>
+          </p:nvPr>
+        </p:nvSpPr>
+        <p:spPr/>
+        <p:txBody>
+          <a:bodyPr/>
+          <a:lstStyle/>
+          <a:p>
+            <a:fld id="{FFC80817-C8B3-4C06-B23B-D56824C23AA4}" type="slidenum">
+              <a:rPr lang="cs-CZ" smtClean="0"/>
+              <a:t>8</a:t>
+            </a:fld>
+            <a:endParaRPr lang="cs-CZ"/>
+          </a:p>
+        </p:txBody>
+      </p:sp>
+    </p:spTree>
+    <p:extLst>
+      <p:ext uri="{BB962C8B-B14F-4D97-AF65-F5344CB8AC3E}">
+        <p14:creationId xmlns:p14="http://schemas.microsoft.com/office/powerpoint/2010/main" val="2689191246"/>
+      </p:ext>
+    </p:extLst>
+  </p:cSld>
+  <p:clrMapOvr>
+    <a:masterClrMapping/>
+  </p:clrMapOvr>
+</p:notes>
+</file>
+
+<file path=ppt/notesSlides/notesSlide8.xml><?xml version="1.0" encoding="utf-8"?>
+<p:notes xmlns:a="http://schemas.openxmlformats.org/drawingml/2006/main" xmlns:r="http://schemas.openxmlformats.org/officeDocument/2006/relationships" xmlns:p="http://schemas.openxmlformats.org/presentationml/2006/main">
+  <p:cSld>
+    <p:spTree>
+      <p:nvGrpSpPr>
+        <p:cNvPr id="1" name=""/>
+        <p:cNvGrpSpPr/>
+        <p:nvPr/>
+      </p:nvGrpSpPr>
+      <p:grpSpPr>
+        <a:xfrm>
+          <a:off x="0" y="0"/>
+          <a:ext cx="0" cy="0"/>
+          <a:chOff x="0" y="0"/>
+          <a:chExt cx="0" cy="0"/>
+        </a:xfrm>
+      </p:grpSpPr>
+      <p:sp>
+        <p:nvSpPr>
+          <p:cNvPr id="2" name="Slide Image Placeholder 1"/>
+          <p:cNvSpPr>
+            <a:spLocks noGrp="1" noRot="1" noChangeAspect="1"/>
+          </p:cNvSpPr>
+          <p:nvPr>
+            <p:ph type="sldImg"/>
+          </p:nvPr>
+        </p:nvSpPr>
+        <p:spPr/>
+      </p:sp>
+      <mc:AlternateContent xmlns:mc="http://schemas.openxmlformats.org/markup-compatibility/2006" xmlns:a14="http://schemas.microsoft.com/office/drawing/2010/main">
+        <mc:Choice Requires="a14">
+          <p:sp>
+            <p:nvSpPr>
+              <p:cNvPr id="3" name="Notes Placeholder 2"/>
+              <p:cNvSpPr>
+                <a:spLocks noGrp="1"/>
+              </p:cNvSpPr>
+              <p:nvPr>
+                <p:ph type="body" idx="1"/>
+              </p:nvPr>
+            </p:nvSpPr>
+            <p:spPr/>
+            <p:txBody>
+              <a:bodyPr/>
+              <a:lstStyle/>
+              <a:p>
+                <a:r>
+                  <a:rPr lang="sk-SK" dirty="0" smtClean="0">
+                    <a:latin typeface="Cambria" pitchFamily="18" charset="0"/>
+                  </a:rPr>
+                  <a:t>zvolíme jeden ze 4 testovacích obr</a:t>
+                </a:r>
+                <a:r>
+                  <a:rPr lang="cs-CZ" dirty="0" smtClean="0">
+                    <a:latin typeface="Cambria" pitchFamily="18" charset="0"/>
+                  </a:rPr>
+                  <a:t>ázků, vytvoříme 2 kopie</a:t>
+                </a:r>
+              </a:p>
+              <a:p>
+                <a:r>
+                  <a:rPr lang="cs-CZ" dirty="0" smtClean="0">
+                    <a:latin typeface="Cambria" pitchFamily="18" charset="0"/>
+                  </a:rPr>
+                  <a:t>zvolíme jednu ze 4 testovacích PSF a zmenšíme ji na potřebnou velikost </a:t>
+                </a:r>
+                <a:r>
+                  <a:rPr lang="en-US" dirty="0" smtClean="0">
+                    <a:latin typeface="Cambria" pitchFamily="18" charset="0"/>
+                  </a:rPr>
+                  <a:t>(3, 7, 15, </a:t>
+                </a:r>
+                <a:r>
+                  <a:rPr lang="en-US" dirty="0" err="1" smtClean="0">
+                    <a:latin typeface="Cambria" pitchFamily="18" charset="0"/>
+                  </a:rPr>
+                  <a:t>nebo</a:t>
+                </a:r>
+                <a:r>
+                  <a:rPr lang="en-US" dirty="0" smtClean="0">
+                    <a:latin typeface="Cambria" pitchFamily="18" charset="0"/>
+                  </a:rPr>
+                  <a:t> 31)</a:t>
+                </a:r>
+                <a:endParaRPr lang="cs-CZ" dirty="0" smtClean="0">
+                  <a:latin typeface="Cambria" pitchFamily="18" charset="0"/>
+                </a:endParaRPr>
+              </a:p>
+              <a:p>
+                <a:r>
+                  <a:rPr lang="cs-CZ" dirty="0" smtClean="0">
+                    <a:latin typeface="Cambria" pitchFamily="18" charset="0"/>
+                  </a:rPr>
+                  <a:t>první kopii obrázku rozmažeme zmenšenou PSF a přidáme šum </a:t>
+                </a:r>
+                <a:r>
+                  <a:rPr lang="en-US" dirty="0" smtClean="0">
+                    <a:latin typeface="Cambria" pitchFamily="18" charset="0"/>
+                  </a:rPr>
+                  <a:t>(</a:t>
+                </a:r>
+                <a:r>
+                  <a:rPr lang="cs-CZ" dirty="0" smtClean="0">
+                    <a:latin typeface="Cambria" pitchFamily="18" charset="0"/>
+                  </a:rPr>
+                  <a:t>vždy ISO 100, příp. </a:t>
+                </a:r>
+                <a14:m>
+                  <m:oMath xmlns:m="http://schemas.openxmlformats.org/officeDocument/2006/math">
+                    <m:sSup>
+                      <m:sSupPr>
+                        <m:ctrlPr>
+                          <a:rPr lang="en-US" b="0" i="1" smtClean="0">
+                            <a:latin typeface="Cambria Math"/>
+                          </a:rPr>
+                        </m:ctrlPr>
+                      </m:sSupPr>
+                      <m:e>
+                        <m:r>
+                          <a:rPr lang="en-US" i="1" smtClean="0">
+                            <a:latin typeface="Cambria Math"/>
+                          </a:rPr>
+                          <m:t>𝜎</m:t>
+                        </m:r>
+                      </m:e>
+                      <m:sup>
+                        <m:r>
+                          <a:rPr lang="en-US" b="0" i="1" smtClean="0">
+                            <a:latin typeface="Cambria Math"/>
+                          </a:rPr>
+                          <m:t>2</m:t>
+                        </m:r>
+                      </m:sup>
+                    </m:sSup>
+                    <m:r>
+                      <a:rPr lang="en-US" b="0" i="1" smtClean="0">
+                        <a:latin typeface="Cambria Math"/>
+                      </a:rPr>
+                      <m:t>=</m:t>
+                    </m:r>
+                    <m:sSup>
+                      <m:sSupPr>
+                        <m:ctrlPr>
+                          <a:rPr lang="en-US" b="0" i="1" smtClean="0">
+                            <a:latin typeface="Cambria Math"/>
+                          </a:rPr>
+                        </m:ctrlPr>
+                      </m:sSupPr>
+                      <m:e>
+                        <m:r>
+                          <a:rPr lang="en-US" b="0" i="1" smtClean="0">
+                            <a:latin typeface="Cambria Math"/>
+                          </a:rPr>
+                          <m:t>10</m:t>
+                        </m:r>
+                      </m:e>
+                      <m:sup>
+                        <m:r>
+                          <a:rPr lang="en-US" b="0" i="1" smtClean="0">
+                            <a:latin typeface="Cambria Math"/>
+                          </a:rPr>
+                          <m:t>−5</m:t>
+                        </m:r>
+                      </m:sup>
+                    </m:sSup>
+                  </m:oMath>
+                </a14:m>
+                <a:r>
+                  <a:rPr lang="en-US" dirty="0" smtClean="0">
+                    <a:latin typeface="Cambria" pitchFamily="18" charset="0"/>
+                  </a:rPr>
+                  <a:t>, </a:t>
+                </a:r>
+                <a:r>
+                  <a:rPr lang="en-US" dirty="0" err="1" smtClean="0">
+                    <a:latin typeface="Cambria" pitchFamily="18" charset="0"/>
+                  </a:rPr>
+                  <a:t>podle</a:t>
+                </a:r>
+                <a:r>
+                  <a:rPr lang="en-US" dirty="0" smtClean="0">
+                    <a:latin typeface="Cambria" pitchFamily="18" charset="0"/>
+                  </a:rPr>
+                  <a:t> re</a:t>
+                </a:r>
+                <a:r>
+                  <a:rPr lang="cs-CZ" dirty="0" smtClean="0">
+                    <a:latin typeface="Cambria" pitchFamily="18" charset="0"/>
+                  </a:rPr>
+                  <a:t>žimu</a:t>
+                </a:r>
+                <a:r>
+                  <a:rPr lang="en-US" dirty="0" smtClean="0">
+                    <a:latin typeface="Cambria" pitchFamily="18" charset="0"/>
+                  </a:rPr>
+                  <a:t>)</a:t>
+                </a:r>
+                <a:r>
+                  <a:rPr lang="cs-CZ" dirty="0" smtClean="0">
+                    <a:latin typeface="Cambria" pitchFamily="18" charset="0"/>
+                  </a:rPr>
+                  <a:t> →</a:t>
+                </a:r>
+                <a:r>
+                  <a:rPr lang="en-US" dirty="0" smtClean="0">
+                    <a:latin typeface="Cambria" pitchFamily="18" charset="0"/>
+                  </a:rPr>
+                  <a:t> </a:t>
+                </a:r>
+                <a:r>
+                  <a:rPr lang="cs-CZ" dirty="0" smtClean="0">
+                    <a:latin typeface="Cambria" pitchFamily="18" charset="0"/>
+                  </a:rPr>
+                  <a:t>rozmazaný obrázek, simulace dlouhé expozice</a:t>
+                </a:r>
+              </a:p>
+              <a:p>
+                <a:r>
+                  <a:rPr lang="cs-CZ" dirty="0" smtClean="0">
+                    <a:latin typeface="Cambria" pitchFamily="18" charset="0"/>
+                  </a:rPr>
+                  <a:t>d</a:t>
+                </a:r>
+                <a:r>
+                  <a:rPr lang="en-US" dirty="0" err="1" smtClean="0">
+                    <a:latin typeface="Cambria" pitchFamily="18" charset="0"/>
+                  </a:rPr>
+                  <a:t>ruhou</a:t>
+                </a:r>
+                <a:r>
+                  <a:rPr lang="en-US" dirty="0" smtClean="0">
+                    <a:latin typeface="Cambria" pitchFamily="18" charset="0"/>
+                  </a:rPr>
+                  <a:t> </a:t>
+                </a:r>
+                <a:r>
+                  <a:rPr lang="en-US" dirty="0" err="1" smtClean="0">
+                    <a:latin typeface="Cambria" pitchFamily="18" charset="0"/>
+                  </a:rPr>
+                  <a:t>kopii</a:t>
+                </a:r>
+                <a:r>
+                  <a:rPr lang="en-US" dirty="0" smtClean="0">
+                    <a:latin typeface="Cambria" pitchFamily="18" charset="0"/>
+                  </a:rPr>
+                  <a:t> </a:t>
+                </a:r>
+                <a:r>
+                  <a:rPr lang="en-US" dirty="0" err="1" smtClean="0">
+                    <a:latin typeface="Cambria" pitchFamily="18" charset="0"/>
+                  </a:rPr>
+                  <a:t>obr</a:t>
+                </a:r>
+                <a:r>
+                  <a:rPr lang="cs-CZ" dirty="0" smtClean="0">
+                    <a:latin typeface="Cambria" pitchFamily="18" charset="0"/>
+                  </a:rPr>
+                  <a:t>ázku</a:t>
+                </a:r>
+                <a:r>
+                  <a:rPr lang="en-US" dirty="0" smtClean="0">
+                    <a:latin typeface="Cambria" pitchFamily="18" charset="0"/>
+                  </a:rPr>
+                  <a:t> z</a:t>
+                </a:r>
+                <a:r>
+                  <a:rPr lang="cs-CZ" dirty="0" smtClean="0">
+                    <a:latin typeface="Cambria" pitchFamily="18" charset="0"/>
+                  </a:rPr>
+                  <a:t>ašumíme (podle režimu ISO, nebo </a:t>
+                </a:r>
+                <a14:m>
+                  <m:oMath xmlns:m="http://schemas.openxmlformats.org/officeDocument/2006/math">
+                    <m:sSup>
+                      <m:sSupPr>
+                        <m:ctrlPr>
+                          <a:rPr lang="en-US" i="1">
+                            <a:latin typeface="Cambria Math"/>
+                          </a:rPr>
+                        </m:ctrlPr>
+                      </m:sSupPr>
+                      <m:e>
+                        <m:r>
+                          <a:rPr lang="en-US" i="1">
+                            <a:latin typeface="Cambria Math"/>
+                          </a:rPr>
+                          <m:t>𝜎</m:t>
+                        </m:r>
+                      </m:e>
+                      <m:sup>
+                        <m:r>
+                          <a:rPr lang="en-US" i="1">
+                            <a:latin typeface="Cambria Math"/>
+                          </a:rPr>
+                          <m:t>2</m:t>
+                        </m:r>
+                      </m:sup>
+                    </m:sSup>
+                  </m:oMath>
+                </a14:m>
+                <a:r>
+                  <a:rPr lang="en-US" dirty="0" smtClean="0">
+                    <a:latin typeface="Cambria" pitchFamily="18" charset="0"/>
+                  </a:rPr>
+                  <a:t>)</a:t>
+                </a:r>
+                <a:r>
+                  <a:rPr lang="cs-CZ" dirty="0" smtClean="0">
+                    <a:latin typeface="Cambria" pitchFamily="18" charset="0"/>
+                  </a:rPr>
+                  <a:t> → zašuměný obrázek, krátká expozice</a:t>
+                </a:r>
+              </a:p>
+              <a:p>
+                <a:r>
+                  <a:rPr lang="cs-CZ" dirty="0" smtClean="0">
+                    <a:latin typeface="Cambria" pitchFamily="18" charset="0"/>
+                  </a:rPr>
+                  <a:t>zašuměný obrázek odšumíme pomocí algoritmu BM3D</a:t>
+                </a:r>
+              </a:p>
+              <a:p>
+                <a:r>
+                  <a:rPr lang="cs-CZ" dirty="0" smtClean="0">
+                    <a:latin typeface="Cambria" pitchFamily="18" charset="0"/>
+                  </a:rPr>
+                  <a:t>provedeme fúzi obou obrázků algoritmy Tica a MC-AM</a:t>
+                </a:r>
+              </a:p>
+              <a:p>
+                <a:r>
+                  <a:rPr lang="cs-CZ" dirty="0" smtClean="0">
+                    <a:latin typeface="Cambria" pitchFamily="18" charset="0"/>
+                  </a:rPr>
+                  <a:t>vyhodnotíme výsledky</a:t>
+                </a:r>
+              </a:p>
+            </p:txBody>
+          </p:sp>
+        </mc:Choice>
+        <mc:Fallback xmlns="">
+          <p:sp>
+            <p:nvSpPr>
+              <p:cNvPr id="3" name="Notes Placeholder 2"/>
+              <p:cNvSpPr>
+                <a:spLocks noGrp="1"/>
+              </p:cNvSpPr>
+              <p:nvPr>
+                <p:ph type="body" idx="1"/>
+              </p:nvPr>
+            </p:nvSpPr>
+            <p:spPr/>
+            <p:txBody>
+              <a:bodyPr/>
+              <a:lstStyle/>
+              <a:p>
+                <a:r>
+                  <a:rPr lang="sk-SK" dirty="0" smtClean="0">
+                    <a:latin typeface="Cambria" pitchFamily="18" charset="0"/>
+                  </a:rPr>
+                  <a:t>zvolíme jeden ze 4 testovacích obr</a:t>
+                </a:r>
+                <a:r>
+                  <a:rPr lang="cs-CZ" dirty="0" smtClean="0">
+                    <a:latin typeface="Cambria" pitchFamily="18" charset="0"/>
+                  </a:rPr>
+                  <a:t>ázků, vytvoříme 2 kopie</a:t>
+                </a:r>
+              </a:p>
+              <a:p>
+                <a:r>
+                  <a:rPr lang="cs-CZ" dirty="0" smtClean="0">
+                    <a:latin typeface="Cambria" pitchFamily="18" charset="0"/>
+                  </a:rPr>
+                  <a:t>zvolíme jednu ze 4 testovacích PSF a zmenšíme ji na potřebnou velikost </a:t>
+                </a:r>
+                <a:r>
+                  <a:rPr lang="en-US" dirty="0" smtClean="0">
+                    <a:latin typeface="Cambria" pitchFamily="18" charset="0"/>
+                  </a:rPr>
+                  <a:t>(3, 7, 15, </a:t>
+                </a:r>
+                <a:r>
+                  <a:rPr lang="en-US" dirty="0" err="1" smtClean="0">
+                    <a:latin typeface="Cambria" pitchFamily="18" charset="0"/>
+                  </a:rPr>
+                  <a:t>nebo</a:t>
+                </a:r>
+                <a:r>
+                  <a:rPr lang="en-US" dirty="0" smtClean="0">
+                    <a:latin typeface="Cambria" pitchFamily="18" charset="0"/>
+                  </a:rPr>
+                  <a:t> 31)</a:t>
+                </a:r>
+                <a:endParaRPr lang="cs-CZ" dirty="0" smtClean="0">
+                  <a:latin typeface="Cambria" pitchFamily="18" charset="0"/>
+                </a:endParaRPr>
+              </a:p>
+              <a:p>
+                <a:r>
+                  <a:rPr lang="cs-CZ" dirty="0" smtClean="0">
+                    <a:latin typeface="Cambria" pitchFamily="18" charset="0"/>
+                  </a:rPr>
+                  <a:t>první kopii obrázku rozmažeme zmenšenou PSF a přidáme šum </a:t>
+                </a:r>
+                <a:r>
+                  <a:rPr lang="en-US" dirty="0" smtClean="0">
+                    <a:latin typeface="Cambria" pitchFamily="18" charset="0"/>
+                  </a:rPr>
+                  <a:t>(</a:t>
+                </a:r>
+                <a:r>
+                  <a:rPr lang="cs-CZ" dirty="0" smtClean="0">
+                    <a:latin typeface="Cambria" pitchFamily="18" charset="0"/>
+                  </a:rPr>
+                  <a:t>vždy ISO 100, příp. </a:t>
+                </a:r>
+                <a:r>
+                  <a:rPr lang="en-US" i="0" smtClean="0">
+                    <a:latin typeface="Cambria Math"/>
+                  </a:rPr>
+                  <a:t>𝜎</a:t>
+                </a:r>
+                <a:r>
+                  <a:rPr lang="en-US" b="0" i="0" smtClean="0">
+                    <a:latin typeface="Cambria Math"/>
+                  </a:rPr>
+                  <a:t>^2=〖10〗^(−5)</a:t>
+                </a:r>
+                <a:r>
+                  <a:rPr lang="en-US" dirty="0" smtClean="0">
+                    <a:latin typeface="Cambria" pitchFamily="18" charset="0"/>
+                  </a:rPr>
+                  <a:t>, </a:t>
+                </a:r>
+                <a:r>
+                  <a:rPr lang="en-US" dirty="0" err="1" smtClean="0">
+                    <a:latin typeface="Cambria" pitchFamily="18" charset="0"/>
+                  </a:rPr>
+                  <a:t>podle</a:t>
+                </a:r>
+                <a:r>
+                  <a:rPr lang="en-US" dirty="0" smtClean="0">
+                    <a:latin typeface="Cambria" pitchFamily="18" charset="0"/>
+                  </a:rPr>
+                  <a:t> re</a:t>
+                </a:r>
+                <a:r>
+                  <a:rPr lang="cs-CZ" dirty="0" smtClean="0">
+                    <a:latin typeface="Cambria" pitchFamily="18" charset="0"/>
+                  </a:rPr>
+                  <a:t>žimu</a:t>
+                </a:r>
+                <a:r>
+                  <a:rPr lang="en-US" dirty="0" smtClean="0">
+                    <a:latin typeface="Cambria" pitchFamily="18" charset="0"/>
+                  </a:rPr>
+                  <a:t>)</a:t>
+                </a:r>
+                <a:r>
+                  <a:rPr lang="cs-CZ" dirty="0" smtClean="0">
+                    <a:latin typeface="Cambria" pitchFamily="18" charset="0"/>
+                  </a:rPr>
+                  <a:t> →</a:t>
+                </a:r>
+                <a:r>
+                  <a:rPr lang="en-US" dirty="0" smtClean="0">
+                    <a:latin typeface="Cambria" pitchFamily="18" charset="0"/>
+                  </a:rPr>
+                  <a:t> </a:t>
+                </a:r>
+                <a:r>
+                  <a:rPr lang="cs-CZ" dirty="0" smtClean="0">
+                    <a:latin typeface="Cambria" pitchFamily="18" charset="0"/>
+                  </a:rPr>
+                  <a:t>rozmazaný obrázek, simulace dlouhé expozice</a:t>
+                </a:r>
+              </a:p>
+              <a:p>
+                <a:r>
+                  <a:rPr lang="cs-CZ" dirty="0" smtClean="0">
+                    <a:latin typeface="Cambria" pitchFamily="18" charset="0"/>
+                  </a:rPr>
+                  <a:t>d</a:t>
+                </a:r>
+                <a:r>
+                  <a:rPr lang="en-US" dirty="0" err="1" smtClean="0">
+                    <a:latin typeface="Cambria" pitchFamily="18" charset="0"/>
+                  </a:rPr>
+                  <a:t>ruhou</a:t>
+                </a:r>
+                <a:r>
+                  <a:rPr lang="en-US" dirty="0" smtClean="0">
+                    <a:latin typeface="Cambria" pitchFamily="18" charset="0"/>
+                  </a:rPr>
+                  <a:t> </a:t>
+                </a:r>
+                <a:r>
+                  <a:rPr lang="en-US" dirty="0" err="1" smtClean="0">
+                    <a:latin typeface="Cambria" pitchFamily="18" charset="0"/>
+                  </a:rPr>
+                  <a:t>kopii</a:t>
+                </a:r>
+                <a:r>
+                  <a:rPr lang="en-US" dirty="0" smtClean="0">
+                    <a:latin typeface="Cambria" pitchFamily="18" charset="0"/>
+                  </a:rPr>
+                  <a:t> </a:t>
+                </a:r>
+                <a:r>
+                  <a:rPr lang="en-US" dirty="0" err="1" smtClean="0">
+                    <a:latin typeface="Cambria" pitchFamily="18" charset="0"/>
+                  </a:rPr>
+                  <a:t>obr</a:t>
+                </a:r>
+                <a:r>
+                  <a:rPr lang="cs-CZ" dirty="0" smtClean="0">
+                    <a:latin typeface="Cambria" pitchFamily="18" charset="0"/>
+                  </a:rPr>
+                  <a:t>ázku</a:t>
+                </a:r>
+                <a:r>
+                  <a:rPr lang="en-US" dirty="0" smtClean="0">
+                    <a:latin typeface="Cambria" pitchFamily="18" charset="0"/>
+                  </a:rPr>
+                  <a:t> z</a:t>
+                </a:r>
+                <a:r>
+                  <a:rPr lang="cs-CZ" dirty="0" smtClean="0">
+                    <a:latin typeface="Cambria" pitchFamily="18" charset="0"/>
+                  </a:rPr>
+                  <a:t>ašumíme (podle režimu ISO, nebo </a:t>
+                </a:r>
+                <a:r>
+                  <a:rPr lang="en-US" i="0">
+                    <a:latin typeface="Cambria Math"/>
+                  </a:rPr>
+                  <a:t>𝜎^2</a:t>
+                </a:r>
+                <a:r>
+                  <a:rPr lang="en-US" dirty="0" smtClean="0">
+                    <a:latin typeface="Cambria" pitchFamily="18" charset="0"/>
+                  </a:rPr>
+                  <a:t>)</a:t>
+                </a:r>
+                <a:r>
+                  <a:rPr lang="cs-CZ" dirty="0" smtClean="0">
+                    <a:latin typeface="Cambria" pitchFamily="18" charset="0"/>
+                  </a:rPr>
+                  <a:t> → zašuměný obrázek, krátká expozice</a:t>
+                </a:r>
+              </a:p>
+              <a:p>
+                <a:r>
+                  <a:rPr lang="cs-CZ" dirty="0" smtClean="0">
+                    <a:latin typeface="Cambria" pitchFamily="18" charset="0"/>
+                  </a:rPr>
+                  <a:t>zašuměný obrázek odšumíme pomocí algoritmu BM3D</a:t>
+                </a:r>
+              </a:p>
+              <a:p>
+                <a:r>
+                  <a:rPr lang="cs-CZ" dirty="0" smtClean="0">
+                    <a:latin typeface="Cambria" pitchFamily="18" charset="0"/>
+                  </a:rPr>
+                  <a:t>provedeme fúzi obou obrázků algoritmy Tica a MC-AM</a:t>
+                </a:r>
+              </a:p>
+              <a:p>
+                <a:r>
+                  <a:rPr lang="cs-CZ" dirty="0" smtClean="0">
+                    <a:latin typeface="Cambria" pitchFamily="18" charset="0"/>
+                  </a:rPr>
+                  <a:t>vyhodnotíme výsledky</a:t>
+                </a:r>
+              </a:p>
+            </p:txBody>
+          </p:sp>
+        </mc:Fallback>
+      </mc:AlternateContent>
+      <p:sp>
+        <p:nvSpPr>
+          <p:cNvPr id="4" name="Slide Number Placeholder 3"/>
+          <p:cNvSpPr>
+            <a:spLocks noGrp="1"/>
+          </p:cNvSpPr>
+          <p:nvPr>
+            <p:ph type="sldNum" sz="quarter" idx="10"/>
+          </p:nvPr>
+        </p:nvSpPr>
+        <p:spPr/>
+        <p:txBody>
+          <a:bodyPr/>
+          <a:lstStyle/>
+          <a:p>
+            <a:fld id="{FFC80817-C8B3-4C06-B23B-D56824C23AA4}" type="slidenum">
+              <a:rPr lang="cs-CZ" smtClean="0"/>
+              <a:t>12</a:t>
+            </a:fld>
+            <a:endParaRPr lang="cs-CZ"/>
+          </a:p>
+        </p:txBody>
+      </p:sp>
+    </p:spTree>
+    <p:extLst>
+      <p:ext uri="{BB962C8B-B14F-4D97-AF65-F5344CB8AC3E}">
+        <p14:creationId xmlns:p14="http://schemas.microsoft.com/office/powerpoint/2010/main" val="3095488689"/>
+      </p:ext>
+    </p:extLst>
+  </p:cSld>
+  <p:clrMapOvr>
+    <a:masterClrMapping/>
+  </p:clrMapOvr>
+</p:notes>
+</file>
+
 <file path=ppt/slideLayouts/slideLayout1.xml><?xml version="1.0" encoding="utf-8"?>
 <p:sldLayout xmlns:a="http://schemas.openxmlformats.org/drawingml/2006/main" xmlns:r="http://schemas.openxmlformats.org/officeDocument/2006/relationships" xmlns:p="http://schemas.openxmlformats.org/presentationml/2006/main" type="title" preserve="1">
   <p:cSld name="Title Slide">
@@ -305,7 +2929,7 @@
             <a:fld id="{023CC8AF-17A9-49B5-A42A-9812D67D3D81}" type="datetimeFigureOut">
               <a:rPr lang="en-US" smtClean="0"/>
               <a:pPr/>
-              <a:t>5/20/2012</a:t>
+              <a:t>5/22/2012</a:t>
             </a:fld>
             <a:endParaRPr lang="en-US"/>
           </a:p>
@@ -472,7 +3096,7 @@
             <a:fld id="{023CC8AF-17A9-49B5-A42A-9812D67D3D81}" type="datetimeFigureOut">
               <a:rPr lang="en-US" smtClean="0"/>
               <a:pPr/>
-              <a:t>5/20/2012</a:t>
+              <a:t>5/22/2012</a:t>
             </a:fld>
             <a:endParaRPr lang="en-US"/>
           </a:p>
@@ -649,7 +3273,7 @@
             <a:fld id="{023CC8AF-17A9-49B5-A42A-9812D67D3D81}" type="datetimeFigureOut">
               <a:rPr lang="en-US" smtClean="0"/>
               <a:pPr/>
-              <a:t>5/20/2012</a:t>
+              <a:t>5/22/2012</a:t>
             </a:fld>
             <a:endParaRPr lang="en-US"/>
           </a:p>
@@ -816,7 +3440,7 @@
             <a:fld id="{023CC8AF-17A9-49B5-A42A-9812D67D3D81}" type="datetimeFigureOut">
               <a:rPr lang="en-US" smtClean="0"/>
               <a:pPr/>
-              <a:t>5/20/2012</a:t>
+              <a:t>5/22/2012</a:t>
             </a:fld>
             <a:endParaRPr lang="en-US"/>
           </a:p>
@@ -1059,7 +3683,7 @@
             <a:fld id="{023CC8AF-17A9-49B5-A42A-9812D67D3D81}" type="datetimeFigureOut">
               <a:rPr lang="en-US" smtClean="0"/>
               <a:pPr/>
-              <a:t>5/20/2012</a:t>
+              <a:t>5/22/2012</a:t>
             </a:fld>
             <a:endParaRPr lang="en-US"/>
           </a:p>
@@ -1344,7 +3968,7 @@
             <a:fld id="{023CC8AF-17A9-49B5-A42A-9812D67D3D81}" type="datetimeFigureOut">
               <a:rPr lang="en-US" smtClean="0"/>
               <a:pPr/>
-              <a:t>5/20/2012</a:t>
+              <a:t>5/22/2012</a:t>
             </a:fld>
             <a:endParaRPr lang="en-US"/>
           </a:p>
@@ -1763,7 +4387,7 @@
             <a:fld id="{023CC8AF-17A9-49B5-A42A-9812D67D3D81}" type="datetimeFigureOut">
               <a:rPr lang="en-US" smtClean="0"/>
               <a:pPr/>
-              <a:t>5/20/2012</a:t>
+              <a:t>5/22/2012</a:t>
             </a:fld>
             <a:endParaRPr lang="en-US"/>
           </a:p>
@@ -1878,7 +4502,7 @@
             <a:fld id="{023CC8AF-17A9-49B5-A42A-9812D67D3D81}" type="datetimeFigureOut">
               <a:rPr lang="en-US" smtClean="0"/>
               <a:pPr/>
-              <a:t>5/20/2012</a:t>
+              <a:t>5/22/2012</a:t>
             </a:fld>
             <a:endParaRPr lang="en-US"/>
           </a:p>
@@ -1970,7 +4594,7 @@
             <a:fld id="{023CC8AF-17A9-49B5-A42A-9812D67D3D81}" type="datetimeFigureOut">
               <a:rPr lang="en-US" smtClean="0"/>
               <a:pPr/>
-              <a:t>5/20/2012</a:t>
+              <a:t>5/22/2012</a:t>
             </a:fld>
             <a:endParaRPr lang="en-US"/>
           </a:p>
@@ -2244,7 +4868,7 @@
             <a:fld id="{023CC8AF-17A9-49B5-A42A-9812D67D3D81}" type="datetimeFigureOut">
               <a:rPr lang="en-US" smtClean="0"/>
               <a:pPr/>
-              <a:t>5/20/2012</a:t>
+              <a:t>5/22/2012</a:t>
             </a:fld>
             <a:endParaRPr lang="en-US"/>
           </a:p>
@@ -2494,7 +5118,7 @@
             <a:fld id="{023CC8AF-17A9-49B5-A42A-9812D67D3D81}" type="datetimeFigureOut">
               <a:rPr lang="en-US" smtClean="0"/>
               <a:pPr/>
-              <a:t>5/20/2012</a:t>
+              <a:t>5/22/2012</a:t>
             </a:fld>
             <a:endParaRPr lang="en-US"/>
           </a:p>
@@ -2704,7 +5328,7 @@
             <a:fld id="{023CC8AF-17A9-49B5-A42A-9812D67D3D81}" type="datetimeFigureOut">
               <a:rPr lang="en-US" smtClean="0"/>
               <a:pPr/>
-              <a:t>5/20/2012</a:t>
+              <a:t>5/22/2012</a:t>
             </a:fld>
             <a:endParaRPr lang="en-US"/>
           </a:p>
@@ -3342,7 +5966,7 @@
           <p:nvPr/>
         </p:nvPicPr>
         <p:blipFill>
-          <a:blip r:embed="rId2"/>
+          <a:blip r:embed="rId3"/>
           <a:stretch>
             <a:fillRect/>
           </a:stretch>
@@ -3408,7 +6032,7 @@
               <a:rPr lang="cs-CZ" b="1" dirty="0" smtClean="0">
                 <a:latin typeface="Cambria" pitchFamily="18" charset="0"/>
               </a:rPr>
-              <a:t>Experimentální výsledky</a:t>
+              <a:t>Experiment</a:t>
             </a:r>
             <a:endParaRPr lang="en-US" b="1" dirty="0">
               <a:latin typeface="Cambria" pitchFamily="18" charset="0"/>
@@ -3439,77 +6063,147 @@
           <a:lstStyle/>
           <a:p>
             <a:r>
-              <a:rPr lang="cs-CZ" b="1" dirty="0" smtClean="0">
-                <a:latin typeface="Cambria" pitchFamily="18" charset="0"/>
-              </a:rPr>
-              <a:t>Razligh, Kehtarnavaz </a:t>
-            </a:r>
-            <a:r>
-              <a:rPr lang="en-US" b="1" dirty="0" smtClean="0">
-                <a:latin typeface="Cambria" pitchFamily="18" charset="0"/>
-              </a:rPr>
-              <a:t>(2007)</a:t>
-            </a:r>
-            <a:r>
-              <a:rPr lang="cs-CZ" dirty="0" smtClean="0">
-                <a:latin typeface="Cambria" pitchFamily="18" charset="0"/>
-              </a:rPr>
-              <a:t>– metoda netestována</a:t>
-            </a:r>
-          </a:p>
-          <a:p>
-            <a:r>
-              <a:rPr lang="cs-CZ" b="1" dirty="0" smtClean="0">
-                <a:latin typeface="Cambria" pitchFamily="18" charset="0"/>
-              </a:rPr>
-              <a:t>Ti</a:t>
-            </a:r>
-            <a:r>
-              <a:rPr lang="en-US" b="1" dirty="0" smtClean="0">
-                <a:latin typeface="Cambria" pitchFamily="18" charset="0"/>
-              </a:rPr>
-              <a:t>co (2009) –</a:t>
+              <a:rPr lang="cs-CZ" dirty="0" smtClean="0">
+                <a:latin typeface="Cambria" pitchFamily="18" charset="0"/>
+              </a:rPr>
+              <a:t>proveden na simulovaných a reálných datech </a:t>
+            </a:r>
+          </a:p>
+          <a:p>
+            <a:r>
+              <a:rPr lang="cs-CZ" dirty="0">
+                <a:latin typeface="Cambria" pitchFamily="18" charset="0"/>
+              </a:rPr>
+              <a:t>s</a:t>
+            </a:r>
+            <a:r>
+              <a:rPr lang="cs-CZ" dirty="0" smtClean="0">
+                <a:latin typeface="Cambria" pitchFamily="18" charset="0"/>
+              </a:rPr>
+              <a:t>imulovaný experiment ve dvou režimech – ISO </a:t>
             </a:r>
             <a:r>
               <a:rPr lang="en-US" dirty="0" smtClean="0">
                 <a:latin typeface="Cambria" pitchFamily="18" charset="0"/>
               </a:rPr>
+              <a:t>(</a:t>
+            </a:r>
+            <a:r>
+              <a:rPr lang="en-US" dirty="0" err="1" smtClean="0">
+                <a:latin typeface="Cambria" pitchFamily="18" charset="0"/>
+              </a:rPr>
+              <a:t>simulace</a:t>
+            </a:r>
+            <a:r>
+              <a:rPr lang="en-US" dirty="0" smtClean="0">
+                <a:latin typeface="Cambria" pitchFamily="18" charset="0"/>
+              </a:rPr>
               <a:t> </a:t>
             </a:r>
             <a:r>
               <a:rPr lang="en-US" dirty="0" err="1" smtClean="0">
                 <a:latin typeface="Cambria" pitchFamily="18" charset="0"/>
               </a:rPr>
-              <a:t>zlep</a:t>
-            </a:r>
-            <a:r>
-              <a:rPr lang="cs-CZ" dirty="0" smtClean="0">
-                <a:latin typeface="Cambria" pitchFamily="18" charset="0"/>
-              </a:rPr>
-              <a:t>šení odstupu signálu od šumu v řádu 1 až 2 dB</a:t>
-            </a:r>
-          </a:p>
-          <a:p>
-            <a:r>
-              <a:rPr lang="cs-CZ" dirty="0" smtClean="0">
-                <a:latin typeface="Cambria" pitchFamily="18" charset="0"/>
-              </a:rPr>
-              <a:t>Ostatní metody nedokončeny</a:t>
-            </a:r>
-          </a:p>
-          <a:p>
-            <a:r>
-              <a:rPr lang="cs-CZ" dirty="0" smtClean="0">
-                <a:latin typeface="Cambria" pitchFamily="18" charset="0"/>
-              </a:rPr>
-              <a:t>Celkové srovnání není k dispozici</a:t>
-            </a:r>
-          </a:p>
-          <a:p>
-            <a:pPr>
-              <a:buNone/>
-            </a:pPr>
-            <a:endParaRPr lang="en-US" b="1" dirty="0">
+              <a:t>Gaussovsko</a:t>
+            </a:r>
+            <a:r>
+              <a:rPr lang="en-US" dirty="0" smtClean="0">
+                <a:latin typeface="Cambria" pitchFamily="18" charset="0"/>
+              </a:rPr>
+              <a:t> </a:t>
+            </a:r>
+            <a:r>
+              <a:rPr lang="sk-SK" dirty="0" smtClean="0">
+                <a:latin typeface="Cambria" pitchFamily="18" charset="0"/>
+              </a:rPr>
+              <a:t>– Poissonovského šumu</a:t>
+            </a:r>
+            <a:r>
+              <a:rPr lang="en-US" dirty="0" smtClean="0">
+                <a:latin typeface="Cambria" pitchFamily="18" charset="0"/>
+              </a:rPr>
+              <a:t> </a:t>
+            </a:r>
+            <a:r>
+              <a:rPr lang="en-US" dirty="0" err="1" smtClean="0">
+                <a:latin typeface="Cambria" pitchFamily="18" charset="0"/>
+              </a:rPr>
+              <a:t>podle</a:t>
+            </a:r>
+            <a:r>
+              <a:rPr lang="en-US" dirty="0" smtClean="0">
+                <a:latin typeface="Cambria" pitchFamily="18" charset="0"/>
+              </a:rPr>
+              <a:t> </a:t>
+            </a:r>
+            <a:r>
+              <a:rPr lang="en-US" dirty="0" err="1" smtClean="0">
+                <a:latin typeface="Cambria" pitchFamily="18" charset="0"/>
+              </a:rPr>
+              <a:t>pr</a:t>
+            </a:r>
+            <a:r>
+              <a:rPr lang="sk-SK" dirty="0" smtClean="0">
+                <a:latin typeface="Cambria" pitchFamily="18" charset="0"/>
+              </a:rPr>
+              <a:t>ác A. Foie a P. Ojalu</a:t>
+            </a:r>
+            <a:r>
+              <a:rPr lang="en-US" dirty="0" smtClean="0">
+                <a:latin typeface="Cambria" pitchFamily="18" charset="0"/>
+              </a:rPr>
+              <a:t>) a Gauss</a:t>
+            </a:r>
+            <a:r>
+              <a:rPr lang="sk-SK" dirty="0" smtClean="0">
+                <a:latin typeface="Cambria" pitchFamily="18" charset="0"/>
+              </a:rPr>
+              <a:t> </a:t>
+            </a:r>
+            <a:r>
+              <a:rPr lang="en-US" dirty="0" smtClean="0">
+                <a:latin typeface="Cambria" pitchFamily="18" charset="0"/>
+              </a:rPr>
+              <a:t>(</a:t>
+            </a:r>
+            <a:r>
+              <a:rPr lang="cs-CZ" dirty="0" smtClean="0">
+                <a:latin typeface="Cambria" pitchFamily="18" charset="0"/>
+              </a:rPr>
+              <a:t>střední hodnota rovna nule</a:t>
+            </a:r>
+            <a:r>
+              <a:rPr lang="en-US" dirty="0">
+                <a:latin typeface="Cambria" pitchFamily="18" charset="0"/>
+              </a:rPr>
+              <a:t>)</a:t>
+            </a:r>
+            <a:endParaRPr lang="cs-CZ" dirty="0" smtClean="0">
+              <a:latin typeface="Cambria" pitchFamily="18" charset="0"/>
+            </a:endParaRPr>
+          </a:p>
+          <a:p>
+            <a:r>
+              <a:rPr lang="cs-CZ" dirty="0" smtClean="0">
+                <a:latin typeface="Cambria" pitchFamily="18" charset="0"/>
+              </a:rPr>
+              <a:t>3 experimenty na reálných datech</a:t>
+            </a:r>
+          </a:p>
+          <a:p>
+            <a:r>
+              <a:rPr lang="cs-CZ" dirty="0" smtClean="0">
+                <a:latin typeface="Cambria" pitchFamily="18" charset="0"/>
+              </a:rPr>
+              <a:t>výsledky vyhodnocovány pomocí </a:t>
+            </a:r>
+            <a:r>
+              <a:rPr lang="cs-CZ" i="1" dirty="0" smtClean="0">
+                <a:latin typeface="Cambria" pitchFamily="18" charset="0"/>
+              </a:rPr>
+              <a:t>SNR</a:t>
+            </a:r>
+            <a:endParaRPr lang="cs-CZ" dirty="0" smtClean="0">
               <a:latin typeface="Cambria" pitchFamily="18" charset="0"/>
             </a:endParaRPr>
           </a:p>
@@ -3566,7 +6260,7 @@
               <a:rPr lang="cs-CZ" b="1" dirty="0" smtClean="0">
                 <a:latin typeface="Cambria" pitchFamily="18" charset="0"/>
               </a:rPr>
-              <a:t>Experimentální výsledky</a:t>
+              <a:t>Simulovaná data - příprava</a:t>
             </a:r>
             <a:endParaRPr lang="en-US" b="1" dirty="0">
               <a:latin typeface="Cambria" pitchFamily="18" charset="0"/>
@@ -3574,111 +6268,411 @@
           </a:p>
         </p:txBody>
       </p:sp>
-      <p:sp>
-        <p:nvSpPr>
-          <p:cNvPr id="3" name="Content Placeholder 2"/>
-          <p:cNvSpPr>
-            <a:spLocks noGrp="1"/>
-          </p:cNvSpPr>
-          <p:nvPr>
-            <p:ph idx="1"/>
-          </p:nvPr>
-        </p:nvSpPr>
-        <p:spPr>
-          <a:xfrm>
-            <a:off x="228600" y="1600200"/>
-            <a:ext cx="8686800" cy="4525963"/>
-          </a:xfrm>
-        </p:spPr>
-        <p:txBody>
-          <a:bodyPr>
-            <a:normAutofit/>
-          </a:bodyPr>
-          <a:lstStyle/>
-          <a:p>
-            <a:r>
-              <a:rPr lang="cs-CZ" b="1" dirty="0" smtClean="0">
-                <a:latin typeface="Cambria" pitchFamily="18" charset="0"/>
-              </a:rPr>
-              <a:t>Razligh, Kehtarnavaz </a:t>
-            </a:r>
-            <a:r>
-              <a:rPr lang="en-US" b="1" dirty="0" smtClean="0">
-                <a:latin typeface="Cambria" pitchFamily="18" charset="0"/>
-              </a:rPr>
-              <a:t>(2007)</a:t>
-            </a:r>
-            <a:r>
-              <a:rPr lang="cs-CZ" dirty="0" smtClean="0">
-                <a:latin typeface="Cambria" pitchFamily="18" charset="0"/>
-              </a:rPr>
-              <a:t>– metoda netestována</a:t>
-            </a:r>
-          </a:p>
-          <a:p>
-            <a:r>
-              <a:rPr lang="cs-CZ" b="1" dirty="0" smtClean="0">
-                <a:latin typeface="Cambria" pitchFamily="18" charset="0"/>
-              </a:rPr>
-              <a:t>Ti</a:t>
-            </a:r>
-            <a:r>
-              <a:rPr lang="en-US" b="1" dirty="0" smtClean="0">
-                <a:latin typeface="Cambria" pitchFamily="18" charset="0"/>
-              </a:rPr>
-              <a:t>co (2009) –</a:t>
-            </a:r>
-            <a:r>
-              <a:rPr lang="en-US" dirty="0" smtClean="0">
-                <a:latin typeface="Cambria" pitchFamily="18" charset="0"/>
-              </a:rPr>
-              <a:t> </a:t>
-            </a:r>
-            <a:r>
-              <a:rPr lang="en-US" dirty="0" err="1" smtClean="0">
-                <a:latin typeface="Cambria" pitchFamily="18" charset="0"/>
-              </a:rPr>
-              <a:t>zlep</a:t>
-            </a:r>
-            <a:r>
-              <a:rPr lang="cs-CZ" dirty="0" smtClean="0">
-                <a:latin typeface="Cambria" pitchFamily="18" charset="0"/>
-              </a:rPr>
-              <a:t>šení odstupu signálu od šumu v řádu 1 až 2 dB</a:t>
-            </a:r>
-          </a:p>
-          <a:p>
-            <a:r>
-              <a:rPr lang="cs-CZ" dirty="0" smtClean="0">
-                <a:latin typeface="Cambria" pitchFamily="18" charset="0"/>
-              </a:rPr>
-              <a:t>Ostatní metody nedokončeny</a:t>
-            </a:r>
-          </a:p>
-          <a:p>
-            <a:r>
-              <a:rPr lang="cs-CZ" dirty="0" smtClean="0">
-                <a:latin typeface="Cambria" pitchFamily="18" charset="0"/>
-              </a:rPr>
-              <a:t>Celkové srovnání není k dispozici</a:t>
-            </a:r>
-          </a:p>
-          <a:p>
-            <a:pPr>
-              <a:buNone/>
-            </a:pPr>
-            <a:endParaRPr lang="en-US" b="1" dirty="0">
-              <a:latin typeface="Cambria" pitchFamily="18" charset="0"/>
-            </a:endParaRPr>
-          </a:p>
-        </p:txBody>
-      </p:sp>
+      <mc:AlternateContent xmlns:mc="http://schemas.openxmlformats.org/markup-compatibility/2006" xmlns:a14="http://schemas.microsoft.com/office/drawing/2010/main">
+        <mc:Choice Requires="a14">
+          <p:sp>
+            <p:nvSpPr>
+              <p:cNvPr id="3" name="Content Placeholder 2"/>
+              <p:cNvSpPr>
+                <a:spLocks noGrp="1"/>
+              </p:cNvSpPr>
+              <p:nvPr>
+                <p:ph idx="1"/>
+              </p:nvPr>
+            </p:nvSpPr>
+            <p:spPr>
+              <a:xfrm>
+                <a:off x="228600" y="1646237"/>
+                <a:ext cx="8686800" cy="4525963"/>
+              </a:xfrm>
+            </p:spPr>
+            <p:txBody>
+              <a:bodyPr>
+                <a:normAutofit fontScale="92500" lnSpcReduction="10000"/>
+              </a:bodyPr>
+              <a:lstStyle/>
+              <a:p>
+                <a:r>
+                  <a:rPr lang="cs-CZ" dirty="0" smtClean="0">
+                    <a:latin typeface="Cambria" pitchFamily="18" charset="0"/>
+                  </a:rPr>
+                  <a:t>vybrané 4 obrázky </a:t>
+                </a:r>
+                <a:r>
+                  <a:rPr lang="en-US" dirty="0" smtClean="0">
+                    <a:latin typeface="Cambria" pitchFamily="18" charset="0"/>
+                  </a:rPr>
+                  <a:t>(256 x 256) </a:t>
+                </a:r>
+                <a:r>
+                  <a:rPr lang="cs-CZ" dirty="0" smtClean="0">
+                    <a:latin typeface="Cambria" pitchFamily="18" charset="0"/>
+                  </a:rPr>
+                  <a:t>a 4 typy rozmazání </a:t>
+                </a:r>
+                <a:r>
+                  <a:rPr lang="en-US" dirty="0" smtClean="0">
+                    <a:latin typeface="Cambria" pitchFamily="18" charset="0"/>
+                  </a:rPr>
+                  <a:t>(PSF)</a:t>
+                </a:r>
+              </a:p>
+              <a:p>
+                <a:r>
+                  <a:rPr lang="en-US" dirty="0" smtClean="0">
+                    <a:latin typeface="Cambria" pitchFamily="18" charset="0"/>
+                  </a:rPr>
+                  <a:t>4 </a:t>
+                </a:r>
+                <a:r>
+                  <a:rPr lang="en-US" dirty="0" err="1" smtClean="0">
+                    <a:latin typeface="Cambria" pitchFamily="18" charset="0"/>
+                  </a:rPr>
+                  <a:t>velikosti</a:t>
+                </a:r>
+                <a:r>
+                  <a:rPr lang="en-US" dirty="0" smtClean="0">
+                    <a:latin typeface="Cambria" pitchFamily="18" charset="0"/>
+                  </a:rPr>
+                  <a:t> </a:t>
+                </a:r>
+                <a:r>
+                  <a:rPr lang="en-US" dirty="0" err="1" smtClean="0">
+                    <a:latin typeface="Cambria" pitchFamily="18" charset="0"/>
+                  </a:rPr>
+                  <a:t>rozmaz</a:t>
+                </a:r>
+                <a:r>
+                  <a:rPr lang="cs-CZ" dirty="0" smtClean="0">
+                    <a:latin typeface="Cambria" pitchFamily="18" charset="0"/>
+                  </a:rPr>
+                  <a:t>ání </a:t>
+                </a:r>
+                <a:r>
+                  <a:rPr lang="en-US" dirty="0" smtClean="0">
+                    <a:latin typeface="Cambria" pitchFamily="18" charset="0"/>
+                  </a:rPr>
+                  <a:t>- </a:t>
+                </a:r>
+                <a:r>
+                  <a:rPr lang="cs-CZ" dirty="0" smtClean="0">
+                    <a:latin typeface="Cambria" pitchFamily="18" charset="0"/>
+                  </a:rPr>
+                  <a:t>3, 7, 15 a 31</a:t>
+                </a:r>
+              </a:p>
+              <a:p>
+                <a:r>
+                  <a:rPr lang="cs-CZ" dirty="0" smtClean="0">
+                    <a:latin typeface="Cambria" pitchFamily="18" charset="0"/>
+                  </a:rPr>
+                  <a:t>9 hodnot ISO – </a:t>
+                </a:r>
+                <a14:m>
+                  <m:oMath xmlns:m="http://schemas.openxmlformats.org/officeDocument/2006/math">
+                    <m:r>
+                      <a:rPr lang="cs-CZ" b="0" i="1" smtClean="0">
+                        <a:latin typeface="Cambria Math"/>
+                      </a:rPr>
+                      <m:t>100∗</m:t>
+                    </m:r>
+                    <m:sSup>
+                      <m:sSupPr>
+                        <m:ctrlPr>
+                          <a:rPr lang="en-US" b="0" i="1" smtClean="0">
+                            <a:latin typeface="Cambria Math"/>
+                          </a:rPr>
+                        </m:ctrlPr>
+                      </m:sSupPr>
+                      <m:e>
+                        <m:r>
+                          <a:rPr lang="en-US" b="0" i="1" smtClean="0">
+                            <a:latin typeface="Cambria Math"/>
+                          </a:rPr>
+                          <m:t>2</m:t>
+                        </m:r>
+                      </m:e>
+                      <m:sup>
+                        <m:r>
+                          <a:rPr lang="en-US" b="0" i="1" smtClean="0">
+                            <a:latin typeface="Cambria Math"/>
+                          </a:rPr>
+                          <m:t>𝑖</m:t>
+                        </m:r>
+                      </m:sup>
+                    </m:sSup>
+                  </m:oMath>
+                </a14:m>
+                <a:r>
+                  <a:rPr lang="en-US" dirty="0" smtClean="0">
+                    <a:latin typeface="Cambria" pitchFamily="18" charset="0"/>
+                  </a:rPr>
+                  <a:t>, </a:t>
+                </a:r>
+                <a14:m>
+                  <m:oMath xmlns:m="http://schemas.openxmlformats.org/officeDocument/2006/math">
+                    <m:r>
+                      <a:rPr lang="en-US" b="0" i="1" dirty="0" smtClean="0">
+                        <a:latin typeface="Cambria Math"/>
+                      </a:rPr>
+                      <m:t>𝑖</m:t>
+                    </m:r>
+                    <m:r>
+                      <a:rPr lang="en-US" b="0" i="1" dirty="0" smtClean="0">
+                        <a:latin typeface="Cambria Math"/>
+                      </a:rPr>
+                      <m:t>∈{1..8,10} </m:t>
+                    </m:r>
+                  </m:oMath>
+                </a14:m>
+                <a:endParaRPr lang="cs-CZ" dirty="0" smtClean="0">
+                  <a:latin typeface="Cambria" pitchFamily="18" charset="0"/>
+                </a:endParaRPr>
+              </a:p>
+              <a:p>
+                <a:r>
+                  <a:rPr lang="cs-CZ" dirty="0" smtClean="0">
+                    <a:latin typeface="Cambria" pitchFamily="18" charset="0"/>
+                  </a:rPr>
+                  <a:t>4 hodnoty rozptylů</a:t>
+                </a:r>
+                <a:r>
+                  <a:rPr lang="en-US" dirty="0" smtClean="0">
+                    <a:latin typeface="Cambria" pitchFamily="18" charset="0"/>
+                  </a:rPr>
+                  <a:t> </a:t>
+                </a:r>
+                <a:r>
+                  <a:rPr lang="cs-CZ" dirty="0" smtClean="0">
+                    <a:latin typeface="Cambria" pitchFamily="18" charset="0"/>
+                  </a:rPr>
+                  <a:t>–</a:t>
+                </a:r>
+                <a:r>
+                  <a:rPr lang="en-US" dirty="0" smtClean="0">
+                    <a:latin typeface="Cambria" pitchFamily="18" charset="0"/>
+                  </a:rPr>
+                  <a:t>  </a:t>
+                </a:r>
+                <a14:m>
+                  <m:oMath xmlns:m="http://schemas.openxmlformats.org/officeDocument/2006/math">
+                    <m:sSup>
+                      <m:sSupPr>
+                        <m:ctrlPr>
+                          <a:rPr lang="en-US" b="0" i="1" smtClean="0">
+                            <a:latin typeface="Cambria Math"/>
+                          </a:rPr>
+                        </m:ctrlPr>
+                      </m:sSupPr>
+                      <m:e>
+                        <m:r>
+                          <a:rPr lang="cs-CZ" i="1">
+                            <a:latin typeface="Cambria Math"/>
+                          </a:rPr>
+                          <m:t>10</m:t>
+                        </m:r>
+                      </m:e>
+                      <m:sup>
+                        <m:r>
+                          <a:rPr lang="en-US" b="0" i="1" smtClean="0">
+                            <a:latin typeface="Cambria Math"/>
+                          </a:rPr>
+                          <m:t>−</m:t>
+                        </m:r>
+                        <m:r>
+                          <a:rPr lang="en-US" b="0" i="1" smtClean="0">
+                            <a:latin typeface="Cambria Math"/>
+                          </a:rPr>
+                          <m:t>𝑖</m:t>
+                        </m:r>
+                      </m:sup>
+                    </m:sSup>
+                  </m:oMath>
+                </a14:m>
+                <a:r>
+                  <a:rPr lang="en-US" dirty="0" smtClean="0">
+                    <a:latin typeface="Cambria" pitchFamily="18" charset="0"/>
+                  </a:rPr>
+                  <a:t>, </a:t>
+                </a:r>
+                <a14:m>
+                  <m:oMath xmlns:m="http://schemas.openxmlformats.org/officeDocument/2006/math">
+                    <m:r>
+                      <a:rPr lang="en-US" i="1" dirty="0">
+                        <a:latin typeface="Cambria Math"/>
+                      </a:rPr>
+                      <m:t>𝑖</m:t>
+                    </m:r>
+                    <m:r>
+                      <a:rPr lang="en-US" i="1" dirty="0">
+                        <a:latin typeface="Cambria Math"/>
+                      </a:rPr>
+                      <m:t>∈{1..4}</m:t>
+                    </m:r>
+                  </m:oMath>
+                </a14:m>
+                <a:endParaRPr lang="en-US" dirty="0" smtClean="0">
+                  <a:latin typeface="Cambria" pitchFamily="18" charset="0"/>
+                </a:endParaRPr>
+              </a:p>
+              <a:p>
+                <a:r>
+                  <a:rPr lang="en-US" dirty="0" smtClean="0">
+                    <a:latin typeface="Cambria" pitchFamily="18" charset="0"/>
+                  </a:rPr>
+                  <a:t>ISO </a:t>
+                </a:r>
+                <a:r>
+                  <a:rPr lang="en-US" dirty="0" err="1" smtClean="0">
+                    <a:latin typeface="Cambria" pitchFamily="18" charset="0"/>
+                  </a:rPr>
+                  <a:t>hodnota</a:t>
+                </a:r>
+                <a:r>
+                  <a:rPr lang="en-US" dirty="0" smtClean="0">
+                    <a:latin typeface="Cambria" pitchFamily="18" charset="0"/>
+                  </a:rPr>
+                  <a:t> 100 a </a:t>
+                </a:r>
+                <a:r>
+                  <a:rPr lang="en-US" dirty="0" err="1" smtClean="0">
+                    <a:latin typeface="Cambria" pitchFamily="18" charset="0"/>
+                  </a:rPr>
+                  <a:t>rozptyl</a:t>
+                </a:r>
+                <a:r>
+                  <a:rPr lang="en-US" dirty="0" smtClean="0">
+                    <a:latin typeface="Cambria" pitchFamily="18" charset="0"/>
+                  </a:rPr>
+                  <a:t> </a:t>
+                </a:r>
+                <a14:m>
+                  <m:oMath xmlns:m="http://schemas.openxmlformats.org/officeDocument/2006/math">
+                    <m:sSup>
+                      <m:sSupPr>
+                        <m:ctrlPr>
+                          <a:rPr lang="en-US" i="1">
+                            <a:latin typeface="Cambria Math"/>
+                          </a:rPr>
+                        </m:ctrlPr>
+                      </m:sSupPr>
+                      <m:e>
+                        <m:r>
+                          <a:rPr lang="cs-CZ" i="1">
+                            <a:latin typeface="Cambria Math"/>
+                          </a:rPr>
+                          <m:t>10</m:t>
+                        </m:r>
+                      </m:e>
+                      <m:sup>
+                        <m:r>
+                          <a:rPr lang="en-US" i="1">
+                            <a:latin typeface="Cambria Math"/>
+                          </a:rPr>
+                          <m:t>−</m:t>
+                        </m:r>
+                        <m:r>
+                          <a:rPr lang="en-US" b="0" i="1" smtClean="0">
+                            <a:latin typeface="Cambria Math"/>
+                          </a:rPr>
+                          <m:t>5</m:t>
+                        </m:r>
+                      </m:sup>
+                    </m:sSup>
+                  </m:oMath>
+                </a14:m>
+                <a:r>
+                  <a:rPr lang="en-US" dirty="0" smtClean="0">
+                    <a:latin typeface="Cambria" pitchFamily="18" charset="0"/>
+                  </a:rPr>
+                  <a:t> </a:t>
+                </a:r>
+                <a:r>
+                  <a:rPr lang="en-US" dirty="0" err="1" smtClean="0">
+                    <a:latin typeface="Cambria" pitchFamily="18" charset="0"/>
+                  </a:rPr>
+                  <a:t>rezervov</a:t>
+                </a:r>
+                <a:r>
+                  <a:rPr lang="cs-CZ" dirty="0" smtClean="0">
+                    <a:latin typeface="Cambria" pitchFamily="18" charset="0"/>
+                  </a:rPr>
+                  <a:t>ány pro rozmazaný obrázek</a:t>
+                </a:r>
+              </a:p>
+              <a:p>
+                <a:r>
+                  <a:rPr lang="en-US" dirty="0" err="1" smtClean="0">
+                    <a:latin typeface="Cambria" pitchFamily="18" charset="0"/>
+                  </a:rPr>
+                  <a:t>celkem</a:t>
+                </a:r>
+                <a:r>
+                  <a:rPr lang="cs-CZ" dirty="0" smtClean="0">
+                    <a:latin typeface="Cambria" pitchFamily="18" charset="0"/>
+                  </a:rPr>
+                  <a:t> 576 testovacích scénářů v ISO a 256 v Gauss re</a:t>
+                </a:r>
+                <a:r>
+                  <a:rPr lang="sk-SK" dirty="0" smtClean="0">
+                    <a:latin typeface="Cambria" pitchFamily="18" charset="0"/>
+                  </a:rPr>
+                  <a:t>žimu</a:t>
+                </a:r>
+                <a:endParaRPr lang="cs-CZ" dirty="0" smtClean="0">
+                  <a:latin typeface="Cambria" pitchFamily="18" charset="0"/>
+                </a:endParaRPr>
+              </a:p>
+              <a:p>
+                <a:pPr>
+                  <a:buNone/>
+                </a:pPr>
+                <a:endParaRPr lang="en-US" b="1" dirty="0">
+                  <a:latin typeface="Cambria" pitchFamily="18" charset="0"/>
+                </a:endParaRPr>
+              </a:p>
+            </p:txBody>
+          </p:sp>
+        </mc:Choice>
+        <mc:Fallback xmlns="">
+          <p:sp>
+            <p:nvSpPr>
+              <p:cNvPr id="3" name="Content Placeholder 2"/>
+              <p:cNvSpPr>
+                <a:spLocks noGrp="1" noRot="1" noChangeAspect="1" noMove="1" noResize="1" noEditPoints="1" noAdjustHandles="1" noChangeArrowheads="1" noChangeShapeType="1" noTextEdit="1"/>
+              </p:cNvSpPr>
+              <p:nvPr>
+                <p:ph idx="1"/>
+              </p:nvPr>
+            </p:nvSpPr>
+            <p:spPr>
+              <a:xfrm>
+                <a:off x="228600" y="1646237"/>
+                <a:ext cx="8686800" cy="4525963"/>
+              </a:xfrm>
+              <a:blipFill rotWithShape="1">
+                <a:blip r:embed="rId2"/>
+                <a:stretch>
+                  <a:fillRect l="-1474" t="-2826"/>
+                </a:stretch>
+              </a:blipFill>
+            </p:spPr>
+            <p:txBody>
+              <a:bodyPr/>
+              <a:lstStyle/>
+              <a:p>
+                <a:r>
+                  <a:rPr lang="cs-CZ">
+                    <a:noFill/>
+                  </a:rPr>
+                  <a:t> </a:t>
+                </a:r>
+              </a:p>
+            </p:txBody>
+          </p:sp>
+        </mc:Fallback>
+      </mc:AlternateContent>
     </p:spTree>
-    <p:extLst>
-      <p:ext uri="{BB962C8B-B14F-4D97-AF65-F5344CB8AC3E}">
-        <p14:creationId xmlns:p14="http://schemas.microsoft.com/office/powerpoint/2010/main" val="2905277980"/>
-      </p:ext>
-    </p:extLst>
   </p:cSld>
   <p:clrMapOvr>
     <a:masterClrMapping/>
@@ -3729,7 +6723,7 @@
               <a:rPr lang="cs-CZ" b="1" dirty="0" smtClean="0">
                 <a:latin typeface="Cambria" pitchFamily="18" charset="0"/>
               </a:rPr>
-              <a:t>Experimentální výsledky</a:t>
+              <a:t>Simulovaná data - provedení</a:t>
             </a:r>
             <a:endParaRPr lang="en-US" b="1" dirty="0">
               <a:latin typeface="Cambria" pitchFamily="18" charset="0"/>
@@ -3737,109 +6731,234 @@
           </a:p>
         </p:txBody>
       </p:sp>
-      <p:sp>
-        <p:nvSpPr>
-          <p:cNvPr id="3" name="Content Placeholder 2"/>
-          <p:cNvSpPr>
-            <a:spLocks noGrp="1"/>
-          </p:cNvSpPr>
-          <p:nvPr>
-            <p:ph idx="1"/>
-          </p:nvPr>
-        </p:nvSpPr>
-        <p:spPr>
-          <a:xfrm>
-            <a:off x="228600" y="1600200"/>
-            <a:ext cx="8686800" cy="4525963"/>
-          </a:xfrm>
-        </p:spPr>
-        <p:txBody>
-          <a:bodyPr>
-            <a:normAutofit/>
-          </a:bodyPr>
-          <a:lstStyle/>
-          <a:p>
-            <a:r>
-              <a:rPr lang="cs-CZ" b="1" dirty="0" smtClean="0">
-                <a:latin typeface="Cambria" pitchFamily="18" charset="0"/>
-              </a:rPr>
-              <a:t>Razligh, Kehtarnavaz </a:t>
-            </a:r>
-            <a:r>
-              <a:rPr lang="en-US" b="1" dirty="0" smtClean="0">
-                <a:latin typeface="Cambria" pitchFamily="18" charset="0"/>
-              </a:rPr>
-              <a:t>(2007)</a:t>
-            </a:r>
-            <a:r>
-              <a:rPr lang="cs-CZ" dirty="0" smtClean="0">
-                <a:latin typeface="Cambria" pitchFamily="18" charset="0"/>
-              </a:rPr>
-              <a:t>– metoda netestována</a:t>
-            </a:r>
-          </a:p>
-          <a:p>
-            <a:r>
-              <a:rPr lang="cs-CZ" b="1" dirty="0" smtClean="0">
-                <a:latin typeface="Cambria" pitchFamily="18" charset="0"/>
-              </a:rPr>
-              <a:t>Ti</a:t>
-            </a:r>
-            <a:r>
-              <a:rPr lang="en-US" b="1" dirty="0" smtClean="0">
-                <a:latin typeface="Cambria" pitchFamily="18" charset="0"/>
-              </a:rPr>
-              <a:t>co (2009) –</a:t>
-            </a:r>
-            <a:r>
-              <a:rPr lang="en-US" dirty="0" smtClean="0">
-                <a:latin typeface="Cambria" pitchFamily="18" charset="0"/>
-              </a:rPr>
-              <a:t> </a:t>
-            </a:r>
-            <a:r>
-              <a:rPr lang="en-US" dirty="0" err="1" smtClean="0">
-                <a:latin typeface="Cambria" pitchFamily="18" charset="0"/>
-              </a:rPr>
-              <a:t>zlep</a:t>
-            </a:r>
-            <a:r>
-              <a:rPr lang="cs-CZ" dirty="0" smtClean="0">
-                <a:latin typeface="Cambria" pitchFamily="18" charset="0"/>
-              </a:rPr>
-              <a:t>šení odstupu signálu od šumu v řádu 1 až 2 dB</a:t>
-            </a:r>
-          </a:p>
-          <a:p>
-            <a:r>
-              <a:rPr lang="cs-CZ" dirty="0" smtClean="0">
-                <a:latin typeface="Cambria" pitchFamily="18" charset="0"/>
-              </a:rPr>
-              <a:t>Ostatní metody nedokončeny</a:t>
-            </a:r>
-          </a:p>
-          <a:p>
-            <a:r>
-              <a:rPr lang="cs-CZ" dirty="0" smtClean="0">
-                <a:latin typeface="Cambria" pitchFamily="18" charset="0"/>
-              </a:rPr>
-              <a:t>Celkové srovnání není k dispozici</a:t>
-            </a:r>
-          </a:p>
-          <a:p>
-            <a:pPr>
-              <a:buNone/>
-            </a:pPr>
-            <a:endParaRPr lang="en-US" b="1" dirty="0">
-              <a:latin typeface="Cambria" pitchFamily="18" charset="0"/>
-            </a:endParaRPr>
-          </a:p>
-        </p:txBody>
-      </p:sp>
+      <mc:AlternateContent xmlns:mc="http://schemas.openxmlformats.org/markup-compatibility/2006" xmlns:a14="http://schemas.microsoft.com/office/drawing/2010/main">
+        <mc:Choice Requires="a14">
+          <p:sp>
+            <p:nvSpPr>
+              <p:cNvPr id="3" name="Content Placeholder 2"/>
+              <p:cNvSpPr>
+                <a:spLocks noGrp="1"/>
+              </p:cNvSpPr>
+              <p:nvPr>
+                <p:ph idx="1"/>
+              </p:nvPr>
+            </p:nvSpPr>
+            <p:spPr>
+              <a:xfrm>
+                <a:off x="228600" y="1646237"/>
+                <a:ext cx="8686800" cy="4830763"/>
+              </a:xfrm>
+            </p:spPr>
+            <p:txBody>
+              <a:bodyPr>
+                <a:normAutofit lnSpcReduction="10000"/>
+              </a:bodyPr>
+              <a:lstStyle/>
+              <a:p>
+                <a:r>
+                  <a:rPr lang="en-US" dirty="0" smtClean="0">
+                    <a:latin typeface="Cambria" pitchFamily="18" charset="0"/>
+                  </a:rPr>
+                  <a:t>z </a:t>
+                </a:r>
+                <a:r>
+                  <a:rPr lang="en-US" dirty="0" err="1" smtClean="0">
+                    <a:latin typeface="Cambria" pitchFamily="18" charset="0"/>
+                  </a:rPr>
+                  <a:t>vybran</a:t>
+                </a:r>
+                <a:r>
+                  <a:rPr lang="cs-CZ" dirty="0" smtClean="0">
+                    <a:latin typeface="Cambria" pitchFamily="18" charset="0"/>
+                  </a:rPr>
+                  <a:t>ého obrázku a PSF zmenšené na požadovanou velikost generujeme rozmazaný snímek</a:t>
+                </a:r>
+                <a:r>
+                  <a:rPr lang="sk-SK" dirty="0" smtClean="0">
+                    <a:latin typeface="Cambria" pitchFamily="18" charset="0"/>
+                  </a:rPr>
+                  <a:t>, šum </a:t>
+                </a:r>
+                <a:r>
+                  <a:rPr lang="en-US" dirty="0" smtClean="0">
+                    <a:latin typeface="Cambria" pitchFamily="18" charset="0"/>
+                  </a:rPr>
+                  <a:t>fix. </a:t>
+                </a:r>
+                <a:r>
+                  <a:rPr lang="en-US" dirty="0" err="1" smtClean="0">
+                    <a:latin typeface="Cambria" pitchFamily="18" charset="0"/>
+                  </a:rPr>
+                  <a:t>na</a:t>
+                </a:r>
+                <a:r>
+                  <a:rPr lang="sk-SK" dirty="0" smtClean="0">
+                    <a:latin typeface="Cambria" pitchFamily="18" charset="0"/>
+                  </a:rPr>
+                  <a:t> ISO 100, resp. </a:t>
+                </a:r>
+                <a14:m>
+                  <m:oMath xmlns:m="http://schemas.openxmlformats.org/officeDocument/2006/math">
+                    <m:sSup>
+                      <m:sSupPr>
+                        <m:ctrlPr>
+                          <a:rPr lang="en-US" b="0" i="1" smtClean="0">
+                            <a:latin typeface="Cambria Math"/>
+                          </a:rPr>
+                        </m:ctrlPr>
+                      </m:sSupPr>
+                      <m:e>
+                        <m:r>
+                          <a:rPr lang="en-US" b="0" i="1" smtClean="0">
+                            <a:latin typeface="Cambria Math"/>
+                          </a:rPr>
+                          <m:t>𝜎</m:t>
+                        </m:r>
+                      </m:e>
+                      <m:sup>
+                        <m:r>
+                          <a:rPr lang="en-US" b="0" i="1" smtClean="0">
+                            <a:latin typeface="Cambria Math"/>
+                          </a:rPr>
+                          <m:t>2</m:t>
+                        </m:r>
+                      </m:sup>
+                    </m:sSup>
+                    <m:r>
+                      <a:rPr lang="en-US" b="0" i="1" smtClean="0">
+                        <a:latin typeface="Cambria Math"/>
+                      </a:rPr>
+                      <m:t>=</m:t>
+                    </m:r>
+                    <m:sSup>
+                      <m:sSupPr>
+                        <m:ctrlPr>
+                          <a:rPr lang="en-US" b="0" i="1" smtClean="0">
+                            <a:latin typeface="Cambria Math"/>
+                          </a:rPr>
+                        </m:ctrlPr>
+                      </m:sSupPr>
+                      <m:e>
+                        <m:r>
+                          <a:rPr lang="en-US" b="0" i="1" smtClean="0">
+                            <a:latin typeface="Cambria Math"/>
+                          </a:rPr>
+                          <m:t>10</m:t>
+                        </m:r>
+                      </m:e>
+                      <m:sup>
+                        <m:r>
+                          <a:rPr lang="en-US" b="0" i="1" smtClean="0">
+                            <a:latin typeface="Cambria Math"/>
+                          </a:rPr>
+                          <m:t>−5</m:t>
+                        </m:r>
+                      </m:sup>
+                    </m:sSup>
+                  </m:oMath>
+                </a14:m>
+                <a:endParaRPr lang="en-US" b="0" dirty="0" smtClean="0">
+                  <a:latin typeface="Cambria" pitchFamily="18" charset="0"/>
+                </a:endParaRPr>
+              </a:p>
+              <a:p>
+                <a:r>
+                  <a:rPr lang="cs-CZ" dirty="0" smtClean="0">
+                    <a:latin typeface="Cambria" pitchFamily="18" charset="0"/>
+                  </a:rPr>
+                  <a:t>podle režimu a zvolené hodnoty parametru generujeme zašuměný obrázek</a:t>
+                </a:r>
+              </a:p>
+              <a:p>
+                <a:r>
+                  <a:rPr lang="cs-CZ" dirty="0">
+                    <a:latin typeface="Cambria" pitchFamily="18" charset="0"/>
+                  </a:rPr>
+                  <a:t>z</a:t>
+                </a:r>
+                <a:r>
+                  <a:rPr lang="cs-CZ" dirty="0" smtClean="0">
+                    <a:latin typeface="Cambria" pitchFamily="18" charset="0"/>
+                  </a:rPr>
+                  <a:t>ašuměný obrázek odšumíme metodou BM3D</a:t>
+                </a:r>
+              </a:p>
+              <a:p>
+                <a:r>
+                  <a:rPr lang="cs-CZ" dirty="0" smtClean="0">
+                    <a:latin typeface="Cambria" pitchFamily="18" charset="0"/>
+                  </a:rPr>
+                  <a:t>provedeme fúze obrázků metodami Tica a MC-AM</a:t>
+                </a:r>
+              </a:p>
+              <a:p>
+                <a:r>
+                  <a:rPr lang="cs-CZ" dirty="0" smtClean="0">
+                    <a:latin typeface="Cambria" pitchFamily="18" charset="0"/>
+                  </a:rPr>
+                  <a:t>vyhodnotíme výsledné obrázky   </a:t>
+                </a:r>
+              </a:p>
+              <a:p>
+                <a:endParaRPr lang="en-US" dirty="0" smtClean="0">
+                  <a:latin typeface="Cambria" pitchFamily="18" charset="0"/>
+                </a:endParaRPr>
+              </a:p>
+              <a:p>
+                <a:endParaRPr lang="cs-CZ" dirty="0" smtClean="0">
+                  <a:latin typeface="Cambria" pitchFamily="18" charset="0"/>
+                </a:endParaRPr>
+              </a:p>
+              <a:p>
+                <a:endParaRPr lang="en-US" dirty="0">
+                  <a:latin typeface="Cambria" pitchFamily="18" charset="0"/>
+                </a:endParaRPr>
+              </a:p>
+            </p:txBody>
+          </p:sp>
+        </mc:Choice>
+        <mc:Fallback xmlns="">
+          <p:sp>
+            <p:nvSpPr>
+              <p:cNvPr id="3" name="Content Placeholder 2"/>
+              <p:cNvSpPr>
+                <a:spLocks noGrp="1" noRot="1" noChangeAspect="1" noMove="1" noResize="1" noEditPoints="1" noAdjustHandles="1" noChangeArrowheads="1" noChangeShapeType="1" noTextEdit="1"/>
+              </p:cNvSpPr>
+              <p:nvPr>
+                <p:ph idx="1"/>
+              </p:nvPr>
+            </p:nvSpPr>
+            <p:spPr>
+              <a:xfrm>
+                <a:off x="228600" y="1646237"/>
+                <a:ext cx="8686800" cy="4830763"/>
+              </a:xfrm>
+              <a:blipFill rotWithShape="1">
+                <a:blip r:embed="rId3"/>
+                <a:stretch>
+                  <a:fillRect l="-1614" t="-2648" r="-140"/>
+                </a:stretch>
+              </a:blipFill>
+            </p:spPr>
+            <p:txBody>
+              <a:bodyPr/>
+              <a:lstStyle/>
+              <a:p>
+                <a:r>
+                  <a:rPr lang="cs-CZ">
+                    <a:noFill/>
+                  </a:rPr>
+                  <a:t> </a:t>
+                </a:r>
+              </a:p>
+            </p:txBody>
+          </p:sp>
+        </mc:Fallback>
+      </mc:AlternateContent>
     </p:spTree>
     <p:extLst>
       <p:ext uri="{BB962C8B-B14F-4D97-AF65-F5344CB8AC3E}">
-        <p14:creationId xmlns:p14="http://schemas.microsoft.com/office/powerpoint/2010/main" val="2905277980"/>
+        <p14:creationId xmlns:p14="http://schemas.microsoft.com/office/powerpoint/2010/main" val="1405478985"/>
       </p:ext>
     </p:extLst>
   </p:cSld>
@@ -3892,7 +7011,7 @@
               <a:rPr lang="cs-CZ" b="1" dirty="0" smtClean="0">
                 <a:latin typeface="Cambria" pitchFamily="18" charset="0"/>
               </a:rPr>
-              <a:t>Experimentální výsledky</a:t>
+              <a:t>Reálná data - příprava</a:t>
             </a:r>
             <a:endParaRPr lang="en-US" b="1" dirty="0">
               <a:latin typeface="Cambria" pitchFamily="18" charset="0"/>
@@ -3922,10 +7041,154 @@
           </a:bodyPr>
           <a:lstStyle/>
           <a:p>
-            <a:pPr>
-              <a:buNone/>
-            </a:pPr>
-            <a:endParaRPr lang="en-US" b="1" dirty="0">
+            <a:r>
+              <a:rPr lang="en-US" dirty="0" smtClean="0">
+                <a:latin typeface="Cambria" pitchFamily="18" charset="0"/>
+              </a:rPr>
+              <a:t>v </a:t>
+            </a:r>
+            <a:r>
+              <a:rPr lang="en-US" dirty="0" err="1" smtClean="0">
+                <a:latin typeface="Cambria" pitchFamily="18" charset="0"/>
+              </a:rPr>
+              <a:t>zatemn</a:t>
+            </a:r>
+            <a:r>
+              <a:rPr lang="cs-CZ" dirty="0" smtClean="0">
+                <a:latin typeface="Cambria" pitchFamily="18" charset="0"/>
+              </a:rPr>
+              <a:t>ěné místnosti promítáme obraz Leny, který snímáme fotaparátem drženým v ruce </a:t>
+            </a:r>
+            <a:r>
+              <a:rPr lang="en-US" dirty="0" smtClean="0">
+                <a:latin typeface="Cambria" pitchFamily="18" charset="0"/>
+              </a:rPr>
+              <a:t>(</a:t>
+            </a:r>
+            <a:r>
+              <a:rPr lang="en-US" dirty="0" err="1" smtClean="0">
+                <a:latin typeface="Cambria" pitchFamily="18" charset="0"/>
+              </a:rPr>
+              <a:t>vzd</a:t>
+            </a:r>
+            <a:r>
+              <a:rPr lang="cs-CZ" dirty="0" smtClean="0">
+                <a:latin typeface="Cambria" pitchFamily="18" charset="0"/>
+              </a:rPr>
+              <a:t>álenost 5m, velikost obrazu 70</a:t>
+            </a:r>
+            <a:r>
+              <a:rPr lang="en-US" dirty="0" smtClean="0">
+                <a:latin typeface="Cambria" pitchFamily="18" charset="0"/>
+              </a:rPr>
+              <a:t>x70 </a:t>
+            </a:r>
+            <a:r>
+              <a:rPr lang="cs-CZ" dirty="0" smtClean="0">
+                <a:latin typeface="Cambria" pitchFamily="18" charset="0"/>
+              </a:rPr>
+              <a:t>cm</a:t>
+            </a:r>
+            <a:r>
+              <a:rPr lang="en-US" dirty="0">
+                <a:latin typeface="Cambria" pitchFamily="18" charset="0"/>
+              </a:rPr>
+              <a:t>)</a:t>
+            </a:r>
+            <a:endParaRPr lang="cs-CZ" dirty="0" smtClean="0">
+              <a:latin typeface="Cambria" pitchFamily="18" charset="0"/>
+            </a:endParaRPr>
+          </a:p>
+          <a:p>
+            <a:r>
+              <a:rPr lang="cs-CZ" dirty="0" smtClean="0">
+                <a:latin typeface="Cambria" pitchFamily="18" charset="0"/>
+              </a:rPr>
+              <a:t>priorit</a:t>
+            </a:r>
+            <a:r>
+              <a:rPr lang="en-US" dirty="0" smtClean="0">
+                <a:latin typeface="Cambria" pitchFamily="18" charset="0"/>
+              </a:rPr>
+              <a:t>a</a:t>
+            </a:r>
+            <a:r>
+              <a:rPr lang="cs-CZ" dirty="0" smtClean="0">
+                <a:latin typeface="Cambria" pitchFamily="18" charset="0"/>
+              </a:rPr>
+              <a:t> clony, volíme ISO, fotoaparát určuje expoziční dobu</a:t>
+            </a:r>
+            <a:r>
+              <a:rPr lang="en-US" dirty="0" smtClean="0">
+                <a:latin typeface="Cambria" pitchFamily="18" charset="0"/>
+              </a:rPr>
+              <a:t>, </a:t>
+            </a:r>
+            <a:r>
+              <a:rPr lang="en-US" dirty="0" err="1" smtClean="0">
+                <a:latin typeface="Cambria" pitchFamily="18" charset="0"/>
+              </a:rPr>
+              <a:t>clona</a:t>
+            </a:r>
+            <a:r>
+              <a:rPr lang="en-US" dirty="0" smtClean="0">
+                <a:latin typeface="Cambria" pitchFamily="18" charset="0"/>
+              </a:rPr>
+              <a:t> </a:t>
+            </a:r>
+            <a:r>
+              <a:rPr lang="en-US" dirty="0" err="1" smtClean="0">
+                <a:latin typeface="Cambria" pitchFamily="18" charset="0"/>
+              </a:rPr>
+              <a:t>nastavena</a:t>
+            </a:r>
+            <a:r>
+              <a:rPr lang="en-US" dirty="0" smtClean="0">
+                <a:latin typeface="Cambria" pitchFamily="18" charset="0"/>
+              </a:rPr>
+              <a:t> </a:t>
+            </a:r>
+            <a:r>
+              <a:rPr lang="en-US" dirty="0" err="1" smtClean="0">
+                <a:latin typeface="Cambria" pitchFamily="18" charset="0"/>
+              </a:rPr>
+              <a:t>na</a:t>
+            </a:r>
+            <a:r>
+              <a:rPr lang="en-US" dirty="0" smtClean="0">
+                <a:latin typeface="Cambria" pitchFamily="18" charset="0"/>
+              </a:rPr>
+              <a:t> minimum </a:t>
+            </a:r>
+            <a:endParaRPr lang="cs-CZ" dirty="0" smtClean="0">
+              <a:latin typeface="Cambria" pitchFamily="18" charset="0"/>
+            </a:endParaRPr>
+          </a:p>
+          <a:p>
+            <a:r>
+              <a:rPr lang="cs-CZ" dirty="0" smtClean="0">
+                <a:latin typeface="Cambria" pitchFamily="18" charset="0"/>
+              </a:rPr>
+              <a:t>osvětlení ovládáme násobením obrazu konstantou, použity hodnoty 0.125, 0.25 a 0.5</a:t>
+            </a:r>
+            <a:endParaRPr lang="cs-CZ" dirty="0">
+              <a:latin typeface="Cambria" pitchFamily="18" charset="0"/>
+            </a:endParaRPr>
+          </a:p>
+          <a:p>
+            <a:r>
+              <a:rPr lang="cs-CZ" dirty="0">
+                <a:latin typeface="Cambria" pitchFamily="18" charset="0"/>
+              </a:rPr>
+              <a:t>k</a:t>
+            </a:r>
+            <a:r>
+              <a:rPr lang="cs-CZ" dirty="0" smtClean="0">
+                <a:latin typeface="Cambria" pitchFamily="18" charset="0"/>
+              </a:rPr>
+              <a:t>romě obrazu promítáme i kontrolní body</a:t>
+            </a:r>
+            <a:endParaRPr lang="en-US" dirty="0" smtClean="0">
               <a:latin typeface="Cambria" pitchFamily="18" charset="0"/>
             </a:endParaRPr>
           </a:p>
@@ -3987,7 +7250,7 @@
               <a:rPr lang="cs-CZ" b="1" dirty="0" smtClean="0">
                 <a:latin typeface="Cambria" pitchFamily="18" charset="0"/>
               </a:rPr>
-              <a:t>Experimentální výsledky</a:t>
+              <a:t>Reálná data - provedení</a:t>
             </a:r>
             <a:endParaRPr lang="en-US" b="1" dirty="0">
               <a:latin typeface="Cambria" pitchFamily="18" charset="0"/>
@@ -4007,7 +7270,7 @@
         </p:nvSpPr>
         <p:spPr>
           <a:xfrm>
-            <a:off x="228600" y="1600200"/>
+            <a:off x="228600" y="1646237"/>
             <a:ext cx="8686800" cy="4525963"/>
           </a:xfrm>
         </p:spPr>
@@ -4017,10 +7280,96 @@
           </a:bodyPr>
           <a:lstStyle/>
           <a:p>
-            <a:pPr>
-              <a:buNone/>
-            </a:pPr>
-            <a:endParaRPr lang="en-US" b="1" dirty="0">
+            <a:r>
+              <a:rPr lang="cs-CZ" dirty="0" smtClean="0">
+                <a:latin typeface="Cambria" pitchFamily="18" charset="0"/>
+              </a:rPr>
+              <a:t>pořídíme snímek</a:t>
+            </a:r>
+            <a:r>
+              <a:rPr lang="sk-SK" dirty="0" smtClean="0">
+                <a:latin typeface="Cambria" pitchFamily="18" charset="0"/>
+              </a:rPr>
+              <a:t> s ISO 100 – rozmazaný</a:t>
+            </a:r>
+          </a:p>
+          <a:p>
+            <a:r>
+              <a:rPr lang="sk-SK" dirty="0">
+                <a:latin typeface="Cambria" pitchFamily="18" charset="0"/>
+              </a:rPr>
+              <a:t>p</a:t>
+            </a:r>
+            <a:r>
+              <a:rPr lang="sk-SK" dirty="0" smtClean="0">
+                <a:latin typeface="Cambria" pitchFamily="18" charset="0"/>
+              </a:rPr>
+              <a:t>ostupně zvyšujeme ISO, až dosáhneme téměř úplného vymizení rozmazání – zašuměný</a:t>
+            </a:r>
+          </a:p>
+          <a:p>
+            <a:r>
+              <a:rPr lang="sk-SK" dirty="0" smtClean="0">
+                <a:latin typeface="Cambria" pitchFamily="18" charset="0"/>
+              </a:rPr>
+              <a:t>obrázky registrujeme užitím kontrolních bod</a:t>
+            </a:r>
+            <a:r>
+              <a:rPr lang="cs-CZ" dirty="0" smtClean="0">
+                <a:latin typeface="Cambria" pitchFamily="18" charset="0"/>
+              </a:rPr>
+              <a:t>ů</a:t>
+            </a:r>
+          </a:p>
+          <a:p>
+            <a:r>
+              <a:rPr lang="cs-CZ" dirty="0">
+                <a:latin typeface="Cambria" pitchFamily="18" charset="0"/>
+              </a:rPr>
+              <a:t>z</a:t>
+            </a:r>
+            <a:r>
+              <a:rPr lang="cs-CZ" dirty="0" smtClean="0">
+                <a:latin typeface="Cambria" pitchFamily="18" charset="0"/>
+              </a:rPr>
+              <a:t>ašuměný snímek odšumíme metodou BM3D</a:t>
+            </a:r>
+          </a:p>
+          <a:p>
+            <a:r>
+              <a:rPr lang="cs-CZ" dirty="0">
+                <a:latin typeface="Cambria" pitchFamily="18" charset="0"/>
+              </a:rPr>
+              <a:t>p</a:t>
+            </a:r>
+            <a:r>
+              <a:rPr lang="cs-CZ" dirty="0" smtClean="0">
+                <a:latin typeface="Cambria" pitchFamily="18" charset="0"/>
+              </a:rPr>
+              <a:t>rovedeme fúzi snímků metodami Tica a MC-AM</a:t>
+            </a:r>
+          </a:p>
+          <a:p>
+            <a:r>
+              <a:rPr lang="cs-CZ" dirty="0">
+                <a:latin typeface="Cambria" pitchFamily="18" charset="0"/>
+              </a:rPr>
+              <a:t>v</a:t>
+            </a:r>
+            <a:r>
+              <a:rPr lang="cs-CZ" dirty="0" smtClean="0">
+                <a:latin typeface="Cambria" pitchFamily="18" charset="0"/>
+              </a:rPr>
+              <a:t>yhodnotíme výsledky </a:t>
+            </a:r>
+          </a:p>
+          <a:p>
+            <a:endParaRPr lang="sk-SK" dirty="0" smtClean="0">
+              <a:latin typeface="Cambria" pitchFamily="18" charset="0"/>
+            </a:endParaRPr>
+          </a:p>
+          <a:p>
+            <a:endParaRPr lang="en-US" dirty="0">
               <a:latin typeface="Cambria" pitchFamily="18" charset="0"/>
             </a:endParaRPr>
           </a:p>
@@ -4082,7 +7431,7 @@
               <a:rPr lang="cs-CZ" b="1" dirty="0" smtClean="0">
                 <a:latin typeface="Cambria" pitchFamily="18" charset="0"/>
               </a:rPr>
-              <a:t>Experimentální výsledky</a:t>
+              <a:t>Výsledky simulace</a:t>
             </a:r>
             <a:endParaRPr lang="en-US" b="1" dirty="0">
               <a:latin typeface="Cambria" pitchFamily="18" charset="0"/>
@@ -4112,9 +7461,142 @@
           </a:bodyPr>
           <a:lstStyle/>
           <a:p>
-            <a:pPr>
-              <a:buNone/>
-            </a:pPr>
+            <a:r>
+              <a:rPr lang="sk-SK" b="1" dirty="0" smtClean="0">
+                <a:latin typeface="Cambria" pitchFamily="18" charset="0"/>
+              </a:rPr>
+              <a:t>ISO</a:t>
+            </a:r>
+            <a:r>
+              <a:rPr lang="en-US" b="1" dirty="0" smtClean="0">
+                <a:latin typeface="Cambria" pitchFamily="18" charset="0"/>
+              </a:rPr>
+              <a:t> (576)</a:t>
+            </a:r>
+            <a:r>
+              <a:rPr lang="sk-SK" dirty="0" smtClean="0">
+                <a:latin typeface="Cambria" pitchFamily="18" charset="0"/>
+              </a:rPr>
+              <a:t>: BM3D </a:t>
+            </a:r>
+            <a:r>
+              <a:rPr lang="en-US" dirty="0" smtClean="0">
+                <a:latin typeface="Cambria" pitchFamily="18" charset="0"/>
+              </a:rPr>
+              <a:t>393, MC-AM 182, </a:t>
+            </a:r>
+            <a:r>
+              <a:rPr lang="en-US" dirty="0" err="1" smtClean="0">
+                <a:latin typeface="Cambria" pitchFamily="18" charset="0"/>
+              </a:rPr>
+              <a:t>Tico</a:t>
+            </a:r>
+            <a:r>
+              <a:rPr lang="en-US" dirty="0" smtClean="0">
+                <a:latin typeface="Cambria" pitchFamily="18" charset="0"/>
+              </a:rPr>
+              <a:t> 1.</a:t>
+            </a:r>
+          </a:p>
+          <a:p>
+            <a:r>
+              <a:rPr lang="en-US" b="1" dirty="0" smtClean="0">
+                <a:latin typeface="Cambria" pitchFamily="18" charset="0"/>
+              </a:rPr>
+              <a:t>Gauss (256)</a:t>
+            </a:r>
+            <a:r>
+              <a:rPr lang="en-US" dirty="0" smtClean="0">
+                <a:latin typeface="Cambria" pitchFamily="18" charset="0"/>
+              </a:rPr>
+              <a:t>: BM3D 128, MC-AM 126, </a:t>
+            </a:r>
+            <a:r>
+              <a:rPr lang="en-US" dirty="0" err="1" smtClean="0">
+                <a:latin typeface="Cambria" pitchFamily="18" charset="0"/>
+              </a:rPr>
+              <a:t>Tico</a:t>
+            </a:r>
+            <a:r>
+              <a:rPr lang="en-US" dirty="0" smtClean="0">
+                <a:latin typeface="Cambria" pitchFamily="18" charset="0"/>
+              </a:rPr>
+              <a:t> 2.</a:t>
+            </a:r>
+            <a:endParaRPr lang="sk-SK" dirty="0" smtClean="0">
+              <a:latin typeface="Cambria" pitchFamily="18" charset="0"/>
+            </a:endParaRPr>
+          </a:p>
+          <a:p>
+            <a:r>
+              <a:rPr lang="sk-SK" dirty="0" smtClean="0">
+                <a:latin typeface="Cambria" pitchFamily="18" charset="0"/>
+              </a:rPr>
+              <a:t>šum má na výsledek větší vliv než rozmazání</a:t>
+            </a:r>
+            <a:endParaRPr lang="en-US" dirty="0" smtClean="0">
+              <a:latin typeface="Cambria" pitchFamily="18" charset="0"/>
+            </a:endParaRPr>
+          </a:p>
+          <a:p>
+            <a:r>
+              <a:rPr lang="en-US" dirty="0" smtClean="0">
+                <a:latin typeface="Cambria" pitchFamily="18" charset="0"/>
+              </a:rPr>
+              <a:t>BM3D </a:t>
+            </a:r>
+            <a:r>
+              <a:rPr lang="cs-CZ" dirty="0" smtClean="0">
+                <a:latin typeface="Cambria" pitchFamily="18" charset="0"/>
+              </a:rPr>
+              <a:t>úspěšnější v malých až středně zašuměných snímcích</a:t>
+            </a:r>
+          </a:p>
+          <a:p>
+            <a:r>
+              <a:rPr lang="cs-CZ" dirty="0" smtClean="0">
+                <a:latin typeface="Cambria" pitchFamily="18" charset="0"/>
+              </a:rPr>
+              <a:t>MC-AM úspěšnější pro malá a</a:t>
+            </a:r>
+            <a:r>
+              <a:rPr lang="sk-SK" dirty="0" smtClean="0">
+                <a:latin typeface="Cambria" pitchFamily="18" charset="0"/>
+              </a:rPr>
+              <a:t>ž střední rozmazání a velká zašumění, kde BM3D selže</a:t>
+            </a:r>
+          </a:p>
+          <a:p>
+            <a:r>
+              <a:rPr lang="sk-SK" dirty="0" smtClean="0">
+                <a:latin typeface="Cambria" pitchFamily="18" charset="0"/>
+              </a:rPr>
+              <a:t>Tico často</a:t>
+            </a:r>
+            <a:r>
+              <a:rPr lang="en-US" dirty="0" smtClean="0">
+                <a:latin typeface="Cambria" pitchFamily="18" charset="0"/>
+              </a:rPr>
+              <a:t> </a:t>
+            </a:r>
+            <a:r>
+              <a:rPr lang="en-US" dirty="0" err="1" smtClean="0">
+                <a:latin typeface="Cambria" pitchFamily="18" charset="0"/>
+              </a:rPr>
+              <a:t>vizu</a:t>
+            </a:r>
+            <a:r>
+              <a:rPr lang="cs-CZ" dirty="0" smtClean="0">
+                <a:latin typeface="Cambria" pitchFamily="18" charset="0"/>
+              </a:rPr>
+              <a:t>álně uspokojivý, SNR horší</a:t>
+            </a:r>
+            <a:r>
+              <a:rPr lang="en-US" dirty="0" smtClean="0">
+                <a:latin typeface="Cambria" pitchFamily="18" charset="0"/>
+              </a:rPr>
+              <a:t>  </a:t>
+            </a:r>
             <a:endParaRPr lang="en-US" b="1" dirty="0">
               <a:latin typeface="Cambria" pitchFamily="18" charset="0"/>
             </a:endParaRPr>
@@ -4177,7 +7659,7 @@
               <a:rPr lang="cs-CZ" b="1" dirty="0" smtClean="0">
                 <a:latin typeface="Cambria" pitchFamily="18" charset="0"/>
               </a:rPr>
-              <a:t>Experimentální výsledky</a:t>
+              <a:t>Výsledky na reálných datech</a:t>
             </a:r>
             <a:endParaRPr lang="en-US" b="1" dirty="0">
               <a:latin typeface="Cambria" pitchFamily="18" charset="0"/>
@@ -4207,10 +7689,61 @@
           </a:bodyPr>
           <a:lstStyle/>
           <a:p>
-            <a:pPr>
-              <a:buNone/>
-            </a:pPr>
-            <a:endParaRPr lang="en-US" b="1" dirty="0">
+            <a:r>
+              <a:rPr lang="cs-CZ" dirty="0" smtClean="0">
+                <a:latin typeface="Cambria" pitchFamily="18" charset="0"/>
+              </a:rPr>
+              <a:t>BM3D </a:t>
+            </a:r>
+            <a:r>
+              <a:rPr lang="sk-SK" dirty="0" smtClean="0">
+                <a:latin typeface="Cambria" pitchFamily="18" charset="0"/>
+              </a:rPr>
+              <a:t>3, Tico 0, MC-AM 0</a:t>
+            </a:r>
+          </a:p>
+          <a:p>
+            <a:r>
+              <a:rPr lang="sk-SK" dirty="0">
+                <a:latin typeface="Cambria" pitchFamily="18" charset="0"/>
+              </a:rPr>
+              <a:t>v</a:t>
+            </a:r>
+            <a:r>
+              <a:rPr lang="sk-SK" dirty="0" smtClean="0">
+                <a:latin typeface="Cambria" pitchFamily="18" charset="0"/>
+              </a:rPr>
+              <a:t>ýsledky blíž u sebe</a:t>
+            </a:r>
+          </a:p>
+          <a:p>
+            <a:r>
+              <a:rPr lang="sk-SK" dirty="0">
+                <a:latin typeface="Cambria" pitchFamily="18" charset="0"/>
+              </a:rPr>
+              <a:t>p</a:t>
+            </a:r>
+            <a:r>
+              <a:rPr lang="sk-SK" dirty="0" smtClean="0">
+                <a:latin typeface="Cambria" pitchFamily="18" charset="0"/>
+              </a:rPr>
+              <a:t>ropad úspěšnosti MC-AM oproti Tico, hlavním faktorem mírná variabilita PSF a intenzity v snímcích</a:t>
+            </a:r>
+          </a:p>
+          <a:p>
+            <a:r>
+              <a:rPr lang="sk-SK" dirty="0">
+                <a:latin typeface="Cambria" pitchFamily="18" charset="0"/>
+              </a:rPr>
+              <a:t>n</a:t>
+            </a:r>
+            <a:r>
+              <a:rPr lang="sk-SK" dirty="0" smtClean="0">
+                <a:latin typeface="Cambria" pitchFamily="18" charset="0"/>
+              </a:rPr>
+              <a:t>a rozdíl od simulovaných dat časově náročné ladění parametrů MC-AM pro nejlepší výsledek  </a:t>
+            </a:r>
+            <a:endParaRPr lang="en-US" dirty="0">
               <a:latin typeface="Cambria" pitchFamily="18" charset="0"/>
             </a:endParaRPr>
           </a:p>
@@ -4219,7 +7752,7 @@
     </p:spTree>
     <p:extLst>
       <p:ext uri="{BB962C8B-B14F-4D97-AF65-F5344CB8AC3E}">
-        <p14:creationId xmlns:p14="http://schemas.microsoft.com/office/powerpoint/2010/main" val="2905277980"/>
+        <p14:creationId xmlns:p14="http://schemas.microsoft.com/office/powerpoint/2010/main" val="3794412400"/>
       </p:ext>
     </p:extLst>
   </p:cSld>
@@ -4272,6 +7805,368 @@
               <a:rPr lang="cs-CZ" b="1" dirty="0" smtClean="0">
                 <a:latin typeface="Cambria" pitchFamily="18" charset="0"/>
               </a:rPr>
+              <a:t>Shrnutí</a:t>
+            </a:r>
+            <a:endParaRPr lang="en-US" b="1" dirty="0">
+              <a:latin typeface="Cambria" pitchFamily="18" charset="0"/>
+            </a:endParaRPr>
+          </a:p>
+        </p:txBody>
+      </p:sp>
+      <p:sp>
+        <p:nvSpPr>
+          <p:cNvPr id="3" name="Content Placeholder 2"/>
+          <p:cNvSpPr>
+            <a:spLocks noGrp="1"/>
+          </p:cNvSpPr>
+          <p:nvPr>
+            <p:ph idx="1"/>
+          </p:nvPr>
+        </p:nvSpPr>
+        <p:spPr>
+          <a:xfrm>
+            <a:off x="228600" y="1600200"/>
+            <a:ext cx="8686800" cy="4525963"/>
+          </a:xfrm>
+        </p:spPr>
+        <p:txBody>
+          <a:bodyPr>
+            <a:normAutofit/>
+          </a:bodyPr>
+          <a:lstStyle/>
+          <a:p>
+            <a:r>
+              <a:rPr lang="sk-SK" dirty="0">
+                <a:latin typeface="Cambria" pitchFamily="18" charset="0"/>
+              </a:rPr>
+              <a:t>v situacích dosažitelných bežnou fotografií nemá fúze smysl, odšumovací </a:t>
+            </a:r>
+            <a:r>
+              <a:rPr lang="sk-SK" dirty="0" smtClean="0">
+                <a:latin typeface="Cambria" pitchFamily="18" charset="0"/>
+              </a:rPr>
+              <a:t>algoritmus je </a:t>
+            </a:r>
+            <a:r>
+              <a:rPr lang="sk-SK" dirty="0">
+                <a:latin typeface="Cambria" pitchFamily="18" charset="0"/>
+              </a:rPr>
+              <a:t>efektivnější  </a:t>
+            </a:r>
+          </a:p>
+          <a:p>
+            <a:r>
+              <a:rPr lang="sk-SK" dirty="0">
+                <a:latin typeface="Cambria" pitchFamily="18" charset="0"/>
+              </a:rPr>
+              <a:t> v mikroskopii, termálním zobrazování a pod. má fúze, především dekonvoluční, potenciál</a:t>
+            </a:r>
+          </a:p>
+          <a:p>
+            <a:r>
+              <a:rPr lang="sk-SK" dirty="0">
+                <a:latin typeface="Cambria" pitchFamily="18" charset="0"/>
+              </a:rPr>
+              <a:t>algoritmus BM3D naráží na obtíže u dat, která vykazují fraktální chování</a:t>
+            </a:r>
+            <a:r>
+              <a:rPr lang="sk-SK" dirty="0" smtClean="0">
+                <a:latin typeface="Cambria" pitchFamily="18" charset="0"/>
+              </a:rPr>
+              <a:t>, i přes to předčí ostatní metody</a:t>
+            </a:r>
+            <a:endParaRPr lang="sk-SK" dirty="0">
+              <a:latin typeface="Cambria" pitchFamily="18" charset="0"/>
+            </a:endParaRPr>
+          </a:p>
+          <a:p>
+            <a:endParaRPr lang="sk-SK" dirty="0" smtClean="0">
+              <a:latin typeface="Cambria" pitchFamily="18" charset="0"/>
+            </a:endParaRPr>
+          </a:p>
+          <a:p>
+            <a:endParaRPr lang="en-US" dirty="0">
+              <a:latin typeface="Cambria" pitchFamily="18" charset="0"/>
+            </a:endParaRPr>
+          </a:p>
+        </p:txBody>
+      </p:sp>
+    </p:spTree>
+    <p:extLst>
+      <p:ext uri="{BB962C8B-B14F-4D97-AF65-F5344CB8AC3E}">
+        <p14:creationId xmlns:p14="http://schemas.microsoft.com/office/powerpoint/2010/main" val="2905277980"/>
+      </p:ext>
+    </p:extLst>
+  </p:cSld>
+  <p:clrMapOvr>
+    <a:masterClrMapping/>
+  </p:clrMapOvr>
+  <p:timing>
+    <p:tnLst>
+      <p:par>
+        <p:cTn id="1" dur="indefinite" restart="never" nodeType="tmRoot"/>
+      </p:par>
+    </p:tnLst>
+  </p:timing>
+</p:sld>
+</file>
+
+<file path=ppt/slides/slide18.xml><?xml version="1.0" encoding="utf-8"?>
+<p:sld xmlns:a="http://schemas.openxmlformats.org/drawingml/2006/main" xmlns:r="http://schemas.openxmlformats.org/officeDocument/2006/relationships" xmlns:p="http://schemas.openxmlformats.org/presentationml/2006/main">
+  <p:cSld>
+    <p:spTree>
+      <p:nvGrpSpPr>
+        <p:cNvPr id="1" name=""/>
+        <p:cNvGrpSpPr/>
+        <p:nvPr/>
+      </p:nvGrpSpPr>
+      <p:grpSpPr>
+        <a:xfrm>
+          <a:off x="0" y="0"/>
+          <a:ext cx="0" cy="0"/>
+          <a:chOff x="0" y="0"/>
+          <a:chExt cx="0" cy="0"/>
+        </a:xfrm>
+      </p:grpSpPr>
+      <p:sp>
+        <p:nvSpPr>
+          <p:cNvPr id="2" name="Title 1"/>
+          <p:cNvSpPr>
+            <a:spLocks noGrp="1"/>
+          </p:cNvSpPr>
+          <p:nvPr>
+            <p:ph type="title"/>
+          </p:nvPr>
+        </p:nvSpPr>
+        <p:spPr/>
+        <p:txBody>
+          <a:bodyPr/>
+          <a:lstStyle/>
+          <a:p>
+            <a:r>
+              <a:rPr lang="cs-CZ" b="1" dirty="0" smtClean="0">
+                <a:latin typeface="Cambria" pitchFamily="18" charset="0"/>
+              </a:rPr>
+              <a:t>Možná vylepšení</a:t>
+            </a:r>
+            <a:endParaRPr lang="en-US" b="1" dirty="0">
+              <a:latin typeface="Cambria" pitchFamily="18" charset="0"/>
+            </a:endParaRPr>
+          </a:p>
+        </p:txBody>
+      </p:sp>
+      <p:sp>
+        <p:nvSpPr>
+          <p:cNvPr id="3" name="Content Placeholder 2"/>
+          <p:cNvSpPr>
+            <a:spLocks noGrp="1"/>
+          </p:cNvSpPr>
+          <p:nvPr>
+            <p:ph idx="1"/>
+          </p:nvPr>
+        </p:nvSpPr>
+        <p:spPr>
+          <a:xfrm>
+            <a:off x="228600" y="1600200"/>
+            <a:ext cx="8686800" cy="4525963"/>
+          </a:xfrm>
+        </p:spPr>
+        <p:txBody>
+          <a:bodyPr>
+            <a:normAutofit/>
+          </a:bodyPr>
+          <a:lstStyle/>
+          <a:p>
+            <a:r>
+              <a:rPr lang="en-US" dirty="0">
+                <a:latin typeface="Cambria" pitchFamily="18" charset="0"/>
+              </a:rPr>
+              <a:t>e</a:t>
+            </a:r>
+            <a:r>
+              <a:rPr lang="sk-SK" dirty="0" smtClean="0">
+                <a:latin typeface="Cambria" pitchFamily="18" charset="0"/>
+              </a:rPr>
+              <a:t>fektivnější implementace metod</a:t>
+            </a:r>
+            <a:r>
+              <a:rPr lang="en-US" dirty="0" smtClean="0">
+                <a:latin typeface="Cambria" pitchFamily="18" charset="0"/>
+              </a:rPr>
+              <a:t>, </a:t>
+            </a:r>
+            <a:r>
+              <a:rPr lang="en-US" dirty="0" err="1" smtClean="0">
+                <a:latin typeface="Cambria" pitchFamily="18" charset="0"/>
+              </a:rPr>
+              <a:t>nutn</a:t>
+            </a:r>
+            <a:r>
+              <a:rPr lang="cs-CZ" dirty="0" smtClean="0">
+                <a:latin typeface="Cambria" pitchFamily="18" charset="0"/>
+              </a:rPr>
+              <a:t>á pro praktické nasazování</a:t>
+            </a:r>
+            <a:endParaRPr lang="en-US" dirty="0" smtClean="0">
+              <a:latin typeface="Cambria" pitchFamily="18" charset="0"/>
+            </a:endParaRPr>
+          </a:p>
+          <a:p>
+            <a:r>
+              <a:rPr lang="cs-CZ" dirty="0">
+                <a:latin typeface="Cambria" pitchFamily="18" charset="0"/>
+              </a:rPr>
+              <a:t>r</a:t>
+            </a:r>
+            <a:r>
+              <a:rPr lang="en-US" dirty="0" smtClean="0">
+                <a:latin typeface="Cambria" pitchFamily="18" charset="0"/>
+              </a:rPr>
+              <a:t>o</a:t>
+            </a:r>
+            <a:r>
+              <a:rPr lang="cs-CZ" dirty="0" smtClean="0">
+                <a:latin typeface="Cambria" pitchFamily="18" charset="0"/>
+              </a:rPr>
+              <a:t>zšíření testování na víc metod</a:t>
+            </a:r>
+          </a:p>
+          <a:p>
+            <a:r>
+              <a:rPr lang="cs-CZ" dirty="0">
+                <a:latin typeface="Cambria" pitchFamily="18" charset="0"/>
+              </a:rPr>
+              <a:t>l</a:t>
+            </a:r>
+            <a:r>
+              <a:rPr lang="cs-CZ" dirty="0" smtClean="0">
+                <a:latin typeface="Cambria" pitchFamily="18" charset="0"/>
+              </a:rPr>
+              <a:t>epší kontrola nad testovacími podmínkami </a:t>
+            </a:r>
+            <a:r>
+              <a:rPr lang="en-US" dirty="0" smtClean="0">
+                <a:latin typeface="Cambria" pitchFamily="18" charset="0"/>
+              </a:rPr>
+              <a:t>(</a:t>
+            </a:r>
+            <a:r>
+              <a:rPr lang="en-US" dirty="0" err="1" smtClean="0">
+                <a:latin typeface="Cambria" pitchFamily="18" charset="0"/>
+              </a:rPr>
+              <a:t>nevyhli</a:t>
+            </a:r>
+            <a:r>
+              <a:rPr lang="en-US" dirty="0" smtClean="0">
+                <a:latin typeface="Cambria" pitchFamily="18" charset="0"/>
+              </a:rPr>
+              <a:t> </a:t>
+            </a:r>
+            <a:r>
+              <a:rPr lang="en-US" dirty="0" err="1" smtClean="0">
+                <a:latin typeface="Cambria" pitchFamily="18" charset="0"/>
+              </a:rPr>
+              <a:t>jsme</a:t>
+            </a:r>
+            <a:r>
+              <a:rPr lang="en-US" dirty="0" smtClean="0">
+                <a:latin typeface="Cambria" pitchFamily="18" charset="0"/>
+              </a:rPr>
+              <a:t> se </a:t>
+            </a:r>
+            <a:r>
+              <a:rPr lang="en-US" dirty="0" err="1" smtClean="0">
+                <a:latin typeface="Cambria" pitchFamily="18" charset="0"/>
+              </a:rPr>
+              <a:t>jist</a:t>
+            </a:r>
+            <a:r>
+              <a:rPr lang="sk-SK" dirty="0" smtClean="0">
+                <a:latin typeface="Cambria" pitchFamily="18" charset="0"/>
+              </a:rPr>
+              <a:t>ému optickému zkreslení</a:t>
+            </a:r>
+            <a:r>
+              <a:rPr lang="en-US" dirty="0" smtClean="0">
+                <a:latin typeface="Cambria" pitchFamily="18" charset="0"/>
+              </a:rPr>
+              <a:t>)</a:t>
+            </a:r>
+            <a:r>
+              <a:rPr lang="sk-SK" dirty="0" smtClean="0">
+                <a:latin typeface="Cambria" pitchFamily="18" charset="0"/>
+              </a:rPr>
+              <a:t>  </a:t>
+            </a:r>
+          </a:p>
+          <a:p>
+            <a:endParaRPr lang="sk-SK" dirty="0" smtClean="0">
+              <a:latin typeface="Cambria" pitchFamily="18" charset="0"/>
+            </a:endParaRPr>
+          </a:p>
+          <a:p>
+            <a:endParaRPr lang="en-US" dirty="0">
+              <a:latin typeface="Cambria" pitchFamily="18" charset="0"/>
+            </a:endParaRPr>
+          </a:p>
+        </p:txBody>
+      </p:sp>
+    </p:spTree>
+    <p:extLst>
+      <p:ext uri="{BB962C8B-B14F-4D97-AF65-F5344CB8AC3E}">
+        <p14:creationId xmlns:p14="http://schemas.microsoft.com/office/powerpoint/2010/main" val="337789037"/>
+      </p:ext>
+    </p:extLst>
+  </p:cSld>
+  <p:clrMapOvr>
+    <a:masterClrMapping/>
+  </p:clrMapOvr>
+  <p:timing>
+    <p:tnLst>
+      <p:par>
+        <p:cTn id="1" dur="indefinite" restart="never" nodeType="tmRoot"/>
+      </p:par>
+    </p:tnLst>
+  </p:timing>
+</p:sld>
+</file>
+
+<file path=ppt/slides/slide19.xml><?xml version="1.0" encoding="utf-8"?>
+<p:sld xmlns:a="http://schemas.openxmlformats.org/drawingml/2006/main" xmlns:r="http://schemas.openxmlformats.org/officeDocument/2006/relationships" xmlns:p="http://schemas.openxmlformats.org/presentationml/2006/main">
+  <p:cSld>
+    <p:spTree>
+      <p:nvGrpSpPr>
+        <p:cNvPr id="1" name=""/>
+        <p:cNvGrpSpPr/>
+        <p:nvPr/>
+      </p:nvGrpSpPr>
+      <p:grpSpPr>
+        <a:xfrm>
+          <a:off x="0" y="0"/>
+          <a:ext cx="0" cy="0"/>
+          <a:chOff x="0" y="0"/>
+          <a:chExt cx="0" cy="0"/>
+        </a:xfrm>
+      </p:grpSpPr>
+      <p:sp>
+        <p:nvSpPr>
+          <p:cNvPr id="2" name="Title 1"/>
+          <p:cNvSpPr>
+            <a:spLocks noGrp="1"/>
+          </p:cNvSpPr>
+          <p:nvPr>
+            <p:ph type="title"/>
+          </p:nvPr>
+        </p:nvSpPr>
+        <p:spPr/>
+        <p:txBody>
+          <a:bodyPr/>
+          <a:lstStyle/>
+          <a:p>
+            <a:r>
+              <a:rPr lang="cs-CZ" b="1" dirty="0" smtClean="0">
+                <a:latin typeface="Cambria" pitchFamily="18" charset="0"/>
+              </a:rPr>
               <a:t>Dotazy	</a:t>
             </a:r>
             <a:endParaRPr lang="en-US" b="1" dirty="0">
@@ -4388,7 +8283,7 @@
         </p:spPr>
         <p:txBody>
           <a:bodyPr>
-            <a:normAutofit fontScale="85000" lnSpcReduction="20000"/>
+            <a:normAutofit lnSpcReduction="10000"/>
           </a:bodyPr>
           <a:lstStyle/>
           <a:p>
@@ -4401,195 +8296,109 @@
               <a:rPr lang="cs-CZ" b="1" dirty="0" smtClean="0">
                 <a:latin typeface="Cambria" pitchFamily="18" charset="0"/>
               </a:rPr>
-              <a:t>při po</a:t>
+              <a:t>rozmazání pohybem</a:t>
+            </a:r>
+            <a:r>
+              <a:rPr lang="cs-CZ" dirty="0" smtClean="0">
+                <a:latin typeface="Cambria" pitchFamily="18" charset="0"/>
+              </a:rPr>
+              <a:t> </a:t>
             </a:r>
             <a:r>
               <a:rPr lang="sk-SK" b="1" dirty="0" smtClean="0">
                 <a:latin typeface="Cambria" pitchFamily="18" charset="0"/>
               </a:rPr>
-              <a:t>řizování fotografií z ruky, </a:t>
+              <a:t>– </a:t>
             </a:r>
             <a:r>
               <a:rPr lang="sk-SK" dirty="0" smtClean="0">
                 <a:latin typeface="Cambria" pitchFamily="18" charset="0"/>
               </a:rPr>
-              <a:t>zejména v nepříznivých světelných podmínkách, s</a:t>
-            </a:r>
-            <a:r>
-              <a:rPr lang="en-US" dirty="0" smtClean="0">
-                <a:latin typeface="Cambria" pitchFamily="18" charset="0"/>
-              </a:rPr>
-              <a:t>e </a:t>
-            </a:r>
-            <a:r>
-              <a:rPr lang="cs-CZ" dirty="0" smtClean="0">
-                <a:latin typeface="Cambria" pitchFamily="18" charset="0"/>
-              </a:rPr>
-              <a:t>ve výsledných fotografiích </a:t>
+              <a:t>častý problém nejenom digitální fotografie</a:t>
+            </a:r>
+          </a:p>
+          <a:p>
+            <a:r>
+              <a:rPr lang="cs-CZ" b="1" dirty="0">
+                <a:latin typeface="Cambria" pitchFamily="18" charset="0"/>
+              </a:rPr>
+              <a:t>ž</a:t>
+            </a:r>
+            <a:r>
+              <a:rPr lang="cs-CZ" b="1" dirty="0" smtClean="0">
+                <a:latin typeface="Cambria" pitchFamily="18" charset="0"/>
+              </a:rPr>
+              <a:t>ádoucí </a:t>
+            </a:r>
+            <a:r>
+              <a:rPr lang="cs-CZ" dirty="0" smtClean="0">
+                <a:latin typeface="Cambria" pitchFamily="18" charset="0"/>
+              </a:rPr>
+              <a:t>potlačení, nebo nejlépe úplné odstranění, </a:t>
             </a:r>
             <a:r>
               <a:rPr lang="sk-SK" dirty="0" smtClean="0">
                 <a:latin typeface="Cambria" pitchFamily="18" charset="0"/>
               </a:rPr>
-              <a:t>často potýkáme s rozmazáním pohybem (</a:t>
-            </a:r>
-            <a:r>
-              <a:rPr lang="sk-SK" i="1" dirty="0" smtClean="0">
-                <a:latin typeface="Cambria" pitchFamily="18" charset="0"/>
-              </a:rPr>
-              <a:t>motion blur</a:t>
-            </a:r>
-            <a:r>
-              <a:rPr lang="en-US" dirty="0">
-                <a:latin typeface="Cambria" pitchFamily="18" charset="0"/>
-              </a:rPr>
-              <a:t>)</a:t>
+              <a:t>možné 2 přístupy:</a:t>
+            </a:r>
+          </a:p>
+          <a:p>
+            <a:r>
+              <a:rPr lang="sk-SK" b="1" dirty="0" smtClean="0">
+                <a:latin typeface="Cambria" pitchFamily="18" charset="0"/>
+              </a:rPr>
+              <a:t>hardvérové</a:t>
             </a:r>
             <a:r>
               <a:rPr lang="sk-SK" dirty="0" smtClean="0">
                 <a:latin typeface="Cambria" pitchFamily="18" charset="0"/>
               </a:rPr>
-              <a:t> </a:t>
-            </a:r>
-            <a:r>
-              <a:rPr lang="cs-CZ" dirty="0" smtClean="0">
-                <a:latin typeface="Cambria" pitchFamily="18" charset="0"/>
-              </a:rPr>
-              <a:t> </a:t>
+              <a:t> – stabilizátory obrazu, nevýhodou technická složitost a vysoká cena</a:t>
+            </a:r>
+          </a:p>
+          <a:p>
+            <a:r>
+              <a:rPr lang="sk-SK" b="1" dirty="0">
+                <a:latin typeface="Cambria" pitchFamily="18" charset="0"/>
+              </a:rPr>
+              <a:t>s</a:t>
+            </a:r>
+            <a:r>
+              <a:rPr lang="sk-SK" b="1" dirty="0" smtClean="0">
+                <a:latin typeface="Cambria" pitchFamily="18" charset="0"/>
+              </a:rPr>
+              <a:t>oftvérové</a:t>
             </a:r>
             <a:r>
               <a:rPr lang="sk-SK" dirty="0" smtClean="0">
                 <a:latin typeface="Cambria" pitchFamily="18" charset="0"/>
               </a:rPr>
-              <a:t> </a:t>
+              <a:t> – úpravy po pořízení snímku, předmět DP   </a:t>
             </a:r>
             <a:endParaRPr lang="cs-CZ" dirty="0" smtClean="0">
               <a:latin typeface="Cambria" pitchFamily="18" charset="0"/>
             </a:endParaRPr>
           </a:p>
           <a:p>
-            <a:r>
-              <a:rPr lang="cs-CZ" dirty="0" smtClean="0">
-                <a:latin typeface="Cambria" pitchFamily="18" charset="0"/>
-              </a:rPr>
-              <a:t>je žádoucí </a:t>
-            </a:r>
-            <a:r>
-              <a:rPr lang="cs-CZ" b="1" dirty="0" smtClean="0">
-                <a:latin typeface="Cambria" pitchFamily="18" charset="0"/>
-              </a:rPr>
-              <a:t>potlačení</a:t>
-            </a:r>
-            <a:r>
-              <a:rPr lang="cs-CZ" dirty="0" smtClean="0">
-                <a:latin typeface="Cambria" pitchFamily="18" charset="0"/>
-              </a:rPr>
-              <a:t>, nebo nejlépe úplné </a:t>
-            </a:r>
-            <a:r>
-              <a:rPr lang="cs-CZ" b="1" dirty="0" smtClean="0">
-                <a:latin typeface="Cambria" pitchFamily="18" charset="0"/>
-              </a:rPr>
-              <a:t>odstranění</a:t>
-            </a:r>
-            <a:r>
-              <a:rPr lang="cs-CZ" dirty="0" smtClean="0">
-                <a:latin typeface="Cambria" pitchFamily="18" charset="0"/>
-              </a:rPr>
-              <a:t> tohoto rozmazání</a:t>
-            </a:r>
-          </a:p>
-          <a:p>
-            <a:r>
-              <a:rPr lang="cs-CZ" dirty="0">
-                <a:latin typeface="Cambria" pitchFamily="18" charset="0"/>
-              </a:rPr>
-              <a:t>v</a:t>
-            </a:r>
-            <a:r>
-              <a:rPr lang="cs-CZ" dirty="0" smtClean="0">
-                <a:latin typeface="Cambria" pitchFamily="18" charset="0"/>
-              </a:rPr>
-              <a:t> praxi můžeme rozmazání potlačit:</a:t>
-            </a:r>
-          </a:p>
-          <a:p>
-            <a:pPr lvl="1"/>
-            <a:r>
-              <a:rPr lang="cs-CZ" b="1" dirty="0">
-                <a:latin typeface="Cambria" pitchFamily="18" charset="0"/>
-              </a:rPr>
-              <a:t>h</a:t>
-            </a:r>
-            <a:r>
-              <a:rPr lang="cs-CZ" b="1" dirty="0" smtClean="0">
-                <a:latin typeface="Cambria" pitchFamily="18" charset="0"/>
-              </a:rPr>
-              <a:t>ardvérovými</a:t>
-            </a:r>
-            <a:r>
-              <a:rPr lang="cs-CZ" dirty="0" smtClean="0">
-                <a:latin typeface="Cambria" pitchFamily="18" charset="0"/>
-              </a:rPr>
-              <a:t>  prostředky – stabilizátory obrazu, široké nasazení omezeno poměrně vysokou cenou</a:t>
-            </a:r>
-          </a:p>
-          <a:p>
-            <a:pPr lvl="1"/>
-            <a:r>
-              <a:rPr lang="cs-CZ" b="1" dirty="0">
-                <a:latin typeface="Cambria" pitchFamily="18" charset="0"/>
-              </a:rPr>
-              <a:t>s</a:t>
-            </a:r>
-            <a:r>
-              <a:rPr lang="cs-CZ" b="1" dirty="0" smtClean="0">
-                <a:latin typeface="Cambria" pitchFamily="18" charset="0"/>
-              </a:rPr>
-              <a:t>oftvérovými prostředky </a:t>
-            </a:r>
-            <a:r>
-              <a:rPr lang="cs-CZ" dirty="0" smtClean="0">
-                <a:latin typeface="Cambria" pitchFamily="18" charset="0"/>
-              </a:rPr>
-              <a:t> -  po pořízení snímku, bezprobl</a:t>
-            </a:r>
-            <a:r>
-              <a:rPr lang="sk-SK" dirty="0" smtClean="0">
-                <a:latin typeface="Cambria" pitchFamily="18" charset="0"/>
-              </a:rPr>
-              <a:t>émové nasazení na široké spektrum zařízení  </a:t>
-            </a:r>
-            <a:r>
-              <a:rPr lang="en-US" dirty="0" smtClean="0">
-                <a:latin typeface="Cambria" pitchFamily="18" charset="0"/>
-              </a:rPr>
-              <a:t>(</a:t>
-            </a:r>
-            <a:r>
-              <a:rPr lang="en-US" dirty="0" err="1" smtClean="0">
-                <a:latin typeface="Cambria" pitchFamily="18" charset="0"/>
-              </a:rPr>
-              <a:t>mj</a:t>
-            </a:r>
-            <a:r>
-              <a:rPr lang="en-US" dirty="0" smtClean="0">
-                <a:latin typeface="Cambria" pitchFamily="18" charset="0"/>
-              </a:rPr>
-              <a:t>. </a:t>
-            </a:r>
-            <a:r>
-              <a:rPr lang="cs-CZ" dirty="0" smtClean="0">
-                <a:latin typeface="Cambria" pitchFamily="18" charset="0"/>
-              </a:rPr>
-              <a:t>mobilní telefony</a:t>
-            </a:r>
-            <a:r>
-              <a:rPr lang="en-US" dirty="0">
-                <a:latin typeface="Cambria" pitchFamily="18" charset="0"/>
-              </a:rPr>
-              <a:t>)</a:t>
-            </a:r>
+            <a:endParaRPr lang="cs-CZ" dirty="0" smtClean="0">
+              <a:latin typeface="Cambria" pitchFamily="18" charset="0"/>
+            </a:endParaRPr>
+          </a:p>
+          <a:p>
+            <a:endParaRPr lang="cs-CZ" dirty="0" smtClean="0">
+              <a:latin typeface="Cambria" pitchFamily="18" charset="0"/>
+            </a:endParaRPr>
+          </a:p>
+          <a:p>
+            <a:endParaRPr lang="sk-SK" b="1" dirty="0" smtClean="0">
+              <a:latin typeface="Cambria" pitchFamily="18" charset="0"/>
+            </a:endParaRPr>
+          </a:p>
+          <a:p>
+            <a:pPr marL="0" indent="0">
+              <a:buNone/>
+            </a:pPr>
             <a:endParaRPr lang="cs-CZ" dirty="0" smtClean="0">
               <a:latin typeface="Cambria" pitchFamily="18" charset="0"/>
             </a:endParaRPr>
@@ -4877,7 +8686,7 @@
           <a:lstStyle/>
           <a:p>
             <a:r>
-              <a:rPr lang="cs-CZ" b="1" smtClean="0">
+              <a:rPr lang="cs-CZ" b="1" dirty="0" smtClean="0">
                 <a:latin typeface="Cambria" pitchFamily="18" charset="0"/>
               </a:rPr>
               <a:t>Formulace problému</a:t>
@@ -4906,205 +8715,199 @@
         </p:spPr>
         <p:txBody>
           <a:bodyPr>
-            <a:normAutofit fontScale="85000" lnSpcReduction="20000"/>
+            <a:normAutofit/>
           </a:bodyPr>
           <a:lstStyle/>
           <a:p>
             <a:r>
-              <a:rPr lang="cs-CZ" b="1" dirty="0" smtClean="0">
-                <a:latin typeface="Cambria" pitchFamily="18" charset="0"/>
-              </a:rPr>
-              <a:t>soustředíme se </a:t>
-            </a:r>
-            <a:r>
-              <a:rPr lang="cs-CZ" dirty="0" smtClean="0">
-                <a:latin typeface="Cambria" pitchFamily="18" charset="0"/>
-              </a:rPr>
-              <a:t>na speciální případ, kde</a:t>
-            </a:r>
-            <a:endParaRPr lang="en-US" b="1" dirty="0" smtClean="0">
+              <a:rPr lang="sk-SK" b="1" dirty="0">
+                <a:latin typeface="Cambria" pitchFamily="18" charset="0"/>
+              </a:rPr>
+              <a:t>n</a:t>
+            </a:r>
+            <a:r>
+              <a:rPr lang="sk-SK" b="1" dirty="0" smtClean="0">
+                <a:latin typeface="Cambria" pitchFamily="18" charset="0"/>
+              </a:rPr>
+              <a:t>áš případ</a:t>
+            </a:r>
+            <a:r>
+              <a:rPr lang="sk-SK" dirty="0" smtClean="0">
+                <a:latin typeface="Cambria" pitchFamily="18" charset="0"/>
+              </a:rPr>
+              <a:t> </a:t>
+            </a:r>
+            <a:r>
+              <a:rPr lang="cs-CZ" dirty="0" smtClean="0">
+                <a:latin typeface="Cambria" pitchFamily="18" charset="0"/>
+              </a:rPr>
+              <a:t>– pořídíme 2 snímky stejn</a:t>
+            </a:r>
+            <a:r>
+              <a:rPr lang="sk-SK" dirty="0" smtClean="0">
+                <a:latin typeface="Cambria" pitchFamily="18" charset="0"/>
+              </a:rPr>
+              <a:t>é předlohy fotoapar</a:t>
+            </a:r>
+            <a:r>
+              <a:rPr lang="cs-CZ" dirty="0" smtClean="0">
+                <a:latin typeface="Cambria" pitchFamily="18" charset="0"/>
+              </a:rPr>
+              <a:t>átem drženým v ruce</a:t>
+            </a:r>
+            <a:endParaRPr lang="sk-SK" dirty="0" smtClean="0">
               <a:latin typeface="Cambria" pitchFamily="18" charset="0"/>
             </a:endParaRPr>
           </a:p>
           <a:p>
-            <a:r>
-              <a:rPr lang="cs-CZ" b="1" dirty="0" smtClean="0">
-                <a:latin typeface="Cambria" pitchFamily="18" charset="0"/>
-              </a:rPr>
-              <a:t>po</a:t>
-            </a:r>
-            <a:r>
-              <a:rPr lang="sk-SK" b="1" dirty="0" smtClean="0">
-                <a:latin typeface="Cambria" pitchFamily="18" charset="0"/>
-              </a:rPr>
-              <a:t>řídíme </a:t>
-            </a:r>
-            <a:r>
-              <a:rPr lang="cs-CZ" b="1" dirty="0" smtClean="0">
-                <a:latin typeface="Cambria" pitchFamily="18" charset="0"/>
-              </a:rPr>
-              <a:t>2 snímky</a:t>
-            </a:r>
-            <a:r>
-              <a:rPr lang="cs-CZ" dirty="0" smtClean="0">
-                <a:latin typeface="Cambria" pitchFamily="18" charset="0"/>
-              </a:rPr>
-              <a:t> stejné </a:t>
-            </a:r>
-            <a:r>
-              <a:rPr lang="cs-CZ" dirty="0" smtClean="0">
-                <a:latin typeface="Cambria" pitchFamily="18" charset="0"/>
-              </a:rPr>
-              <a:t>předlohy</a:t>
-            </a:r>
-            <a:r>
-              <a:rPr lang="en-US" dirty="0" smtClean="0">
-                <a:latin typeface="Cambria" pitchFamily="18" charset="0"/>
-              </a:rPr>
-              <a:t> s r</a:t>
-            </a:r>
-            <a:r>
-              <a:rPr lang="cs-CZ" dirty="0" smtClean="0">
-                <a:latin typeface="Cambria" pitchFamily="18" charset="0"/>
-              </a:rPr>
-              <a:t>ůznou délkou expozice</a:t>
-            </a:r>
-            <a:endParaRPr lang="cs-CZ" dirty="0" smtClean="0">
+            <a:pPr marL="342900" lvl="1" indent="-342900">
+              <a:buFont typeface="Arial" pitchFamily="34" charset="0"/>
+              <a:buChar char="•"/>
+            </a:pPr>
+            <a:r>
+              <a:rPr lang="cs-CZ" sz="3200" b="1" dirty="0" smtClean="0">
+                <a:latin typeface="Cambria" pitchFamily="18" charset="0"/>
+              </a:rPr>
+              <a:t>1. snímek</a:t>
+            </a:r>
+            <a:r>
+              <a:rPr lang="cs-CZ" sz="3200" dirty="0" smtClean="0">
+                <a:latin typeface="Cambria" pitchFamily="18" charset="0"/>
+              </a:rPr>
+              <a:t> </a:t>
+            </a:r>
+            <a:r>
+              <a:rPr lang="cs-CZ" sz="3200" dirty="0">
+                <a:latin typeface="Cambria" pitchFamily="18" charset="0"/>
+              </a:rPr>
+              <a:t>– krátká expozice → tmav</a:t>
+            </a:r>
+            <a:r>
+              <a:rPr lang="sk-SK" sz="3200" dirty="0">
+                <a:latin typeface="Cambria" pitchFamily="18" charset="0"/>
+              </a:rPr>
+              <a:t>ší</a:t>
+            </a:r>
+            <a:r>
+              <a:rPr lang="cs-CZ" sz="3200" dirty="0">
+                <a:latin typeface="Cambria" pitchFamily="18" charset="0"/>
+              </a:rPr>
+              <a:t>, bez rozmazání, </a:t>
+            </a:r>
+            <a:r>
+              <a:rPr lang="sk-SK" sz="3200" dirty="0" smtClean="0">
+                <a:latin typeface="Cambria" pitchFamily="18" charset="0"/>
+              </a:rPr>
+              <a:t>zašuměný</a:t>
+            </a:r>
+            <a:endParaRPr lang="cs-CZ" sz="3200" dirty="0" smtClean="0">
               <a:latin typeface="Cambria" pitchFamily="18" charset="0"/>
             </a:endParaRPr>
           </a:p>
           <a:p>
-            <a:pPr marL="971550" lvl="1" indent="-514350">
-              <a:buFont typeface="+mj-lt"/>
-              <a:buAutoNum type="arabicPeriod"/>
+            <a:pPr marL="342900" lvl="1" indent="-342900">
+              <a:buFont typeface="Arial" pitchFamily="34" charset="0"/>
+              <a:buChar char="•"/>
             </a:pPr>
             <a:r>
-              <a:rPr lang="cs-CZ" dirty="0" smtClean="0">
-                <a:latin typeface="Cambria" pitchFamily="18" charset="0"/>
-              </a:rPr>
-              <a:t>snímek – krátká expozice → tmav</a:t>
-            </a:r>
-            <a:r>
-              <a:rPr lang="sk-SK" dirty="0" smtClean="0">
-                <a:latin typeface="Cambria" pitchFamily="18" charset="0"/>
-              </a:rPr>
-              <a:t>ší</a:t>
-            </a:r>
-            <a:r>
-              <a:rPr lang="cs-CZ" dirty="0" smtClean="0">
-                <a:latin typeface="Cambria" pitchFamily="18" charset="0"/>
-              </a:rPr>
-              <a:t>, </a:t>
-            </a:r>
-            <a:r>
-              <a:rPr lang="cs-CZ" dirty="0" smtClean="0">
-                <a:latin typeface="Cambria" pitchFamily="18" charset="0"/>
-              </a:rPr>
-              <a:t>bez rozmazání, </a:t>
-            </a:r>
-            <a:r>
-              <a:rPr lang="en-US" dirty="0" smtClean="0">
-                <a:latin typeface="Cambria" pitchFamily="18" charset="0"/>
-              </a:rPr>
-              <a:t>men</a:t>
-            </a:r>
-            <a:r>
-              <a:rPr lang="cs-CZ" dirty="0" smtClean="0">
-                <a:latin typeface="Cambria" pitchFamily="18" charset="0"/>
-              </a:rPr>
-              <a:t>ší odstup signálu od šumu</a:t>
-            </a:r>
-          </a:p>
-          <a:p>
-            <a:pPr marL="971550" lvl="1" indent="-514350">
-              <a:buFont typeface="+mj-lt"/>
-              <a:buAutoNum type="arabicPeriod"/>
+              <a:rPr lang="cs-CZ" sz="3200" b="1" dirty="0" smtClean="0">
+                <a:latin typeface="Cambria" pitchFamily="18" charset="0"/>
+              </a:rPr>
+              <a:t>2. snímek</a:t>
+            </a:r>
+            <a:r>
+              <a:rPr lang="cs-CZ" sz="3200" dirty="0" smtClean="0">
+                <a:latin typeface="Cambria" pitchFamily="18" charset="0"/>
+              </a:rPr>
+              <a:t> </a:t>
+            </a:r>
+            <a:r>
+              <a:rPr lang="cs-CZ" sz="3200" dirty="0">
+                <a:latin typeface="Cambria" pitchFamily="18" charset="0"/>
+              </a:rPr>
+              <a:t>– delší expozice → </a:t>
+            </a:r>
+            <a:r>
+              <a:rPr lang="sk-SK" sz="3200" dirty="0" smtClean="0">
+                <a:latin typeface="Cambria" pitchFamily="18" charset="0"/>
+              </a:rPr>
+              <a:t>správný osvit, méně šumu, rozmazán pohybem</a:t>
+            </a:r>
+            <a:endParaRPr lang="cs-CZ" sz="3200" dirty="0" smtClean="0">
+              <a:latin typeface="Cambria" pitchFamily="18" charset="0"/>
+            </a:endParaRPr>
+          </a:p>
+          <a:p>
+            <a:pPr marL="342900" lvl="1" indent="-342900">
+              <a:buFont typeface="Arial" pitchFamily="34" charset="0"/>
+              <a:buChar char="•"/>
             </a:pPr>
             <a:r>
-              <a:rPr lang="cs-CZ" dirty="0" smtClean="0">
-                <a:latin typeface="Cambria" pitchFamily="18" charset="0"/>
-              </a:rPr>
-              <a:t>snímek – delší expozice → správná úroveň osvětlení, větší odstup signálu od šumu, ovšem rozmazán pohybem (snímacího zařízení, nebo objek</a:t>
-            </a:r>
-            <a:r>
-              <a:rPr lang="en-US" dirty="0" smtClean="0">
-                <a:latin typeface="Cambria" pitchFamily="18" charset="0"/>
-              </a:rPr>
-              <a:t>t</a:t>
-            </a:r>
-            <a:r>
-              <a:rPr lang="cs-CZ" dirty="0" smtClean="0">
-                <a:latin typeface="Cambria" pitchFamily="18" charset="0"/>
-              </a:rPr>
-              <a:t>ů ve scéně)</a:t>
-            </a:r>
-          </a:p>
-          <a:p>
-            <a:r>
-              <a:rPr lang="sk-SK" b="1" dirty="0" smtClean="0">
-                <a:latin typeface="Cambria" pitchFamily="18" charset="0"/>
-              </a:rPr>
-              <a:t>cílem</a:t>
-            </a:r>
-            <a:r>
-              <a:rPr lang="sk-SK" dirty="0" smtClean="0">
-                <a:latin typeface="Cambria" pitchFamily="18" charset="0"/>
-              </a:rPr>
-              <a:t> je co nejlepší rekonstrukce „ideálního“ p</a:t>
-            </a:r>
-            <a:r>
-              <a:rPr lang="cs-CZ" dirty="0" smtClean="0">
+              <a:rPr lang="sk-SK" sz="3200" b="1" dirty="0" smtClean="0">
+                <a:latin typeface="Cambria" pitchFamily="18" charset="0"/>
+              </a:rPr>
+              <a:t>C</a:t>
+            </a:r>
+            <a:r>
+              <a:rPr lang="cs-CZ" sz="3200" b="1" dirty="0" smtClean="0">
+                <a:latin typeface="Cambria" pitchFamily="18" charset="0"/>
+              </a:rPr>
+              <a:t>ÍL: </a:t>
+            </a:r>
+            <a:r>
+              <a:rPr lang="sk-SK" sz="3200" dirty="0" smtClean="0">
+                <a:latin typeface="Cambria" pitchFamily="18" charset="0"/>
+              </a:rPr>
+              <a:t>co </a:t>
+            </a:r>
+            <a:r>
+              <a:rPr lang="sk-SK" sz="3200" dirty="0">
+                <a:latin typeface="Cambria" pitchFamily="18" charset="0"/>
+              </a:rPr>
+              <a:t>nejlepší rekonstrukce „ideálního“ p</a:t>
+            </a:r>
+            <a:r>
+              <a:rPr lang="cs-CZ" sz="3200" dirty="0">
                 <a:latin typeface="Cambria" pitchFamily="18" charset="0"/>
               </a:rPr>
               <a:t>ůvodního obr</a:t>
             </a:r>
             <a:r>
-              <a:rPr lang="sk-SK" dirty="0" smtClean="0">
+              <a:rPr lang="sk-SK" sz="3200" dirty="0">
                 <a:latin typeface="Cambria" pitchFamily="18" charset="0"/>
               </a:rPr>
               <a:t>ázku z těchto dvou snímk</a:t>
             </a:r>
             <a:r>
-              <a:rPr lang="cs-CZ" dirty="0" smtClean="0">
+              <a:rPr lang="cs-CZ" sz="3200" dirty="0">
                 <a:latin typeface="Cambria" pitchFamily="18" charset="0"/>
               </a:rPr>
               <a:t>ů</a:t>
             </a:r>
           </a:p>
           <a:p>
-            <a:r>
-              <a:rPr lang="sk-SK" b="1" dirty="0">
-                <a:latin typeface="Cambria" pitchFamily="18" charset="0"/>
-              </a:rPr>
-              <a:t>v praxi </a:t>
-            </a:r>
-            <a:r>
-              <a:rPr lang="sk-SK" dirty="0">
-                <a:latin typeface="Cambria" pitchFamily="18" charset="0"/>
-              </a:rPr>
-              <a:t>vol</a:t>
-            </a:r>
-            <a:r>
-              <a:rPr lang="cs-CZ" dirty="0">
-                <a:latin typeface="Cambria" pitchFamily="18" charset="0"/>
-              </a:rPr>
-              <a:t>íme expoziční doby a nastavení ISO  v obráceném poměru → dosahujeme správné </a:t>
-            </a:r>
-            <a:r>
-              <a:rPr lang="cs-CZ" dirty="0" smtClean="0">
-                <a:latin typeface="Cambria" pitchFamily="18" charset="0"/>
-              </a:rPr>
-              <a:t>úrovně osvitu v </a:t>
-            </a:r>
-            <a:r>
-              <a:rPr lang="cs-CZ" dirty="0">
-                <a:latin typeface="Cambria" pitchFamily="18" charset="0"/>
-              </a:rPr>
-              <a:t>obou případech, ovšem různé úrovně šumu</a:t>
-            </a:r>
-          </a:p>
-          <a:p>
-            <a:endParaRPr lang="cs-CZ" b="1" dirty="0" smtClean="0">
+            <a:pPr marL="342900" lvl="1" indent="-342900">
+              <a:buFont typeface="Arial" pitchFamily="34" charset="0"/>
+              <a:buChar char="•"/>
+            </a:pPr>
+            <a:endParaRPr lang="cs-CZ" sz="3200" b="1" dirty="0" smtClean="0">
+              <a:latin typeface="Cambria" pitchFamily="18" charset="0"/>
+            </a:endParaRPr>
+          </a:p>
+          <a:p>
+            <a:pPr marL="342900" lvl="1" indent="-342900">
+              <a:buFont typeface="Arial" pitchFamily="34" charset="0"/>
+              <a:buChar char="•"/>
+            </a:pPr>
+            <a:endParaRPr lang="cs-CZ" sz="3200" dirty="0">
+              <a:latin typeface="Cambria" pitchFamily="18" charset="0"/>
+            </a:endParaRPr>
+          </a:p>
+          <a:p>
+            <a:endParaRPr lang="sk-SK" dirty="0"/>
+          </a:p>
+          <a:p>
+            <a:endParaRPr lang="cs-CZ" dirty="0" smtClean="0">
               <a:latin typeface="Cambria" pitchFamily="18" charset="0"/>
             </a:endParaRPr>
           </a:p>
@@ -5183,7 +8986,7 @@
               <a:rPr lang="cs-CZ" b="1" dirty="0" smtClean="0">
                 <a:latin typeface="Cambria" pitchFamily="18" charset="0"/>
               </a:rPr>
-              <a:t>Podmínky</a:t>
+              <a:t>Neřešíme</a:t>
             </a:r>
             <a:endParaRPr lang="en-US" b="1" dirty="0">
               <a:latin typeface="Cambria" pitchFamily="18" charset="0"/>
@@ -5209,20 +9012,11 @@
         </p:spPr>
         <p:txBody>
           <a:bodyPr>
-            <a:normAutofit lnSpcReduction="10000"/>
+            <a:normAutofit/>
           </a:bodyPr>
           <a:lstStyle/>
           <a:p>
             <a:r>
-              <a:rPr lang="cs-CZ" b="1" dirty="0" smtClean="0">
-                <a:latin typeface="Cambria" pitchFamily="18" charset="0"/>
-              </a:rPr>
-              <a:t>Neřešíme:</a:t>
-            </a:r>
-          </a:p>
-          <a:p>
-            <a:pPr lvl="1"/>
-            <a:r>
               <a:rPr lang="cs-CZ" dirty="0" smtClean="0">
                 <a:latin typeface="Cambria" pitchFamily="18" charset="0"/>
               </a:rPr>
@@ -5241,16 +9035,119 @@
               <a:t>ímků </a:t>
             </a:r>
             <a:r>
-              <a:rPr lang="cs-CZ" dirty="0" smtClean="0">
-                <a:latin typeface="Cambria" pitchFamily="18" charset="0"/>
-              </a:rPr>
-              <a:t>(simulovaná data jsou již registrována, v experimentu na reálných datech registrujeme semi</a:t>
+              <a:rPr lang="en-US" dirty="0" smtClean="0">
+                <a:latin typeface="Cambria" pitchFamily="18" charset="0"/>
+              </a:rPr>
+              <a:t>(</a:t>
             </a:r>
             <a:r>
               <a:rPr lang="sk-SK" dirty="0" smtClean="0">
                 <a:latin typeface="Cambria" pitchFamily="18" charset="0"/>
               </a:rPr>
-              <a:t>-manuálně</a:t>
+              <a:t>v simulovaných experimentech registrováno, reálná data registrov</a:t>
+            </a:r>
+            <a:r>
+              <a:rPr lang="cs-CZ" dirty="0" smtClean="0">
+                <a:latin typeface="Cambria" pitchFamily="18" charset="0"/>
+              </a:rPr>
+              <a:t>ána semi-manuálně</a:t>
+            </a:r>
+            <a:r>
+              <a:rPr lang="en-US" dirty="0">
+                <a:latin typeface="Cambria" pitchFamily="18" charset="0"/>
+              </a:rPr>
+              <a:t>)</a:t>
+            </a:r>
+            <a:endParaRPr lang="cs-CZ" dirty="0" smtClean="0">
+              <a:latin typeface="Cambria" pitchFamily="18" charset="0"/>
+            </a:endParaRPr>
+          </a:p>
+          <a:p>
+            <a:r>
+              <a:rPr lang="sk-SK" dirty="0" smtClean="0">
+                <a:latin typeface="Cambria" pitchFamily="18" charset="0"/>
+              </a:rPr>
+              <a:t>barvy </a:t>
+            </a:r>
+            <a:r>
+              <a:rPr lang="en-US" dirty="0" smtClean="0">
+                <a:latin typeface="Cambria" pitchFamily="18" charset="0"/>
+              </a:rPr>
+              <a:t>(</a:t>
+            </a:r>
+            <a:r>
+              <a:rPr lang="cs-CZ" dirty="0" smtClean="0">
+                <a:latin typeface="Cambria" pitchFamily="18" charset="0"/>
+              </a:rPr>
+              <a:t>šedotónové snímky</a:t>
+            </a:r>
+            <a:r>
+              <a:rPr lang="en-US" dirty="0" smtClean="0">
+                <a:latin typeface="Cambria" pitchFamily="18" charset="0"/>
+              </a:rPr>
+              <a:t>)</a:t>
+            </a:r>
+          </a:p>
+          <a:p>
+            <a:r>
+              <a:rPr lang="sk-SK" dirty="0" smtClean="0">
+                <a:latin typeface="Cambria" pitchFamily="18" charset="0"/>
+              </a:rPr>
+              <a:t>lokální rozmazání pohybem </a:t>
+            </a:r>
+            <a:r>
+              <a:rPr lang="en-US" dirty="0" smtClean="0">
+                <a:latin typeface="Cambria" pitchFamily="18" charset="0"/>
+              </a:rPr>
+              <a:t>(</a:t>
+            </a:r>
+            <a:r>
+              <a:rPr lang="en-US" dirty="0" err="1" smtClean="0">
+                <a:latin typeface="Cambria" pitchFamily="18" charset="0"/>
+              </a:rPr>
+              <a:t>jedna</a:t>
+            </a:r>
+            <a:r>
+              <a:rPr lang="en-US" dirty="0" smtClean="0">
+                <a:latin typeface="Cambria" pitchFamily="18" charset="0"/>
+              </a:rPr>
+              <a:t> z </a:t>
+            </a:r>
+            <a:r>
+              <a:rPr lang="en-US" dirty="0" err="1" smtClean="0">
+                <a:latin typeface="Cambria" pitchFamily="18" charset="0"/>
+              </a:rPr>
+              <a:t>testovan</a:t>
+            </a:r>
+            <a:r>
+              <a:rPr lang="cs-CZ" dirty="0" smtClean="0">
+                <a:latin typeface="Cambria" pitchFamily="18" charset="0"/>
+              </a:rPr>
+              <a:t>ých metod </a:t>
+            </a:r>
+            <a:r>
+              <a:rPr lang="en-US" dirty="0" err="1" smtClean="0">
+                <a:latin typeface="Cambria" pitchFamily="18" charset="0"/>
+              </a:rPr>
+              <a:t>schopna</a:t>
+            </a:r>
+            <a:r>
+              <a:rPr lang="en-US" dirty="0" smtClean="0">
+                <a:latin typeface="Cambria" pitchFamily="18" charset="0"/>
+              </a:rPr>
+              <a:t> </a:t>
+            </a:r>
+            <a:r>
+              <a:rPr lang="en-US" dirty="0" err="1" smtClean="0">
+                <a:latin typeface="Cambria" pitchFamily="18" charset="0"/>
+              </a:rPr>
+              <a:t>zvl</a:t>
+            </a:r>
+            <a:r>
+              <a:rPr lang="cs-CZ" dirty="0" smtClean="0">
+                <a:latin typeface="Cambria" pitchFamily="18" charset="0"/>
+              </a:rPr>
+              <a:t>ádnout</a:t>
             </a:r>
             <a:r>
               <a:rPr lang="en-US" dirty="0" smtClean="0">
@@ -5263,105 +9160,11 @@
             </a:endParaRPr>
           </a:p>
           <a:p>
-            <a:pPr lvl="1"/>
             <a:r>
               <a:rPr lang="sk-SK" dirty="0" smtClean="0">
                 <a:latin typeface="Cambria" pitchFamily="18" charset="0"/>
               </a:rPr>
-              <a:t>barvy </a:t>
-            </a:r>
-            <a:r>
-              <a:rPr lang="en-US" dirty="0" smtClean="0">
-                <a:latin typeface="Cambria" pitchFamily="18" charset="0"/>
-              </a:rPr>
-              <a:t>(</a:t>
-            </a:r>
-            <a:r>
-              <a:rPr lang="cs-CZ" dirty="0" smtClean="0">
-                <a:latin typeface="Cambria" pitchFamily="18" charset="0"/>
-              </a:rPr>
-              <a:t>šedotónové snímky</a:t>
-            </a:r>
-            <a:r>
-              <a:rPr lang="en-US" dirty="0" smtClean="0">
-                <a:latin typeface="Cambria" pitchFamily="18" charset="0"/>
-              </a:rPr>
-              <a:t>)</a:t>
-            </a:r>
-          </a:p>
-          <a:p>
-            <a:pPr lvl="1"/>
-            <a:r>
-              <a:rPr lang="sk-SK" dirty="0" smtClean="0">
-                <a:latin typeface="Cambria" pitchFamily="18" charset="0"/>
-              </a:rPr>
-              <a:t>lokální rozmazání pohybem, </a:t>
-            </a:r>
-            <a:r>
-              <a:rPr lang="en-US" dirty="0" err="1" smtClean="0">
-                <a:latin typeface="Cambria" pitchFamily="18" charset="0"/>
-              </a:rPr>
-              <a:t>uva</a:t>
-            </a:r>
-            <a:r>
-              <a:rPr lang="cs-CZ" dirty="0" smtClean="0">
-                <a:latin typeface="Cambria" pitchFamily="18" charset="0"/>
-              </a:rPr>
-              <a:t>žujeme pouze </a:t>
-            </a:r>
-            <a:r>
-              <a:rPr lang="sk-SK" dirty="0" smtClean="0">
-                <a:latin typeface="Cambria" pitchFamily="18" charset="0"/>
-              </a:rPr>
-              <a:t>pohyb snímacího zařízení </a:t>
-            </a:r>
-            <a:r>
-              <a:rPr lang="en-US" dirty="0" smtClean="0">
-                <a:latin typeface="Cambria" pitchFamily="18" charset="0"/>
-              </a:rPr>
-              <a:t>(</a:t>
-            </a:r>
-            <a:r>
-              <a:rPr lang="en-US" dirty="0" err="1" smtClean="0">
-                <a:latin typeface="Cambria" pitchFamily="18" charset="0"/>
-              </a:rPr>
-              <a:t>jedna</a:t>
-            </a:r>
-            <a:r>
-              <a:rPr lang="en-US" dirty="0" smtClean="0">
-                <a:latin typeface="Cambria" pitchFamily="18" charset="0"/>
-              </a:rPr>
-              <a:t> z </a:t>
-            </a:r>
-            <a:r>
-              <a:rPr lang="cs-CZ" dirty="0" smtClean="0">
-                <a:latin typeface="Cambria" pitchFamily="18" charset="0"/>
-              </a:rPr>
-              <a:t>později zmiňovaných metod je ovšem schopna se s lokálním rozmazáním vypořádat</a:t>
-            </a:r>
-            <a:r>
-              <a:rPr lang="en-US" dirty="0" smtClean="0">
-                <a:latin typeface="Cambria" pitchFamily="18" charset="0"/>
-              </a:rPr>
-              <a:t>)</a:t>
-            </a:r>
-            <a:endParaRPr lang="sk-SK" dirty="0" smtClean="0">
-              <a:latin typeface="Cambria" pitchFamily="18" charset="0"/>
-            </a:endParaRPr>
-          </a:p>
-          <a:p>
-            <a:pPr lvl="1"/>
-            <a:r>
-              <a:rPr lang="sk-SK" dirty="0">
-                <a:latin typeface="Cambria" pitchFamily="18" charset="0"/>
-              </a:rPr>
-              <a:t>v</a:t>
-            </a:r>
-            <a:r>
-              <a:rPr lang="sk-SK" dirty="0" smtClean="0">
-                <a:latin typeface="Cambria" pitchFamily="18" charset="0"/>
-              </a:rPr>
-              <a:t>ýpočetní složitost algoritm</a:t>
+              <a:t>výpočetní složitost algoritm</a:t>
             </a:r>
             <a:r>
               <a:rPr lang="cs-CZ" dirty="0">
@@ -5441,7 +9244,7 @@
               <a:rPr lang="cs-CZ" b="1" dirty="0" smtClean="0">
                 <a:latin typeface="Cambria" pitchFamily="18" charset="0"/>
               </a:rPr>
-              <a:t>Řešení</a:t>
+              <a:t>Možná řešení</a:t>
             </a:r>
             <a:endParaRPr lang="en-US" b="1" dirty="0">
               <a:latin typeface="Cambria" pitchFamily="18" charset="0"/>
@@ -5467,215 +9270,111 @@
         </p:spPr>
         <p:txBody>
           <a:bodyPr>
-            <a:normAutofit lnSpcReduction="10000"/>
+            <a:normAutofit/>
           </a:bodyPr>
           <a:lstStyle/>
           <a:p>
             <a:r>
-              <a:rPr lang="sk-SK" b="1" dirty="0" smtClean="0">
-                <a:latin typeface="Cambria" pitchFamily="18" charset="0"/>
-              </a:rPr>
-              <a:t>nastudov</a:t>
+              <a:rPr lang="cs-CZ" dirty="0" smtClean="0">
+                <a:latin typeface="Cambria" pitchFamily="18" charset="0"/>
+              </a:rPr>
+              <a:t>ú</a:t>
+            </a:r>
+            <a:r>
+              <a:rPr lang="sk-SK" dirty="0" smtClean="0">
+                <a:latin typeface="Cambria" pitchFamily="18" charset="0"/>
+              </a:rPr>
+              <a:t>prava nerozmazaného snímku </a:t>
+            </a:r>
+            <a:r>
+              <a:rPr lang="en-US" dirty="0" smtClean="0">
+                <a:latin typeface="Cambria" pitchFamily="18" charset="0"/>
+              </a:rPr>
+              <a:t>(</a:t>
+            </a:r>
+            <a:r>
+              <a:rPr lang="cs-CZ" dirty="0" smtClean="0">
+                <a:latin typeface="Cambria" pitchFamily="18" charset="0"/>
+              </a:rPr>
+              <a:t>úprava jasu, odstranění šumu...</a:t>
+            </a:r>
+            <a:r>
+              <a:rPr lang="en-US" dirty="0" smtClean="0">
+                <a:latin typeface="Cambria" pitchFamily="18" charset="0"/>
+              </a:rPr>
+              <a:t>)</a:t>
+            </a:r>
+          </a:p>
+          <a:p>
+            <a:r>
+              <a:rPr lang="en-US" dirty="0" smtClean="0">
+                <a:latin typeface="Cambria" pitchFamily="18" charset="0"/>
+              </a:rPr>
+              <a:t>f</a:t>
+            </a:r>
+            <a:r>
+              <a:rPr lang="cs-CZ" dirty="0" smtClean="0">
+                <a:latin typeface="Cambria" pitchFamily="18" charset="0"/>
+              </a:rPr>
+              <a:t>úz</a:t>
+            </a:r>
+            <a:r>
+              <a:rPr lang="en-US" dirty="0" smtClean="0">
+                <a:latin typeface="Cambria" pitchFamily="18" charset="0"/>
+              </a:rPr>
+              <a:t>e</a:t>
+            </a:r>
+            <a:r>
+              <a:rPr lang="cs-CZ" dirty="0" smtClean="0">
+                <a:latin typeface="Cambria" pitchFamily="18" charset="0"/>
+              </a:rPr>
+              <a:t> snímků bez využití dekonvoluce</a:t>
+            </a:r>
+          </a:p>
+          <a:p>
+            <a:r>
+              <a:rPr lang="cs-CZ" dirty="0" smtClean="0">
+                <a:latin typeface="Cambria" pitchFamily="18" charset="0"/>
+              </a:rPr>
+              <a:t>fúze snímku s použitím dekonvoluce </a:t>
             </a:r>
             <a:r>
               <a:rPr lang="cs-CZ" b="1" dirty="0" smtClean="0">
                 <a:latin typeface="Cambria" pitchFamily="18" charset="0"/>
               </a:rPr>
-              <a:t>áno</a:t>
+              <a:t>→ </a:t>
+            </a:r>
+            <a:r>
+              <a:rPr lang="cs-CZ" dirty="0" smtClean="0">
+                <a:latin typeface="Cambria" pitchFamily="18" charset="0"/>
+              </a:rPr>
+              <a:t>výpočetně obvykle nejnáročnější</a:t>
+            </a:r>
+          </a:p>
+          <a:p>
+            <a:r>
+              <a:rPr lang="cs-CZ" dirty="0" smtClean="0">
+                <a:latin typeface="Cambria" pitchFamily="18" charset="0"/>
+              </a:rPr>
+              <a:t>z každé kategorie vybr</a:t>
             </a:r>
             <a:r>
               <a:rPr lang="sk-SK" dirty="0" smtClean="0">
                 <a:latin typeface="Cambria" pitchFamily="18" charset="0"/>
               </a:rPr>
-              <a:t> zhruba 10 r</a:t>
-            </a:r>
-            <a:r>
-              <a:rPr lang="cs-CZ" dirty="0" smtClean="0">
-                <a:latin typeface="Cambria" pitchFamily="18" charset="0"/>
-              </a:rPr>
-              <a:t>ůzných metod, které vesměs spadají do </a:t>
-            </a:r>
-            <a:r>
-              <a:rPr lang="cs-CZ" b="1" dirty="0" smtClean="0">
-                <a:latin typeface="Cambria" pitchFamily="18" charset="0"/>
-              </a:rPr>
-              <a:t>3 kategorií</a:t>
-            </a:r>
-            <a:r>
-              <a:rPr lang="cs-CZ" dirty="0" smtClean="0">
-                <a:latin typeface="Cambria" pitchFamily="18" charset="0"/>
-              </a:rPr>
-              <a:t> </a:t>
-            </a:r>
-            <a:endParaRPr lang="cs-CZ" b="1" dirty="0" smtClean="0">
-              <a:latin typeface="Cambria" pitchFamily="18" charset="0"/>
-            </a:endParaRPr>
-          </a:p>
-          <a:p>
-            <a:pPr lvl="1"/>
-            <a:r>
-              <a:rPr lang="cs-CZ" dirty="0" smtClean="0">
-                <a:latin typeface="Cambria" pitchFamily="18" charset="0"/>
-              </a:rPr>
-              <a:t>úprava snímku s kratší expoziční dobou </a:t>
+              <a:t>ána </a:t>
             </a:r>
             <a:r>
               <a:rPr lang="en-US" dirty="0" smtClean="0">
                 <a:latin typeface="Cambria" pitchFamily="18" charset="0"/>
               </a:rPr>
-              <a:t>(</a:t>
-            </a:r>
-            <a:r>
-              <a:rPr lang="en-US" dirty="0" err="1" smtClean="0">
-                <a:latin typeface="Cambria" pitchFamily="18" charset="0"/>
-              </a:rPr>
-              <a:t>bez</a:t>
-            </a:r>
-            <a:r>
-              <a:rPr lang="en-US" dirty="0" smtClean="0">
-                <a:latin typeface="Cambria" pitchFamily="18" charset="0"/>
-              </a:rPr>
-              <a:t> </a:t>
-            </a:r>
-            <a:r>
-              <a:rPr lang="en-US" dirty="0" err="1" smtClean="0">
-                <a:latin typeface="Cambria" pitchFamily="18" charset="0"/>
-              </a:rPr>
-              <a:t>rozmaz</a:t>
-            </a:r>
-            <a:r>
-              <a:rPr lang="cs-CZ" dirty="0" smtClean="0">
-                <a:latin typeface="Cambria" pitchFamily="18" charset="0"/>
-              </a:rPr>
-              <a:t>ání</a:t>
-            </a:r>
-            <a:r>
-              <a:rPr lang="en-US" dirty="0">
-                <a:latin typeface="Cambria" pitchFamily="18" charset="0"/>
-              </a:rPr>
-              <a:t>)</a:t>
-            </a:r>
-            <a:r>
-              <a:rPr lang="cs-CZ" dirty="0" smtClean="0">
-                <a:latin typeface="Cambria" pitchFamily="18" charset="0"/>
-              </a:rPr>
-              <a:t>, především odstranění šumu</a:t>
-            </a:r>
-            <a:r>
-              <a:rPr lang="cs-CZ" b="1" dirty="0">
-                <a:latin typeface="Cambria" pitchFamily="18" charset="0"/>
-              </a:rPr>
-              <a:t> </a:t>
-            </a:r>
-            <a:r>
-              <a:rPr lang="en-US" b="1" dirty="0">
-                <a:latin typeface="Cambria" pitchFamily="18" charset="0"/>
-              </a:rPr>
-              <a:t> </a:t>
-            </a:r>
-            <a:r>
-              <a:rPr lang="en-US" b="1" dirty="0" smtClean="0">
-                <a:latin typeface="Cambria" pitchFamily="18" charset="0"/>
-              </a:rPr>
-              <a:t>- </a:t>
-            </a:r>
-            <a:r>
-              <a:rPr lang="en-US" dirty="0" err="1" smtClean="0">
-                <a:latin typeface="Cambria" pitchFamily="18" charset="0"/>
-              </a:rPr>
-              <a:t>intuitivn</a:t>
-            </a:r>
-            <a:r>
-              <a:rPr lang="cs-CZ" dirty="0" smtClean="0">
-                <a:latin typeface="Cambria" pitchFamily="18" charset="0"/>
-              </a:rPr>
-              <a:t>í a přímočar</a:t>
+              <a:t>a </a:t>
             </a:r>
             <a:r>
               <a:rPr lang="sk-SK" dirty="0" smtClean="0">
                 <a:latin typeface="Cambria" pitchFamily="18" charset="0"/>
               </a:rPr>
-              <a:t>é</a:t>
-            </a:r>
-            <a:endParaRPr lang="en-US" dirty="0" smtClean="0">
-              <a:latin typeface="Cambria" pitchFamily="18" charset="0"/>
-            </a:endParaRPr>
-          </a:p>
-          <a:p>
-            <a:pPr lvl="1"/>
-            <a:r>
-              <a:rPr lang="en-US" dirty="0" smtClean="0">
-                <a:latin typeface="Cambria" pitchFamily="18" charset="0"/>
-              </a:rPr>
-              <a:t>f</a:t>
-            </a:r>
-            <a:r>
-              <a:rPr lang="cs-CZ" dirty="0" smtClean="0">
-                <a:latin typeface="Cambria" pitchFamily="18" charset="0"/>
-              </a:rPr>
-              <a:t>úz</a:t>
-            </a:r>
-            <a:r>
-              <a:rPr lang="en-US" dirty="0" smtClean="0">
-                <a:latin typeface="Cambria" pitchFamily="18" charset="0"/>
-              </a:rPr>
-              <a:t>e</a:t>
-            </a:r>
-            <a:r>
-              <a:rPr lang="cs-CZ" dirty="0" smtClean="0">
-                <a:latin typeface="Cambria" pitchFamily="18" charset="0"/>
-              </a:rPr>
-              <a:t> snímků bez využití dekonvoluce</a:t>
-            </a:r>
-          </a:p>
-          <a:p>
-            <a:pPr lvl="1"/>
-            <a:r>
-              <a:rPr lang="cs-CZ" dirty="0" smtClean="0">
-                <a:latin typeface="Cambria" pitchFamily="18" charset="0"/>
-              </a:rPr>
-              <a:t>fúze snímku s použitím dekonvoluce </a:t>
-            </a:r>
-            <a:r>
-              <a:rPr lang="cs-CZ" b="1" dirty="0" smtClean="0">
-                <a:latin typeface="Cambria" pitchFamily="18" charset="0"/>
-              </a:rPr>
-              <a:t>→ </a:t>
-            </a:r>
-            <a:r>
-              <a:rPr lang="cs-CZ" dirty="0" smtClean="0">
-                <a:latin typeface="Cambria" pitchFamily="18" charset="0"/>
-              </a:rPr>
-              <a:t>výpočetně obvykle nejnáročnější</a:t>
-            </a:r>
-            <a:endParaRPr lang="cs-CZ" dirty="0" smtClean="0">
-              <a:latin typeface="Cambria" pitchFamily="18" charset="0"/>
-            </a:endParaRPr>
-          </a:p>
-          <a:p>
-            <a:r>
-              <a:rPr lang="cs-CZ" dirty="0" smtClean="0">
-                <a:latin typeface="Cambria" pitchFamily="18" charset="0"/>
-              </a:rPr>
-              <a:t>z každé kategorie vybr</a:t>
-            </a:r>
-            <a:r>
-              <a:rPr lang="sk-SK" dirty="0" smtClean="0">
-                <a:latin typeface="Cambria" pitchFamily="18" charset="0"/>
-              </a:rPr>
-              <a:t>ána </a:t>
-            </a:r>
-            <a:r>
-              <a:rPr lang="en-US" dirty="0" smtClean="0">
-                <a:latin typeface="Cambria" pitchFamily="18" charset="0"/>
-              </a:rPr>
-              <a:t>a </a:t>
-            </a:r>
-            <a:r>
-              <a:rPr lang="sk-SK" dirty="0" smtClean="0">
-                <a:latin typeface="Cambria" pitchFamily="18" charset="0"/>
-              </a:rPr>
-              <a:t>testována jedna zástupní metoda</a:t>
+              <a:t>testována jedna zástupní metoda, prostudováno zhruba 10</a:t>
             </a:r>
             <a:endParaRPr lang="en-US" dirty="0" smtClean="0">
               <a:latin typeface="Cambria" pitchFamily="18" charset="0"/>
@@ -5774,21 +9473,15 @@
         </p:spPr>
         <p:txBody>
           <a:bodyPr>
-            <a:normAutofit fontScale="70000" lnSpcReduction="20000"/>
+            <a:normAutofit/>
           </a:bodyPr>
           <a:lstStyle/>
           <a:p>
             <a:r>
-              <a:rPr lang="cs-CZ" dirty="0">
-                <a:latin typeface="Cambria" pitchFamily="18" charset="0"/>
-              </a:rPr>
-              <a:t>v</a:t>
-            </a:r>
-            <a:r>
-              <a:rPr lang="cs-CZ" dirty="0" smtClean="0">
-                <a:latin typeface="Cambria" pitchFamily="18" charset="0"/>
-              </a:rPr>
-              <a:t>ysoce efektivní algoritmus na odstranění šumu</a:t>
+              <a:rPr lang="cs-CZ" dirty="0" smtClean="0">
+                <a:latin typeface="Cambria" pitchFamily="18" charset="0"/>
+              </a:rPr>
+              <a:t>vysoce efektivní algoritmus na odstranění šumu</a:t>
             </a:r>
           </a:p>
           <a:p>
@@ -5839,13 +9532,7 @@
               <a:rPr lang="sk-SK" dirty="0" smtClean="0">
                 <a:latin typeface="Cambria" pitchFamily="18" charset="0"/>
               </a:rPr>
-              <a:t>z</a:t>
-            </a:r>
-            <a:r>
-              <a:rPr lang="sk-SK" dirty="0" smtClean="0">
-                <a:latin typeface="Cambria" pitchFamily="18" charset="0"/>
-              </a:rPr>
-              <a:t>ástupce první kategorie metod řešení, použitý k </a:t>
+              <a:t>zástupce první kategorie metod řešení, použitý k </a:t>
             </a:r>
             <a:r>
               <a:rPr lang="en-US" dirty="0" smtClean="0">
@@ -5868,114 +9555,10 @@
           </a:p>
           <a:p>
             <a:r>
-              <a:rPr lang="sk-SK" dirty="0" smtClean="0">
-                <a:latin typeface="Cambria" pitchFamily="18" charset="0"/>
-              </a:rPr>
-              <a:t>pro každý pixel ve výsledném obraze:</a:t>
-            </a:r>
-          </a:p>
-          <a:p>
-            <a:pPr lvl="1"/>
-            <a:r>
-              <a:rPr lang="sk-SK" dirty="0" smtClean="0">
-                <a:latin typeface="Cambria" pitchFamily="18" charset="0"/>
-              </a:rPr>
-              <a:t>nalezení podobných bloků v obraze </a:t>
-            </a:r>
-            <a:r>
-              <a:rPr lang="en-US" dirty="0" smtClean="0">
-                <a:latin typeface="Cambria" pitchFamily="18" charset="0"/>
-              </a:rPr>
-              <a:t>(</a:t>
-            </a:r>
-            <a:r>
-              <a:rPr lang="cs-CZ" dirty="0" smtClean="0">
-                <a:latin typeface="Cambria" pitchFamily="18" charset="0"/>
-              </a:rPr>
-              <a:t>„block matching“</a:t>
-            </a:r>
-            <a:r>
-              <a:rPr lang="en-US" dirty="0" smtClean="0">
-                <a:latin typeface="Cambria" pitchFamily="18" charset="0"/>
-              </a:rPr>
-              <a:t>)</a:t>
-            </a:r>
-          </a:p>
-          <a:p>
-            <a:pPr lvl="1"/>
-            <a:r>
-              <a:rPr lang="cs-CZ" dirty="0">
-                <a:latin typeface="Cambria" pitchFamily="18" charset="0"/>
-              </a:rPr>
-              <a:t>s</a:t>
-            </a:r>
-            <a:r>
-              <a:rPr lang="cs-CZ" dirty="0" smtClean="0">
-                <a:latin typeface="Cambria" pitchFamily="18" charset="0"/>
-              </a:rPr>
-              <a:t>eskládaní podobných bloků na sebe do podoby 3D pole</a:t>
-            </a:r>
-          </a:p>
-          <a:p>
-            <a:pPr lvl="1"/>
-            <a:r>
-              <a:rPr lang="cs-CZ" dirty="0">
-                <a:latin typeface="Cambria" pitchFamily="18" charset="0"/>
-              </a:rPr>
-              <a:t>p</a:t>
-            </a:r>
-            <a:r>
-              <a:rPr lang="cs-CZ" dirty="0" smtClean="0">
-                <a:latin typeface="Cambria" pitchFamily="18" charset="0"/>
-              </a:rPr>
-              <a:t>rovedení 3D diskrétní kosinové transformace</a:t>
-            </a:r>
-          </a:p>
-          <a:p>
-            <a:pPr lvl="1"/>
-            <a:r>
-              <a:rPr lang="cs-CZ" dirty="0" smtClean="0">
-                <a:latin typeface="Cambria" pitchFamily="18" charset="0"/>
-              </a:rPr>
-              <a:t>thresholding koeficientů</a:t>
-            </a:r>
-          </a:p>
-          <a:p>
-            <a:pPr lvl="1"/>
-            <a:r>
-              <a:rPr lang="cs-CZ" dirty="0" smtClean="0">
-                <a:latin typeface="Cambria" pitchFamily="18" charset="0"/>
-              </a:rPr>
-              <a:t>inverzní kosinová transformace</a:t>
-            </a:r>
-          </a:p>
-          <a:p>
-            <a:pPr lvl="1"/>
-            <a:r>
-              <a:rPr lang="cs-CZ" dirty="0">
-                <a:latin typeface="Cambria" pitchFamily="18" charset="0"/>
-              </a:rPr>
-              <a:t>v</a:t>
-            </a:r>
-            <a:r>
-              <a:rPr lang="cs-CZ" dirty="0" smtClean="0">
-                <a:latin typeface="Cambria" pitchFamily="18" charset="0"/>
-              </a:rPr>
-              <a:t>ážený průměr na sebe seskládaných bloků</a:t>
-            </a:r>
-          </a:p>
-          <a:p>
-            <a:r>
-              <a:rPr lang="cs-CZ" dirty="0">
-                <a:latin typeface="Cambria" pitchFamily="18" charset="0"/>
-              </a:rPr>
-              <a:t>a</a:t>
-            </a:r>
-            <a:r>
-              <a:rPr lang="cs-CZ" dirty="0" smtClean="0">
-                <a:latin typeface="Cambria" pitchFamily="18" charset="0"/>
-              </a:rPr>
-              <a:t>lgoritmus pouze převzat </a:t>
+              <a:rPr lang="cs-CZ" dirty="0" smtClean="0">
+                <a:latin typeface="Cambria" pitchFamily="18" charset="0"/>
+              </a:rPr>
+              <a:t>algoritmus pouze převzat </a:t>
             </a:r>
             <a:r>
               <a:rPr lang="en-US" dirty="0" smtClean="0">
@@ -6104,7 +9687,21 @@
               <a:rPr lang="cs-CZ" dirty="0" smtClean="0">
                 <a:latin typeface="Cambria" pitchFamily="18" charset="0"/>
               </a:rPr>
-              <a:t>fúze snímků bez využití dekonvoluce</a:t>
+              <a:t>Marius Tico, 2009</a:t>
+            </a:r>
+          </a:p>
+          <a:p>
+            <a:r>
+              <a:rPr lang="cs-CZ" dirty="0">
+                <a:latin typeface="Cambria" pitchFamily="18" charset="0"/>
+              </a:rPr>
+              <a:t>w</a:t>
+            </a:r>
+            <a:r>
+              <a:rPr lang="cs-CZ" dirty="0" smtClean="0">
+                <a:latin typeface="Cambria" pitchFamily="18" charset="0"/>
+              </a:rPr>
+              <a:t>aveletová fúze snímků, bez dekonvoluce</a:t>
             </a:r>
           </a:p>
           <a:p>
@@ -6118,7 +9715,7 @@
               <a:rPr lang="cs-CZ" dirty="0" smtClean="0">
                 <a:latin typeface="Cambria" pitchFamily="18" charset="0"/>
               </a:rPr>
-              <a:t>ístech ostrých přechodů </a:t>
+              <a:t>ístech přechodů </a:t>
             </a:r>
             <a:r>
               <a:rPr lang="en-US" dirty="0" smtClean="0">
@@ -6139,49 +9736,100 @@
               <a:t>)</a:t>
             </a:r>
             <a:r>
+              <a:rPr lang="cs-CZ" dirty="0" smtClean="0">
+                <a:latin typeface="Cambria" pitchFamily="18" charset="0"/>
+              </a:rPr>
+              <a:t> upřednostňuje zašuměný snímek</a:t>
+            </a:r>
+          </a:p>
+          <a:p>
+            <a:r>
               <a:rPr lang="sk-SK" dirty="0" smtClean="0">
                 <a:latin typeface="Cambria" pitchFamily="18" charset="0"/>
               </a:rPr>
-              <a:t>, kde šum překáží méně, </a:t>
+              <a:t>v místech </a:t>
+            </a:r>
+            <a:r>
+              <a:rPr lang="en-US" dirty="0" err="1" smtClean="0">
+                <a:latin typeface="Cambria" pitchFamily="18" charset="0"/>
+              </a:rPr>
+              <a:t>mimo</a:t>
             </a:r>
             <a:r>
               <a:rPr lang="en-US" dirty="0" smtClean="0">
                 <a:latin typeface="Cambria" pitchFamily="18" charset="0"/>
               </a:rPr>
-              <a:t>je up</a:t>
-            </a:r>
-            <a:r>
-              <a:rPr lang="cs-CZ" dirty="0" smtClean="0">
-                <a:latin typeface="Cambria" pitchFamily="18" charset="0"/>
-              </a:rPr>
-              <a:t>řednostněn snímek s krátkou expozicí</a:t>
-            </a:r>
-          </a:p>
-          <a:p>
+              <a:t> p</a:t>
+            </a:r>
+            <a:r>
+              <a:rPr lang="cs-CZ" dirty="0" smtClean="0">
+                <a:latin typeface="Cambria" pitchFamily="18" charset="0"/>
+              </a:rPr>
+              <a:t>řechodů</a:t>
+            </a:r>
             <a:r>
               <a:rPr lang="sk-SK" dirty="0" smtClean="0">
                 <a:latin typeface="Cambria" pitchFamily="18" charset="0"/>
               </a:rPr>
-              <a:t>v místech bez ostrých hran </a:t>
+              <a:t> </a:t>
             </a:r>
             <a:r>
               <a:rPr lang="en-US" dirty="0" smtClean="0">
                 <a:latin typeface="Cambria" pitchFamily="18" charset="0"/>
               </a:rPr>
-              <a:t>(v</a:t>
-            </a:r>
-            <a:r>
-              <a:rPr lang="cs-CZ" dirty="0" smtClean="0">
-                <a:latin typeface="Cambria" pitchFamily="18" charset="0"/>
-              </a:rPr>
-              <a:t>ětší plochy</a:t>
-            </a:r>
-            <a:r>
-              <a:rPr lang="en-US" dirty="0">
+              <a:t>(</a:t>
+            </a:r>
+            <a:r>
+              <a:rPr lang="cs-CZ" dirty="0" smtClean="0">
+                <a:latin typeface="Cambria" pitchFamily="18" charset="0"/>
+              </a:rPr>
+              <a:t>plochy</a:t>
+            </a:r>
+            <a:r>
+              <a:rPr lang="en-US" dirty="0" smtClean="0">
                 <a:latin typeface="Cambria" pitchFamily="18" charset="0"/>
               </a:rPr>
               <a:t>)</a:t>
             </a:r>
+            <a:r>
+              <a:rPr lang="cs-CZ" dirty="0" smtClean="0">
+                <a:latin typeface="Cambria" pitchFamily="18" charset="0"/>
+              </a:rPr>
+              <a:t> upřednostňuje  rozmazaný obrázek</a:t>
+            </a:r>
+          </a:p>
+          <a:p>
+            <a:r>
+              <a:rPr lang="sk-SK" dirty="0">
+                <a:latin typeface="Cambria" pitchFamily="18" charset="0"/>
+              </a:rPr>
+              <a:t>z</a:t>
+            </a:r>
+            <a:r>
+              <a:rPr lang="sk-SK" dirty="0" smtClean="0">
+                <a:latin typeface="Cambria" pitchFamily="18" charset="0"/>
+              </a:rPr>
+              <a:t>vládá i lokální rozmazání</a:t>
+            </a:r>
+            <a:endParaRPr lang="cs-CZ" dirty="0" smtClean="0">
+              <a:latin typeface="Cambria" pitchFamily="18" charset="0"/>
+            </a:endParaRPr>
+          </a:p>
+          <a:p>
+            <a:r>
+              <a:rPr lang="cs-CZ" dirty="0" smtClean="0">
+                <a:latin typeface="Cambria" pitchFamily="18" charset="0"/>
+              </a:rPr>
+              <a:t>implementován v M</a:t>
+            </a:r>
+            <a:r>
+              <a:rPr lang="sk-SK" dirty="0" smtClean="0">
+                <a:latin typeface="Cambria" pitchFamily="18" charset="0"/>
+              </a:rPr>
+              <a:t>ATLABu</a:t>
+            </a:r>
+          </a:p>
+          <a:p>
             <a:endParaRPr lang="sk-SK" dirty="0" smtClean="0">
               <a:latin typeface="Cambria" pitchFamily="18" charset="0"/>
             </a:endParaRPr>
@@ -6241,10 +9889,22 @@
           <a:lstStyle/>
           <a:p>
             <a:r>
+              <a:rPr lang="en-US" b="1" dirty="0" err="1" smtClean="0">
+                <a:latin typeface="Cambria" pitchFamily="18" charset="0"/>
+              </a:rPr>
+              <a:t>Algoritmus</a:t>
+            </a:r>
+            <a:r>
+              <a:rPr lang="en-US" b="1" dirty="0" smtClean="0">
+                <a:latin typeface="Cambria" pitchFamily="18" charset="0"/>
+              </a:rPr>
+              <a:t> </a:t>
+            </a:r>
+            <a:r>
               <a:rPr lang="cs-CZ" b="1" dirty="0" smtClean="0">
                 <a:latin typeface="Cambria" pitchFamily="18" charset="0"/>
               </a:rPr>
-              <a:t>Implementace</a:t>
+              <a:t>MC-AM</a:t>
             </a:r>
             <a:endParaRPr lang="en-US" b="1" dirty="0">
               <a:latin typeface="Cambria" pitchFamily="18" charset="0"/>
@@ -6270,188 +9930,196 @@
         </p:spPr>
         <p:txBody>
           <a:bodyPr>
-            <a:normAutofit fontScale="92500" lnSpcReduction="20000"/>
+            <a:normAutofit/>
           </a:bodyPr>
           <a:lstStyle/>
           <a:p>
             <a:r>
+              <a:rPr lang="en-US" dirty="0" smtClean="0">
+                <a:latin typeface="Cambria" pitchFamily="18" charset="0"/>
+              </a:rPr>
+              <a:t>Jan </a:t>
+            </a:r>
+            <a:r>
+              <a:rPr lang="en-US" dirty="0" err="1" smtClean="0">
+                <a:latin typeface="Cambria" pitchFamily="18" charset="0"/>
+              </a:rPr>
+              <a:t>Flusser</a:t>
+            </a:r>
+            <a:r>
+              <a:rPr lang="en-US" dirty="0" smtClean="0">
+                <a:latin typeface="Cambria" pitchFamily="18" charset="0"/>
+              </a:rPr>
+              <a:t> a Filip </a:t>
+            </a:r>
+            <a:r>
+              <a:rPr lang="cs-CZ" dirty="0" smtClean="0">
+                <a:latin typeface="Cambria" pitchFamily="18" charset="0"/>
+              </a:rPr>
+              <a:t>Šroubek, 2003</a:t>
+            </a:r>
+          </a:p>
+          <a:p>
+            <a:r>
               <a:rPr lang="cs-CZ" b="1" dirty="0" smtClean="0">
                 <a:latin typeface="Cambria" pitchFamily="18" charset="0"/>
               </a:rPr>
-              <a:t>MATLAB</a:t>
-            </a:r>
-          </a:p>
-          <a:p>
+              <a:t>M</a:t>
+            </a:r>
+            <a:r>
+              <a:rPr lang="cs-CZ" dirty="0" smtClean="0">
+                <a:latin typeface="Cambria" pitchFamily="18" charset="0"/>
+              </a:rPr>
+              <a:t>ulti </a:t>
+            </a:r>
             <a:r>
               <a:rPr lang="cs-CZ" b="1" dirty="0" smtClean="0">
                 <a:latin typeface="Cambria" pitchFamily="18" charset="0"/>
               </a:rPr>
-              <a:t>Dokončeno</a:t>
-            </a:r>
-          </a:p>
-          <a:p>
-            <a:pPr lvl="1"/>
-            <a:r>
-              <a:rPr lang="cs-CZ" dirty="0" smtClean="0">
-                <a:latin typeface="Cambria" pitchFamily="18" charset="0"/>
-              </a:rPr>
-              <a:t>Razligh, Kehtarnavaz</a:t>
+              <a:t>C</a:t>
+            </a:r>
+            <a:r>
+              <a:rPr lang="cs-CZ" dirty="0" smtClean="0">
+                <a:latin typeface="Cambria" pitchFamily="18" charset="0"/>
+              </a:rPr>
+              <a:t>hannel, </a:t>
+            </a:r>
+            <a:r>
+              <a:rPr lang="cs-CZ" b="1" dirty="0" smtClean="0">
+                <a:latin typeface="Cambria" pitchFamily="18" charset="0"/>
+              </a:rPr>
+              <a:t>A</a:t>
+            </a:r>
+            <a:r>
+              <a:rPr lang="cs-CZ" dirty="0" smtClean="0">
+                <a:latin typeface="Cambria" pitchFamily="18" charset="0"/>
+              </a:rPr>
+              <a:t>lternating </a:t>
+            </a:r>
+            <a:r>
+              <a:rPr lang="cs-CZ" b="1" dirty="0" smtClean="0">
+                <a:latin typeface="Cambria" pitchFamily="18" charset="0"/>
+              </a:rPr>
+              <a:t>M</a:t>
+            </a:r>
+            <a:r>
+              <a:rPr lang="cs-CZ" dirty="0" smtClean="0">
+                <a:latin typeface="Cambria" pitchFamily="18" charset="0"/>
+              </a:rPr>
+              <a:t>inimization</a:t>
+            </a:r>
+          </a:p>
+          <a:p>
+            <a:r>
+              <a:rPr lang="cs-CZ" dirty="0" smtClean="0">
+                <a:latin typeface="Cambria" pitchFamily="18" charset="0"/>
+              </a:rPr>
+              <a:t>slepá dekonvoluce z  více</a:t>
+            </a:r>
+            <a:r>
+              <a:rPr lang="sk-SK" dirty="0" smtClean="0">
+                <a:latin typeface="Cambria" pitchFamily="18" charset="0"/>
+              </a:rPr>
+              <a:t>kanálových dat </a:t>
             </a:r>
             <a:r>
               <a:rPr lang="en-US" dirty="0" smtClean="0">
                 <a:latin typeface="Cambria" pitchFamily="18" charset="0"/>
               </a:rPr>
-              <a:t> (2007)</a:t>
-            </a:r>
-            <a:endParaRPr lang="cs-CZ" dirty="0" smtClean="0">
+              <a:t>(n</a:t>
+            </a:r>
+            <a:r>
+              <a:rPr lang="cs-CZ" dirty="0" smtClean="0">
+                <a:latin typeface="Cambria" pitchFamily="18" charset="0"/>
+              </a:rPr>
+              <a:t>áš případ je 2</a:t>
+            </a:r>
+            <a:r>
+              <a:rPr lang="en-US" dirty="0" smtClean="0">
+                <a:latin typeface="Cambria" pitchFamily="18" charset="0"/>
+              </a:rPr>
+              <a:t>-</a:t>
+            </a:r>
+            <a:r>
+              <a:rPr lang="en-US" dirty="0" err="1" smtClean="0">
+                <a:latin typeface="Cambria" pitchFamily="18" charset="0"/>
+              </a:rPr>
+              <a:t>kan</a:t>
+            </a:r>
+            <a:r>
+              <a:rPr lang="cs-CZ" dirty="0" smtClean="0">
+                <a:latin typeface="Cambria" pitchFamily="18" charset="0"/>
+              </a:rPr>
+              <a:t>álový</a:t>
+            </a:r>
+            <a:r>
+              <a:rPr lang="en-US" dirty="0" smtClean="0">
+                <a:latin typeface="Cambria" pitchFamily="18" charset="0"/>
+              </a:rPr>
+              <a:t>) </a:t>
+            </a:r>
+            <a:r>
+              <a:rPr lang="en-US" dirty="0" err="1" smtClean="0">
+                <a:latin typeface="Cambria" pitchFamily="18" charset="0"/>
+              </a:rPr>
+              <a:t>za</a:t>
+            </a:r>
+            <a:r>
+              <a:rPr lang="en-US" dirty="0" smtClean="0">
+                <a:latin typeface="Cambria" pitchFamily="18" charset="0"/>
+              </a:rPr>
+              <a:t> p</a:t>
+            </a:r>
+            <a:r>
+              <a:rPr lang="cs-CZ" dirty="0" smtClean="0">
+                <a:latin typeface="Cambria" pitchFamily="18" charset="0"/>
+              </a:rPr>
+              <a:t>ředpokladu stejného Gaussovsk</a:t>
+            </a:r>
+            <a:r>
+              <a:rPr lang="sk-SK" dirty="0" smtClean="0">
+                <a:latin typeface="Cambria" pitchFamily="18" charset="0"/>
+              </a:rPr>
+              <a:t>ého šumu ve všech</a:t>
+            </a:r>
+          </a:p>
+          <a:p>
+            <a:r>
+              <a:rPr lang="cs-CZ" dirty="0">
+                <a:latin typeface="Cambria" pitchFamily="18" charset="0"/>
+              </a:rPr>
+              <a:t>p</a:t>
+            </a:r>
+            <a:r>
+              <a:rPr lang="cs-CZ" dirty="0" smtClean="0">
+                <a:latin typeface="Cambria" pitchFamily="18" charset="0"/>
+              </a:rPr>
+              <a:t>ůvodní implementace v MATLAB-u analyzována a rozšířena na situaci, kde v každ</a:t>
+            </a:r>
+            <a:r>
+              <a:rPr lang="sk-SK" dirty="0" smtClean="0">
+                <a:latin typeface="Cambria" pitchFamily="18" charset="0"/>
+              </a:rPr>
+              <a:t>ém kanálu m</a:t>
+            </a:r>
+            <a:r>
+              <a:rPr lang="cs-CZ" dirty="0" smtClean="0">
+                <a:latin typeface="Cambria" pitchFamily="18" charset="0"/>
+              </a:rPr>
+              <a:t>ůže být jiný Gaussovský šum    </a:t>
+            </a:r>
+            <a:endParaRPr lang="cs-CZ" b="1" dirty="0" smtClean="0">
               <a:latin typeface="Cambria" pitchFamily="18" charset="0"/>
             </a:endParaRPr>
           </a:p>
-          <a:p>
-            <a:pPr lvl="1"/>
-            <a:r>
-              <a:rPr lang="cs-CZ" dirty="0" smtClean="0">
-                <a:latin typeface="Cambria" pitchFamily="18" charset="0"/>
-              </a:rPr>
-              <a:t>Tico </a:t>
-            </a:r>
-            <a:r>
-              <a:rPr lang="en-US" dirty="0" smtClean="0">
-                <a:latin typeface="Cambria" pitchFamily="18" charset="0"/>
-              </a:rPr>
-              <a:t>(2009)</a:t>
-            </a:r>
-          </a:p>
-          <a:p>
-            <a:pPr lvl="1"/>
-            <a:r>
-              <a:rPr lang="cs-CZ" dirty="0" smtClean="0">
-                <a:latin typeface="Cambria" pitchFamily="18" charset="0"/>
-              </a:rPr>
-              <a:t>s</a:t>
-            </a:r>
-            <a:r>
-              <a:rPr lang="en-US" dirty="0" err="1" smtClean="0">
-                <a:latin typeface="Cambria" pitchFamily="18" charset="0"/>
-              </a:rPr>
-              <a:t>imulace</a:t>
-            </a:r>
-            <a:r>
-              <a:rPr lang="en-US" dirty="0" smtClean="0">
-                <a:latin typeface="Cambria" pitchFamily="18" charset="0"/>
-              </a:rPr>
-              <a:t> digit</a:t>
-            </a:r>
-            <a:r>
-              <a:rPr lang="sk-SK" dirty="0" smtClean="0">
-                <a:latin typeface="Cambria" pitchFamily="18" charset="0"/>
-              </a:rPr>
-              <a:t>álního fotoaparátu na základě prací Alessandra Foie a experimentálních výsledk</a:t>
-            </a:r>
-            <a:r>
-              <a:rPr lang="cs-CZ" dirty="0" smtClean="0">
-                <a:latin typeface="Cambria" pitchFamily="18" charset="0"/>
-              </a:rPr>
-              <a:t>ů Petteriho Ojalu</a:t>
-            </a:r>
-          </a:p>
-          <a:p>
-            <a:r>
-              <a:rPr lang="cs-CZ" b="1" dirty="0" smtClean="0">
-                <a:latin typeface="Cambria" pitchFamily="18" charset="0"/>
-              </a:rPr>
-              <a:t>Nedokončeno</a:t>
-            </a:r>
-            <a:endParaRPr lang="en-US" b="1" dirty="0" smtClean="0">
-              <a:latin typeface="Cambria" pitchFamily="18" charset="0"/>
-            </a:endParaRPr>
-          </a:p>
-          <a:p>
-            <a:pPr lvl="1"/>
-            <a:r>
-              <a:rPr lang="en-US" dirty="0" err="1" smtClean="0">
-                <a:latin typeface="Cambria" pitchFamily="18" charset="0"/>
-              </a:rPr>
-              <a:t>Tico</a:t>
-            </a:r>
-            <a:r>
-              <a:rPr lang="cs-CZ" dirty="0" smtClean="0">
-                <a:latin typeface="Cambria" pitchFamily="18" charset="0"/>
-              </a:rPr>
-              <a:t> </a:t>
-            </a:r>
-            <a:r>
-              <a:rPr lang="en-US" dirty="0" smtClean="0">
-                <a:latin typeface="Cambria" pitchFamily="18" charset="0"/>
-              </a:rPr>
-              <a:t>(</a:t>
-            </a:r>
-            <a:r>
-              <a:rPr lang="cs-CZ" dirty="0" smtClean="0">
-                <a:latin typeface="Cambria" pitchFamily="18" charset="0"/>
-              </a:rPr>
-              <a:t>2006, 2007</a:t>
-            </a:r>
-            <a:r>
-              <a:rPr lang="en-US" dirty="0" smtClean="0">
-                <a:latin typeface="Cambria" pitchFamily="18" charset="0"/>
-              </a:rPr>
-              <a:t>)</a:t>
-            </a:r>
-            <a:endParaRPr lang="en-US" dirty="0">
-              <a:latin typeface="Cambria" pitchFamily="18" charset="0"/>
-            </a:endParaRPr>
-          </a:p>
-          <a:p>
-            <a:pPr lvl="1"/>
-            <a:r>
-              <a:rPr lang="cs-CZ" dirty="0" smtClean="0">
-                <a:latin typeface="Cambria" pitchFamily="18" charset="0"/>
-              </a:rPr>
-              <a:t>Yuan a kol. </a:t>
-            </a:r>
-            <a:r>
-              <a:rPr lang="en-US" dirty="0" smtClean="0">
-                <a:latin typeface="Cambria" pitchFamily="18" charset="0"/>
-              </a:rPr>
-              <a:t> (2006)</a:t>
-            </a:r>
-          </a:p>
-          <a:p>
-            <a:pPr lvl="1"/>
-            <a:r>
-              <a:rPr lang="cs-CZ" dirty="0" smtClean="0">
-                <a:latin typeface="Cambria" pitchFamily="18" charset="0"/>
-              </a:rPr>
-              <a:t>p</a:t>
-            </a:r>
-            <a:r>
-              <a:rPr lang="en-US" dirty="0" err="1" smtClean="0">
-                <a:latin typeface="Cambria" pitchFamily="18" charset="0"/>
-              </a:rPr>
-              <a:t>otenci</a:t>
-            </a:r>
-            <a:r>
-              <a:rPr lang="cs-CZ" dirty="0" smtClean="0">
-                <a:latin typeface="Cambria" pitchFamily="18" charset="0"/>
-              </a:rPr>
-              <a:t>álně další metody</a:t>
-            </a:r>
-            <a:endParaRPr lang="en-US" dirty="0" smtClean="0">
-              <a:latin typeface="Cambria" pitchFamily="18" charset="0"/>
-            </a:endParaRPr>
-          </a:p>
-          <a:p>
-            <a:pPr>
-              <a:buNone/>
-            </a:pPr>
-            <a:endParaRPr lang="en-US" dirty="0">
-              <a:latin typeface="Cambria" pitchFamily="18" charset="0"/>
-            </a:endParaRPr>
-          </a:p>
         </p:txBody>
       </p:sp>
     </p:spTree>
+    <p:extLst>
+      <p:ext uri="{BB962C8B-B14F-4D97-AF65-F5344CB8AC3E}">
+        <p14:creationId xmlns:p14="http://schemas.microsoft.com/office/powerpoint/2010/main" val="2426984448"/>
+      </p:ext>
+    </p:extLst>
   </p:cSld>
   <p:clrMapOvr>
     <a:masterClrMapping/>
@@ -6747,4 +10415,289 @@
   <a:objectDefaults/>
   <a:extraClrSchemeLst/>
 </a:theme>
+</file>
+
+<file path=ppt/theme/theme2.xml><?xml version="1.0" encoding="utf-8"?>
+<a:theme xmlns:a="http://schemas.openxmlformats.org/drawingml/2006/main" name="Office Theme">
+  <a:themeElements>
+    <a:clrScheme name="Office">
+      <a:dk1>
+        <a:sysClr val="windowText" lastClr="000000"/>
+      </a:dk1>
+      <a:lt1>
+        <a:sysClr val="window" lastClr="FFFFFF"/>
+      </a:lt1>
+      <a:dk2>
+        <a:srgbClr val="1F497D"/>
+      </a:dk2>
+      <a:lt2>
+        <a:srgbClr val="EEECE1"/>
+      </a:lt2>
+      <a:accent1>
+        <a:srgbClr val="4F81BD"/>
+      </a:accent1>
+      <a:accent2>
+        <a:srgbClr val="C0504D"/>
+      </a:accent2>
+      <a:accent3>
+        <a:srgbClr val="9BBB59"/>
+      </a:accent3>
+      <a:accent4>
+        <a:srgbClr val="8064A2"/>
+      </a:accent4>
+      <a:accent5>
+        <a:srgbClr val="4BACC6"/>
+      </a:accent5>
+      <a:accent6>
+        <a:srgbClr val="F79646"/>
+      </a:accent6>
+      <a:hlink>
+        <a:srgbClr val="0000FF"/>
+      </a:hlink>
+      <a:folHlink>
+        <a:srgbClr val="800080"/>
+      </a:folHlink>
+    </a:clrScheme>
+    <a:fontScheme name="Office">
+      <a:majorFont>
+        <a:latin typeface="Calibri"/>
+        <a:ea typeface=""/>
+        <a:cs typeface=""/>
+        <a:font script="Jpan" typeface="ＭＳ Ｐゴシック"/>
+        <a:font script="Hang" typeface="맑은 고딕"/>
+        <a:font script="Hans" typeface="宋体"/>
+        <a:font script="Hant" typeface="新細明體"/>
+        <a:font script="Arab" typeface="Times New Roman"/>
+        <a:font script="Hebr" typeface="Times New Roman"/>
+        <a:font script="Thai" typeface="Angsana New"/>
+        <a:font script="Ethi" typeface="Nyala"/>
+        <a:font script="Beng" typeface="Vrinda"/>
+        <a:font script="Gujr" typeface="Shruti"/>
+        <a:font script="Khmr" typeface="MoolBoran"/>
+        <a:font script="Knda" typeface="Tunga"/>
+        <a:font script="Guru" typeface="Raavi"/>
+        <a:font script="Cans" typeface="Euphemia"/>
+        <a:font script="Cher" typeface="Plantagenet Cherokee"/>
+        <a:font script="Yiii" typeface="Microsoft Yi Baiti"/>
+        <a:font script="Tibt" typeface="Microsoft Himalaya"/>
+        <a:font script="Thaa" typeface="MV Boli"/>
+        <a:font script="Deva" typeface="Mangal"/>
+        <a:font script="Telu" typeface="Gautami"/>
+        <a:font script="Taml" typeface="Latha"/>
+        <a:font script="Syrc" typeface="Estrangelo Edessa"/>
+        <a:font script="Orya" typeface="Kalinga"/>
+        <a:font script="Mlym" typeface="Kartika"/>
+        <a:font script="Laoo" typeface="DokChampa"/>
+        <a:font script="Sinh" typeface="Iskoola Pota"/>
+        <a:font script="Mong" typeface="Mongolian Baiti"/>
+        <a:font script="Viet" typeface="Times New Roman"/>
+        <a:font script="Uigh" typeface="Microsoft Uighur"/>
+        <a:font script="Geor" typeface="Sylfaen"/>
+      </a:majorFont>
+      <a:minorFont>
+        <a:latin typeface="Calibri"/>
+        <a:ea typeface=""/>
+        <a:cs typeface=""/>
+        <a:font script="Jpan" typeface="ＭＳ Ｐゴシック"/>
+        <a:font script="Hang" typeface="맑은 고딕"/>
+        <a:font script="Hans" typeface="宋体"/>
+        <a:font script="Hant" typeface="新細明體"/>
+        <a:font script="Arab" typeface="Arial"/>
+        <a:font script="Hebr" typeface="Arial"/>
+        <a:font script="Thai" typeface="Cordia New"/>
+        <a:font script="Ethi" typeface="Nyala"/>
+        <a:font script="Beng" typeface="Vrinda"/>
+        <a:font script="Gujr" typeface="Shruti"/>
+        <a:font script="Khmr" typeface="DaunPenh"/>
+        <a:font script="Knda" typeface="Tunga"/>
+        <a:font script="Guru" typeface="Raavi"/>
+        <a:font script="Cans" typeface="Euphemia"/>
+        <a:font script="Cher" typeface="Plantagenet Cherokee"/>
+        <a:font script="Yiii" typeface="Microsoft Yi Baiti"/>
+        <a:font script="Tibt" typeface="Microsoft Himalaya"/>
+        <a:font script="Thaa" typeface="MV Boli"/>
+        <a:font script="Deva" typeface="Mangal"/>
+        <a:font script="Telu" typeface="Gautami"/>
+        <a:font script="Taml" typeface="Latha"/>
+        <a:font script="Syrc" typeface="Estrangelo Edessa"/>
+        <a:font script="Orya" typeface="Kalinga"/>
+        <a:font script="Mlym" typeface="Kartika"/>
+        <a:font script="Laoo" typeface="DokChampa"/>
+        <a:font script="Sinh" typeface="Iskoola Pota"/>
+        <a:font script="Mong" typeface="Mongolian Baiti"/>
+        <a:font script="Viet" typeface="Arial"/>
+        <a:font script="Uigh" typeface="Microsoft Uighur"/>
+        <a:font script="Geor" typeface="Sylfaen"/>
+      </a:minorFont>
+    </a:fontScheme>
+    <a:fmtScheme name="Office">
+      <a:fillStyleLst>
+        <a:solidFill>
+          <a:schemeClr val="phClr"/>
+        </a:solidFill>
+        <a:gradFill rotWithShape="1">
+          <a:gsLst>
+            <a:gs pos="0">
+              <a:schemeClr val="phClr">
+                <a:tint val="50000"/>
+                <a:satMod val="300000"/>
+              </a:schemeClr>
+            </a:gs>
+            <a:gs pos="35000">
+              <a:schemeClr val="phClr">
+                <a:tint val="37000"/>
+                <a:satMod val="300000"/>
+              </a:schemeClr>
+            </a:gs>
+            <a:gs pos="100000">
+              <a:schemeClr val="phClr">
+                <a:tint val="15000"/>
+                <a:satMod val="350000"/>
+              </a:schemeClr>
+            </a:gs>
+          </a:gsLst>
+          <a:lin ang="16200000" scaled="1"/>
+        </a:gradFill>
+        <a:gradFill rotWithShape="1">
+          <a:gsLst>
+            <a:gs pos="0">
+              <a:schemeClr val="phClr">
+                <a:shade val="51000"/>
+                <a:satMod val="130000"/>
+              </a:schemeClr>
+            </a:gs>
+            <a:gs pos="80000">
+              <a:schemeClr val="phClr">
+                <a:shade val="93000"/>
+                <a:satMod val="130000"/>
+              </a:schemeClr>
+            </a:gs>
+            <a:gs pos="100000">
+              <a:schemeClr val="phClr">
+                <a:shade val="94000"/>
+                <a:satMod val="135000"/>
+              </a:schemeClr>
+            </a:gs>
+          </a:gsLst>
+          <a:lin ang="16200000" scaled="0"/>
+        </a:gradFill>
+      </a:fillStyleLst>
+      <a:lnStyleLst>
+        <a:ln w="9525" cap="flat" cmpd="sng" algn="ctr">
+          <a:solidFill>
+            <a:schemeClr val="phClr">
+              <a:shade val="95000"/>
+              <a:satMod val="105000"/>
+            </a:schemeClr>
+          </a:solidFill>
+          <a:prstDash val="solid"/>
+        </a:ln>
+        <a:ln w="25400" cap="flat" cmpd="sng" algn="ctr">
+          <a:solidFill>
+            <a:schemeClr val="phClr"/>
+          </a:solidFill>
+          <a:prstDash val="solid"/>
+        </a:ln>
+        <a:ln w="38100" cap="flat" cmpd="sng" algn="ctr">
+          <a:solidFill>
+            <a:schemeClr val="phClr"/>
+          </a:solidFill>
+          <a:prstDash val="solid"/>
+        </a:ln>
+      </a:lnStyleLst>
+      <a:effectStyleLst>
+        <a:effectStyle>
+          <a:effectLst>
+            <a:outerShdw blurRad="40000" dist="20000" dir="5400000" rotWithShape="0">
+              <a:srgbClr val="000000">
+                <a:alpha val="38000"/>
+              </a:srgbClr>
+            </a:outerShdw>
+          </a:effectLst>
+        </a:effectStyle>
+        <a:effectStyle>
+          <a:effectLst>
+            <a:outerShdw blurRad="40000" dist="23000" dir="5400000" rotWithShape="0">
+              <a:srgbClr val="000000">
+                <a:alpha val="35000"/>
+              </a:srgbClr>
+            </a:outerShdw>
+          </a:effectLst>
+        </a:effectStyle>
+        <a:effectStyle>
+          <a:effectLst>
+            <a:outerShdw blurRad="40000" dist="23000" dir="5400000" rotWithShape="0">
+              <a:srgbClr val="000000">
+                <a:alpha val="35000"/>
+              </a:srgbClr>
+            </a:outerShdw>
+          </a:effectLst>
+          <a:scene3d>
+            <a:camera prst="orthographicFront">
+              <a:rot lat="0" lon="0" rev="0"/>
+            </a:camera>
+            <a:lightRig rig="threePt" dir="t">
+              <a:rot lat="0" lon="0" rev="1200000"/>
+            </a:lightRig>
+          </a:scene3d>
+          <a:sp3d>
+            <a:bevelT w="63500" h="25400"/>
+          </a:sp3d>
+        </a:effectStyle>
+      </a:effectStyleLst>
+      <a:bgFillStyleLst>
+        <a:solidFill>
+          <a:schemeClr val="phClr"/>
+        </a:solidFill>
+        <a:gradFill rotWithShape="1">
+          <a:gsLst>
+            <a:gs pos="0">
+              <a:schemeClr val="phClr">
+                <a:tint val="40000"/>
+                <a:satMod val="350000"/>
+              </a:schemeClr>
+            </a:gs>
+            <a:gs pos="40000">
+              <a:schemeClr val="phClr">
+                <a:tint val="45000"/>
+                <a:shade val="99000"/>
+                <a:satMod val="350000"/>
+              </a:schemeClr>
+            </a:gs>
+            <a:gs pos="100000">
+              <a:schemeClr val="phClr">
+                <a:shade val="20000"/>
+                <a:satMod val="255000"/>
+              </a:schemeClr>
+            </a:gs>
+          </a:gsLst>
+          <a:path path="circle">
+            <a:fillToRect l="50000" t="-80000" r="50000" b="180000"/>
+          </a:path>
+        </a:gradFill>
+        <a:gradFill rotWithShape="1">
+          <a:gsLst>
+            <a:gs pos="0">
+              <a:schemeClr val="phClr">
+                <a:tint val="80000"/>
+                <a:satMod val="300000"/>
+              </a:schemeClr>
+            </a:gs>
+            <a:gs pos="100000">
+              <a:schemeClr val="phClr">
+                <a:shade val="30000"/>
+                <a:satMod val="200000"/>
+              </a:schemeClr>
+            </a:gs>
+          </a:gsLst>
+          <a:path path="circle">
+            <a:fillToRect l="50000" t="50000" r="50000" b="50000"/>
+          </a:path>
+        </a:gradFill>
+      </a:bgFillStyleLst>
+    </a:fmtScheme>
+  </a:themeElements>
+  <a:objectDefaults/>
+  <a:extraClrSchemeLst/>
+</a:theme>
 </file>
--- a/Docs/Jozef Sabo - Prezentace obhajoba.pptx
+++ b/Docs/Jozef Sabo - Prezentace obhajoba.pptx
@@ -211,7 +211,7 @@
           <a:p>
             <a:fld id="{4CD91365-B47A-4653-A158-88DF0A547115}" type="datetimeFigureOut">
               <a:rPr lang="cs-CZ" smtClean="0"/>
-              <a:t>27.5.2012</a:t>
+              <a:t>28.5.2012</a:t>
             </a:fld>
             <a:endParaRPr lang="cs-CZ"/>
           </a:p>
@@ -718,158 +718,6 @@
           <a:bodyPr/>
           <a:lstStyle/>
           <a:p>
-            <a:r>
-              <a:rPr lang="sk-SK" dirty="0" smtClean="0">
-                <a:latin typeface="Cambria" pitchFamily="18" charset="0"/>
-              </a:rPr>
-              <a:t>Z</a:t>
-            </a:r>
-            <a:r>
-              <a:rPr lang="sk-SK" baseline="0" dirty="0" smtClean="0">
-                <a:latin typeface="Cambria" pitchFamily="18" charset="0"/>
-              </a:rPr>
-              <a:t> výsledkov simulovaných dát vidíme, že </a:t>
-            </a:r>
-            <a:r>
-              <a:rPr lang="en-US" dirty="0" smtClean="0">
-                <a:latin typeface="Cambria" pitchFamily="18" charset="0"/>
-              </a:rPr>
-              <a:t>BM3D </a:t>
-            </a:r>
-            <a:r>
-              <a:rPr lang="sk-SK" dirty="0" smtClean="0">
-                <a:latin typeface="Cambria" pitchFamily="18" charset="0"/>
-              </a:rPr>
-              <a:t>je </a:t>
-            </a:r>
-            <a:r>
-              <a:rPr lang="cs-CZ" dirty="0" smtClean="0">
-                <a:latin typeface="Cambria" pitchFamily="18" charset="0"/>
-              </a:rPr>
-              <a:t>úspěšnější predovšetkým</a:t>
-            </a:r>
-            <a:r>
-              <a:rPr lang="cs-CZ" baseline="0" dirty="0" smtClean="0">
-                <a:latin typeface="Cambria" pitchFamily="18" charset="0"/>
-              </a:rPr>
-              <a:t> v </a:t>
-            </a:r>
-            <a:r>
-              <a:rPr lang="cs-CZ" dirty="0" smtClean="0">
-                <a:latin typeface="Cambria" pitchFamily="18" charset="0"/>
-              </a:rPr>
-              <a:t>malých až stredne zašumených snímkoch.</a:t>
-            </a:r>
-            <a:r>
-              <a:rPr lang="cs-CZ" baseline="0" dirty="0" smtClean="0">
-                <a:latin typeface="Cambria" pitchFamily="18" charset="0"/>
-              </a:rPr>
-              <a:t> </a:t>
-            </a:r>
-            <a:endParaRPr lang="cs-CZ" dirty="0" smtClean="0">
-              <a:latin typeface="Cambria" pitchFamily="18" charset="0"/>
-            </a:endParaRPr>
-          </a:p>
-          <a:p>
-            <a:r>
-              <a:rPr lang="cs-CZ" dirty="0" smtClean="0">
-                <a:latin typeface="Cambria" pitchFamily="18" charset="0"/>
-              </a:rPr>
-              <a:t>MC-AM je úspěšnější pre malé a</a:t>
-            </a:r>
-            <a:r>
-              <a:rPr lang="sk-SK" dirty="0" smtClean="0">
-                <a:latin typeface="Cambria" pitchFamily="18" charset="0"/>
-              </a:rPr>
-              <a:t>ž stredné rozmazánie a veľké zašumenie, kde BM3D zlyhá,</a:t>
-            </a:r>
-            <a:r>
-              <a:rPr lang="sk-SK" baseline="0" dirty="0" smtClean="0">
-                <a:latin typeface="Cambria" pitchFamily="18" charset="0"/>
-              </a:rPr>
-              <a:t> avšak pre veľké rozmazania opäť prevažuje BM3D. </a:t>
-            </a:r>
-            <a:endParaRPr lang="sk-SK" dirty="0" smtClean="0">
-              <a:latin typeface="Cambria" pitchFamily="18" charset="0"/>
-            </a:endParaRPr>
-          </a:p>
-          <a:p>
-            <a:endParaRPr lang="sk-SK" dirty="0" smtClean="0">
-              <a:latin typeface="Cambria" pitchFamily="18" charset="0"/>
-            </a:endParaRPr>
-          </a:p>
-          <a:p>
-            <a:r>
-              <a:rPr lang="sk-SK" dirty="0" smtClean="0">
-                <a:latin typeface="Cambria" pitchFamily="18" charset="0"/>
-              </a:rPr>
-              <a:t>Výsledky Ticovho algoritmu často</a:t>
-            </a:r>
-            <a:r>
-              <a:rPr lang="en-US" dirty="0" smtClean="0">
-                <a:latin typeface="Cambria" pitchFamily="18" charset="0"/>
-              </a:rPr>
-              <a:t> </a:t>
-            </a:r>
-            <a:r>
-              <a:rPr lang="sk-SK" dirty="0" smtClean="0">
-                <a:latin typeface="Cambria" pitchFamily="18" charset="0"/>
-              </a:rPr>
-              <a:t>sú často </a:t>
-            </a:r>
-            <a:r>
-              <a:rPr lang="en-US" dirty="0" err="1" smtClean="0">
-                <a:latin typeface="Cambria" pitchFamily="18" charset="0"/>
-              </a:rPr>
-              <a:t>vizu</a:t>
-            </a:r>
-            <a:r>
-              <a:rPr lang="cs-CZ" dirty="0" smtClean="0">
-                <a:latin typeface="Cambria" pitchFamily="18" charset="0"/>
-              </a:rPr>
-              <a:t>álne</a:t>
-            </a:r>
-            <a:r>
-              <a:rPr lang="cs-CZ" baseline="0" dirty="0" smtClean="0">
-                <a:latin typeface="Cambria" pitchFamily="18" charset="0"/>
-              </a:rPr>
-              <a:t> </a:t>
-            </a:r>
-            <a:r>
-              <a:rPr lang="cs-CZ" dirty="0" smtClean="0">
-                <a:latin typeface="Cambria" pitchFamily="18" charset="0"/>
-              </a:rPr>
-              <a:t>uspokojivé, ale SNR vždy</a:t>
-            </a:r>
-            <a:r>
-              <a:rPr lang="cs-CZ" baseline="0" dirty="0" smtClean="0">
-                <a:latin typeface="Cambria" pitchFamily="18" charset="0"/>
-              </a:rPr>
-              <a:t> </a:t>
-            </a:r>
-            <a:r>
-              <a:rPr lang="cs-CZ" dirty="0" smtClean="0">
-                <a:latin typeface="Cambria" pitchFamily="18" charset="0"/>
-              </a:rPr>
-              <a:t>horší, ako ostatné metódy.</a:t>
-            </a:r>
-            <a:r>
-              <a:rPr lang="cs-CZ" baseline="0" dirty="0" smtClean="0">
-                <a:latin typeface="Cambria" pitchFamily="18" charset="0"/>
-              </a:rPr>
-              <a:t> </a:t>
-            </a:r>
-            <a:r>
-              <a:rPr lang="en-US" dirty="0" smtClean="0">
-                <a:latin typeface="Cambria" pitchFamily="18" charset="0"/>
-              </a:rPr>
-              <a:t>  </a:t>
-            </a:r>
-            <a:endParaRPr lang="en-US" b="1" dirty="0" smtClean="0">
-              <a:latin typeface="Cambria" pitchFamily="18" charset="0"/>
-            </a:endParaRPr>
-          </a:p>
-          <a:p>
             <a:endParaRPr lang="cs-CZ" dirty="0"/>
           </a:p>
         </p:txBody>
@@ -891,6 +739,410 @@
           <a:p>
             <a:fld id="{FFC80817-C8B3-4C06-B23B-D56824C23AA4}" type="slidenum">
               <a:rPr lang="cs-CZ" smtClean="0"/>
+              <a:t>14</a:t>
+            </a:fld>
+            <a:endParaRPr lang="cs-CZ"/>
+          </a:p>
+        </p:txBody>
+      </p:sp>
+    </p:spTree>
+    <p:extLst>
+      <p:ext uri="{BB962C8B-B14F-4D97-AF65-F5344CB8AC3E}">
+        <p14:creationId xmlns:p14="http://schemas.microsoft.com/office/powerpoint/2010/main" val="3886455854"/>
+      </p:ext>
+    </p:extLst>
+  </p:cSld>
+  <p:clrMapOvr>
+    <a:masterClrMapping/>
+  </p:clrMapOvr>
+</p:notes>
+</file>
+
+<file path=ppt/notesSlides/notesSlide12.xml><?xml version="1.0" encoding="utf-8"?>
+<p:notes xmlns:a="http://schemas.openxmlformats.org/drawingml/2006/main" xmlns:r="http://schemas.openxmlformats.org/officeDocument/2006/relationships" xmlns:p="http://schemas.openxmlformats.org/presentationml/2006/main">
+  <p:cSld>
+    <p:spTree>
+      <p:nvGrpSpPr>
+        <p:cNvPr id="1" name=""/>
+        <p:cNvGrpSpPr/>
+        <p:nvPr/>
+      </p:nvGrpSpPr>
+      <p:grpSpPr>
+        <a:xfrm>
+          <a:off x="0" y="0"/>
+          <a:ext cx="0" cy="0"/>
+          <a:chOff x="0" y="0"/>
+          <a:chExt cx="0" cy="0"/>
+        </a:xfrm>
+      </p:grpSpPr>
+      <p:sp>
+        <p:nvSpPr>
+          <p:cNvPr id="2" name="Slide Image Placeholder 1"/>
+          <p:cNvSpPr>
+            <a:spLocks noGrp="1" noRot="1" noChangeAspect="1"/>
+          </p:cNvSpPr>
+          <p:nvPr>
+            <p:ph type="sldImg"/>
+          </p:nvPr>
+        </p:nvSpPr>
+        <p:spPr/>
+      </p:sp>
+      <p:sp>
+        <p:nvSpPr>
+          <p:cNvPr id="3" name="Notes Placeholder 2"/>
+          <p:cNvSpPr>
+            <a:spLocks noGrp="1"/>
+          </p:cNvSpPr>
+          <p:nvPr>
+            <p:ph type="body" idx="1"/>
+          </p:nvPr>
+        </p:nvSpPr>
+        <p:spPr/>
+        <p:txBody>
+          <a:bodyPr/>
+          <a:lstStyle/>
+          <a:p>
+            <a:endParaRPr lang="cs-CZ" dirty="0"/>
+          </a:p>
+        </p:txBody>
+      </p:sp>
+      <p:sp>
+        <p:nvSpPr>
+          <p:cNvPr id="4" name="Slide Number Placeholder 3"/>
+          <p:cNvSpPr>
+            <a:spLocks noGrp="1"/>
+          </p:cNvSpPr>
+          <p:nvPr>
+            <p:ph type="sldNum" sz="quarter" idx="10"/>
+          </p:nvPr>
+        </p:nvSpPr>
+        <p:spPr/>
+        <p:txBody>
+          <a:bodyPr/>
+          <a:lstStyle/>
+          <a:p>
+            <a:fld id="{FFC80817-C8B3-4C06-B23B-D56824C23AA4}" type="slidenum">
+              <a:rPr lang="cs-CZ" smtClean="0"/>
+              <a:t>15</a:t>
+            </a:fld>
+            <a:endParaRPr lang="cs-CZ"/>
+          </a:p>
+        </p:txBody>
+      </p:sp>
+    </p:spTree>
+    <p:extLst>
+      <p:ext uri="{BB962C8B-B14F-4D97-AF65-F5344CB8AC3E}">
+        <p14:creationId xmlns:p14="http://schemas.microsoft.com/office/powerpoint/2010/main" val="3694029252"/>
+      </p:ext>
+    </p:extLst>
+  </p:cSld>
+  <p:clrMapOvr>
+    <a:masterClrMapping/>
+  </p:clrMapOvr>
+</p:notes>
+</file>
+
+<file path=ppt/notesSlides/notesSlide13.xml><?xml version="1.0" encoding="utf-8"?>
+<p:notes xmlns:a="http://schemas.openxmlformats.org/drawingml/2006/main" xmlns:r="http://schemas.openxmlformats.org/officeDocument/2006/relationships" xmlns:p="http://schemas.openxmlformats.org/presentationml/2006/main">
+  <p:cSld>
+    <p:spTree>
+      <p:nvGrpSpPr>
+        <p:cNvPr id="1" name=""/>
+        <p:cNvGrpSpPr/>
+        <p:nvPr/>
+      </p:nvGrpSpPr>
+      <p:grpSpPr>
+        <a:xfrm>
+          <a:off x="0" y="0"/>
+          <a:ext cx="0" cy="0"/>
+          <a:chOff x="0" y="0"/>
+          <a:chExt cx="0" cy="0"/>
+        </a:xfrm>
+      </p:grpSpPr>
+      <p:sp>
+        <p:nvSpPr>
+          <p:cNvPr id="2" name="Slide Image Placeholder 1"/>
+          <p:cNvSpPr>
+            <a:spLocks noGrp="1" noRot="1" noChangeAspect="1"/>
+          </p:cNvSpPr>
+          <p:nvPr>
+            <p:ph type="sldImg"/>
+          </p:nvPr>
+        </p:nvSpPr>
+        <p:spPr/>
+      </p:sp>
+      <p:sp>
+        <p:nvSpPr>
+          <p:cNvPr id="3" name="Notes Placeholder 2"/>
+          <p:cNvSpPr>
+            <a:spLocks noGrp="1"/>
+          </p:cNvSpPr>
+          <p:nvPr>
+            <p:ph type="body" idx="1"/>
+          </p:nvPr>
+        </p:nvSpPr>
+        <p:spPr/>
+        <p:txBody>
+          <a:bodyPr/>
+          <a:lstStyle/>
+          <a:p>
+            <a:endParaRPr lang="cs-CZ" dirty="0"/>
+          </a:p>
+        </p:txBody>
+      </p:sp>
+      <p:sp>
+        <p:nvSpPr>
+          <p:cNvPr id="4" name="Slide Number Placeholder 3"/>
+          <p:cNvSpPr>
+            <a:spLocks noGrp="1"/>
+          </p:cNvSpPr>
+          <p:nvPr>
+            <p:ph type="sldNum" sz="quarter" idx="10"/>
+          </p:nvPr>
+        </p:nvSpPr>
+        <p:spPr/>
+        <p:txBody>
+          <a:bodyPr/>
+          <a:lstStyle/>
+          <a:p>
+            <a:fld id="{FFC80817-C8B3-4C06-B23B-D56824C23AA4}" type="slidenum">
+              <a:rPr lang="cs-CZ" smtClean="0"/>
+              <a:t>16</a:t>
+            </a:fld>
+            <a:endParaRPr lang="cs-CZ"/>
+          </a:p>
+        </p:txBody>
+      </p:sp>
+    </p:spTree>
+    <p:extLst>
+      <p:ext uri="{BB962C8B-B14F-4D97-AF65-F5344CB8AC3E}">
+        <p14:creationId xmlns:p14="http://schemas.microsoft.com/office/powerpoint/2010/main" val="2927584586"/>
+      </p:ext>
+    </p:extLst>
+  </p:cSld>
+  <p:clrMapOvr>
+    <a:masterClrMapping/>
+  </p:clrMapOvr>
+</p:notes>
+</file>
+
+<file path=ppt/notesSlides/notesSlide14.xml><?xml version="1.0" encoding="utf-8"?>
+<p:notes xmlns:a="http://schemas.openxmlformats.org/drawingml/2006/main" xmlns:r="http://schemas.openxmlformats.org/officeDocument/2006/relationships" xmlns:p="http://schemas.openxmlformats.org/presentationml/2006/main">
+  <p:cSld>
+    <p:spTree>
+      <p:nvGrpSpPr>
+        <p:cNvPr id="1" name=""/>
+        <p:cNvGrpSpPr/>
+        <p:nvPr/>
+      </p:nvGrpSpPr>
+      <p:grpSpPr>
+        <a:xfrm>
+          <a:off x="0" y="0"/>
+          <a:ext cx="0" cy="0"/>
+          <a:chOff x="0" y="0"/>
+          <a:chExt cx="0" cy="0"/>
+        </a:xfrm>
+      </p:grpSpPr>
+      <p:sp>
+        <p:nvSpPr>
+          <p:cNvPr id="2" name="Slide Image Placeholder 1"/>
+          <p:cNvSpPr>
+            <a:spLocks noGrp="1" noRot="1" noChangeAspect="1"/>
+          </p:cNvSpPr>
+          <p:nvPr>
+            <p:ph type="sldImg"/>
+          </p:nvPr>
+        </p:nvSpPr>
+        <p:spPr/>
+      </p:sp>
+      <p:sp>
+        <p:nvSpPr>
+          <p:cNvPr id="3" name="Notes Placeholder 2"/>
+          <p:cNvSpPr>
+            <a:spLocks noGrp="1"/>
+          </p:cNvSpPr>
+          <p:nvPr>
+            <p:ph type="body" idx="1"/>
+          </p:nvPr>
+        </p:nvSpPr>
+        <p:spPr/>
+        <p:txBody>
+          <a:bodyPr/>
+          <a:lstStyle/>
+          <a:p>
+            <a:r>
+              <a:rPr lang="sk-SK" dirty="0" smtClean="0">
+                <a:latin typeface="Cambria" pitchFamily="18" charset="0"/>
+              </a:rPr>
+              <a:t>Z</a:t>
+            </a:r>
+            <a:r>
+              <a:rPr lang="sk-SK" baseline="0" dirty="0" smtClean="0">
+                <a:latin typeface="Cambria" pitchFamily="18" charset="0"/>
+              </a:rPr>
+              <a:t> výsledkov simulovaných dát vidíme, že </a:t>
+            </a:r>
+            <a:r>
+              <a:rPr lang="en-US" dirty="0" smtClean="0">
+                <a:latin typeface="Cambria" pitchFamily="18" charset="0"/>
+              </a:rPr>
+              <a:t>BM3D </a:t>
+            </a:r>
+            <a:r>
+              <a:rPr lang="sk-SK" dirty="0" smtClean="0">
+                <a:latin typeface="Cambria" pitchFamily="18" charset="0"/>
+              </a:rPr>
+              <a:t>je </a:t>
+            </a:r>
+            <a:r>
+              <a:rPr lang="cs-CZ" dirty="0" smtClean="0">
+                <a:latin typeface="Cambria" pitchFamily="18" charset="0"/>
+              </a:rPr>
+              <a:t>úspěšnější predovšetkým</a:t>
+            </a:r>
+            <a:r>
+              <a:rPr lang="cs-CZ" baseline="0" dirty="0" smtClean="0">
+                <a:latin typeface="Cambria" pitchFamily="18" charset="0"/>
+              </a:rPr>
+              <a:t> v </a:t>
+            </a:r>
+            <a:r>
+              <a:rPr lang="cs-CZ" dirty="0" smtClean="0">
+                <a:latin typeface="Cambria" pitchFamily="18" charset="0"/>
+              </a:rPr>
+              <a:t>malých až stredne zašumených snímkoch.</a:t>
+            </a:r>
+            <a:r>
+              <a:rPr lang="cs-CZ" baseline="0" dirty="0" smtClean="0">
+                <a:latin typeface="Cambria" pitchFamily="18" charset="0"/>
+              </a:rPr>
+              <a:t> </a:t>
+            </a:r>
+            <a:endParaRPr lang="cs-CZ" dirty="0" smtClean="0">
+              <a:latin typeface="Cambria" pitchFamily="18" charset="0"/>
+            </a:endParaRPr>
+          </a:p>
+          <a:p>
+            <a:r>
+              <a:rPr lang="cs-CZ" dirty="0" smtClean="0">
+                <a:latin typeface="Cambria" pitchFamily="18" charset="0"/>
+              </a:rPr>
+              <a:t>MC-AM je úspěšnější pre malé a</a:t>
+            </a:r>
+            <a:r>
+              <a:rPr lang="sk-SK" dirty="0" smtClean="0">
+                <a:latin typeface="Cambria" pitchFamily="18" charset="0"/>
+              </a:rPr>
+              <a:t>ž stredné rozmazánie a veľké zašumenie, kde BM3D zlyhá,</a:t>
+            </a:r>
+            <a:r>
+              <a:rPr lang="sk-SK" baseline="0" dirty="0" smtClean="0">
+                <a:latin typeface="Cambria" pitchFamily="18" charset="0"/>
+              </a:rPr>
+              <a:t> avšak pre veľké rozmazania opäť prevažuje BM3D. </a:t>
+            </a:r>
+            <a:endParaRPr lang="sk-SK" dirty="0" smtClean="0">
+              <a:latin typeface="Cambria" pitchFamily="18" charset="0"/>
+            </a:endParaRPr>
+          </a:p>
+          <a:p>
+            <a:endParaRPr lang="sk-SK" dirty="0" smtClean="0">
+              <a:latin typeface="Cambria" pitchFamily="18" charset="0"/>
+            </a:endParaRPr>
+          </a:p>
+          <a:p>
+            <a:r>
+              <a:rPr lang="sk-SK" dirty="0" smtClean="0">
+                <a:latin typeface="Cambria" pitchFamily="18" charset="0"/>
+              </a:rPr>
+              <a:t>Výsledky Ticovho algoritmu často</a:t>
+            </a:r>
+            <a:r>
+              <a:rPr lang="en-US" dirty="0" smtClean="0">
+                <a:latin typeface="Cambria" pitchFamily="18" charset="0"/>
+              </a:rPr>
+              <a:t> </a:t>
+            </a:r>
+            <a:r>
+              <a:rPr lang="sk-SK" dirty="0" smtClean="0">
+                <a:latin typeface="Cambria" pitchFamily="18" charset="0"/>
+              </a:rPr>
+              <a:t>sú často </a:t>
+            </a:r>
+            <a:r>
+              <a:rPr lang="en-US" dirty="0" err="1" smtClean="0">
+                <a:latin typeface="Cambria" pitchFamily="18" charset="0"/>
+              </a:rPr>
+              <a:t>vizu</a:t>
+            </a:r>
+            <a:r>
+              <a:rPr lang="cs-CZ" dirty="0" smtClean="0">
+                <a:latin typeface="Cambria" pitchFamily="18" charset="0"/>
+              </a:rPr>
+              <a:t>álne</a:t>
+            </a:r>
+            <a:r>
+              <a:rPr lang="cs-CZ" baseline="0" dirty="0" smtClean="0">
+                <a:latin typeface="Cambria" pitchFamily="18" charset="0"/>
+              </a:rPr>
+              <a:t> </a:t>
+            </a:r>
+            <a:r>
+              <a:rPr lang="cs-CZ" dirty="0" smtClean="0">
+                <a:latin typeface="Cambria" pitchFamily="18" charset="0"/>
+              </a:rPr>
+              <a:t>uspokojivé, ale SNR vždy</a:t>
+            </a:r>
+            <a:r>
+              <a:rPr lang="cs-CZ" baseline="0" dirty="0" smtClean="0">
+                <a:latin typeface="Cambria" pitchFamily="18" charset="0"/>
+              </a:rPr>
+              <a:t> </a:t>
+            </a:r>
+            <a:r>
+              <a:rPr lang="cs-CZ" dirty="0" smtClean="0">
+                <a:latin typeface="Cambria" pitchFamily="18" charset="0"/>
+              </a:rPr>
+              <a:t>horší, ako ostatné metódy.</a:t>
+            </a:r>
+            <a:r>
+              <a:rPr lang="cs-CZ" baseline="0" dirty="0" smtClean="0">
+                <a:latin typeface="Cambria" pitchFamily="18" charset="0"/>
+              </a:rPr>
+              <a:t> </a:t>
+            </a:r>
+            <a:r>
+              <a:rPr lang="en-US" dirty="0" smtClean="0">
+                <a:latin typeface="Cambria" pitchFamily="18" charset="0"/>
+              </a:rPr>
+              <a:t>  </a:t>
+            </a:r>
+            <a:endParaRPr lang="en-US" b="1" dirty="0" smtClean="0">
+              <a:latin typeface="Cambria" pitchFamily="18" charset="0"/>
+            </a:endParaRPr>
+          </a:p>
+          <a:p>
+            <a:endParaRPr lang="cs-CZ" dirty="0"/>
+          </a:p>
+        </p:txBody>
+      </p:sp>
+      <p:sp>
+        <p:nvSpPr>
+          <p:cNvPr id="4" name="Slide Number Placeholder 3"/>
+          <p:cNvSpPr>
+            <a:spLocks noGrp="1"/>
+          </p:cNvSpPr>
+          <p:nvPr>
+            <p:ph type="sldNum" sz="quarter" idx="10"/>
+          </p:nvPr>
+        </p:nvSpPr>
+        <p:spPr/>
+        <p:txBody>
+          <a:bodyPr/>
+          <a:lstStyle/>
+          <a:p>
+            <a:fld id="{FFC80817-C8B3-4C06-B23B-D56824C23AA4}" type="slidenum">
+              <a:rPr lang="cs-CZ" smtClean="0"/>
               <a:t>17</a:t>
             </a:fld>
             <a:endParaRPr lang="cs-CZ"/>
@@ -910,7 +1162,7 @@
 </p:notes>
 </file>
 
-<file path=ppt/notesSlides/notesSlide12.xml><?xml version="1.0" encoding="utf-8"?>
+<file path=ppt/notesSlides/notesSlide15.xml><?xml version="1.0" encoding="utf-8"?>
 <p:notes xmlns:a="http://schemas.openxmlformats.org/drawingml/2006/main" xmlns:r="http://schemas.openxmlformats.org/officeDocument/2006/relationships" xmlns:p="http://schemas.openxmlformats.org/presentationml/2006/main">
   <p:cSld>
     <p:spTree>
@@ -3609,7 +3861,7 @@
             <a:fld id="{023CC8AF-17A9-49B5-A42A-9812D67D3D81}" type="datetimeFigureOut">
               <a:rPr lang="en-US" smtClean="0"/>
               <a:pPr/>
-              <a:t>5/27/2012</a:t>
+              <a:t>5/28/2012</a:t>
             </a:fld>
             <a:endParaRPr lang="en-US"/>
           </a:p>
@@ -3776,7 +4028,7 @@
             <a:fld id="{023CC8AF-17A9-49B5-A42A-9812D67D3D81}" type="datetimeFigureOut">
               <a:rPr lang="en-US" smtClean="0"/>
               <a:pPr/>
-              <a:t>5/27/2012</a:t>
+              <a:t>5/28/2012</a:t>
             </a:fld>
             <a:endParaRPr lang="en-US"/>
           </a:p>
@@ -3953,7 +4205,7 @@
             <a:fld id="{023CC8AF-17A9-49B5-A42A-9812D67D3D81}" type="datetimeFigureOut">
               <a:rPr lang="en-US" smtClean="0"/>
               <a:pPr/>
-              <a:t>5/27/2012</a:t>
+              <a:t>5/28/2012</a:t>
             </a:fld>
             <a:endParaRPr lang="en-US"/>
           </a:p>
@@ -4120,7 +4372,7 @@
             <a:fld id="{023CC8AF-17A9-49B5-A42A-9812D67D3D81}" type="datetimeFigureOut">
               <a:rPr lang="en-US" smtClean="0"/>
               <a:pPr/>
-              <a:t>5/27/2012</a:t>
+              <a:t>5/28/2012</a:t>
             </a:fld>
             <a:endParaRPr lang="en-US"/>
           </a:p>
@@ -4363,7 +4615,7 @@
             <a:fld id="{023CC8AF-17A9-49B5-A42A-9812D67D3D81}" type="datetimeFigureOut">
               <a:rPr lang="en-US" smtClean="0"/>
               <a:pPr/>
-              <a:t>5/27/2012</a:t>
+              <a:t>5/28/2012</a:t>
             </a:fld>
             <a:endParaRPr lang="en-US"/>
           </a:p>
@@ -4648,7 +4900,7 @@
             <a:fld id="{023CC8AF-17A9-49B5-A42A-9812D67D3D81}" type="datetimeFigureOut">
               <a:rPr lang="en-US" smtClean="0"/>
               <a:pPr/>
-              <a:t>5/27/2012</a:t>
+              <a:t>5/28/2012</a:t>
             </a:fld>
             <a:endParaRPr lang="en-US"/>
           </a:p>
@@ -5067,7 +5319,7 @@
             <a:fld id="{023CC8AF-17A9-49B5-A42A-9812D67D3D81}" type="datetimeFigureOut">
               <a:rPr lang="en-US" smtClean="0"/>
               <a:pPr/>
-              <a:t>5/27/2012</a:t>
+              <a:t>5/28/2012</a:t>
             </a:fld>
             <a:endParaRPr lang="en-US"/>
           </a:p>
@@ -5182,7 +5434,7 @@
             <a:fld id="{023CC8AF-17A9-49B5-A42A-9812D67D3D81}" type="datetimeFigureOut">
               <a:rPr lang="en-US" smtClean="0"/>
               <a:pPr/>
-              <a:t>5/27/2012</a:t>
+              <a:t>5/28/2012</a:t>
             </a:fld>
             <a:endParaRPr lang="en-US"/>
           </a:p>
@@ -5274,7 +5526,7 @@
             <a:fld id="{023CC8AF-17A9-49B5-A42A-9812D67D3D81}" type="datetimeFigureOut">
               <a:rPr lang="en-US" smtClean="0"/>
               <a:pPr/>
-              <a:t>5/27/2012</a:t>
+              <a:t>5/28/2012</a:t>
             </a:fld>
             <a:endParaRPr lang="en-US"/>
           </a:p>
@@ -5548,7 +5800,7 @@
             <a:fld id="{023CC8AF-17A9-49B5-A42A-9812D67D3D81}" type="datetimeFigureOut">
               <a:rPr lang="en-US" smtClean="0"/>
               <a:pPr/>
-              <a:t>5/27/2012</a:t>
+              <a:t>5/28/2012</a:t>
             </a:fld>
             <a:endParaRPr lang="en-US"/>
           </a:p>
@@ -5798,7 +6050,7 @@
             <a:fld id="{023CC8AF-17A9-49B5-A42A-9812D67D3D81}" type="datetimeFigureOut">
               <a:rPr lang="en-US" smtClean="0"/>
               <a:pPr/>
-              <a:t>5/27/2012</a:t>
+              <a:t>5/28/2012</a:t>
             </a:fld>
             <a:endParaRPr lang="en-US"/>
           </a:p>
@@ -6008,7 +6260,7 @@
             <a:fld id="{023CC8AF-17A9-49B5-A42A-9812D67D3D81}" type="datetimeFigureOut">
               <a:rPr lang="en-US" smtClean="0"/>
               <a:pPr/>
-              <a:t>5/27/2012</a:t>
+              <a:t>5/28/2012</a:t>
             </a:fld>
             <a:endParaRPr lang="en-US"/>
           </a:p>
@@ -7407,13 +7659,7 @@
               <a:rPr lang="sk-SK" b="1" dirty="0" smtClean="0">
                 <a:latin typeface="Cambria" pitchFamily="18" charset="0"/>
               </a:rPr>
-              <a:t>řezání a </a:t>
-            </a:r>
-            <a:r>
-              <a:rPr lang="sk-SK" b="1" dirty="0" smtClean="0">
-                <a:latin typeface="Cambria" pitchFamily="18" charset="0"/>
-              </a:rPr>
-              <a:t>výsledky</a:t>
+              <a:t>řezání a výsledky</a:t>
             </a:r>
             <a:endParaRPr lang="en-US" b="1" dirty="0">
               <a:latin typeface="Cambria" pitchFamily="18" charset="0"/>
@@ -7430,7 +7676,7 @@
           <p:nvPr/>
         </p:nvPicPr>
         <p:blipFill>
-          <a:blip r:embed="rId2">
+          <a:blip r:embed="rId3">
             <a:extLst>
               <a:ext uri="{28A0092B-C50C-407E-A947-70E740481C1C}">
                 <a14:useLocalDpi xmlns:a14="http://schemas.microsoft.com/office/drawing/2010/main" val="0"/>
@@ -7494,7 +7740,7 @@
           <p:nvPr/>
         </p:nvPicPr>
         <p:blipFill>
-          <a:blip r:embed="rId3">
+          <a:blip r:embed="rId4">
             <a:extLst>
               <a:ext uri="{28A0092B-C50C-407E-A947-70E740481C1C}">
                 <a14:useLocalDpi xmlns:a14="http://schemas.microsoft.com/office/drawing/2010/main" val="0"/>
@@ -7558,7 +7804,7 @@
           <p:nvPr/>
         </p:nvPicPr>
         <p:blipFill>
-          <a:blip r:embed="rId4">
+          <a:blip r:embed="rId5">
             <a:extLst>
               <a:ext uri="{28A0092B-C50C-407E-A947-70E740481C1C}">
                 <a14:useLocalDpi xmlns:a14="http://schemas.microsoft.com/office/drawing/2010/main" val="0"/>
@@ -7622,7 +7868,7 @@
           <p:nvPr/>
         </p:nvPicPr>
         <p:blipFill>
-          <a:blip r:embed="rId5">
+          <a:blip r:embed="rId6">
             <a:extLst>
               <a:ext uri="{28A0092B-C50C-407E-A947-70E740481C1C}">
                 <a14:useLocalDpi xmlns:a14="http://schemas.microsoft.com/office/drawing/2010/main" val="0"/>
@@ -7643,8 +7889,13 @@
             <a:avLst/>
           </a:prstGeom>
           <a:noFill/>
-          <a:ln>
-            <a:noFill/>
+          <a:ln w="38100">
+            <a:solidFill>
+              <a:srgbClr val="9BBA59"/>
+            </a:solidFill>
+            <a:miter lim="800000"/>
+            <a:headEnd/>
+            <a:tailEnd/>
           </a:ln>
           <a:effectLst/>
           <a:extLst>
@@ -7654,16 +7905,6 @@
                   <a:schemeClr val="accent1"/>
                 </a:solidFill>
               </a14:hiddenFill>
-            </a:ext>
-            <a:ext uri="{91240B29-F687-4F45-9708-019B960494DF}">
-              <a14:hiddenLine xmlns:a14="http://schemas.microsoft.com/office/drawing/2010/main" w="9525">
-                <a:solidFill>
-                  <a:schemeClr val="tx1"/>
-                </a:solidFill>
-                <a:miter lim="800000"/>
-                <a:headEnd/>
-                <a:tailEnd/>
-              </a14:hiddenLine>
             </a:ext>
             <a:ext uri="{AF507438-7753-43E0-B8FC-AC1667EBCBE1}">
               <a14:hiddenEffects xmlns:a14="http://schemas.microsoft.com/office/drawing/2010/main">
@@ -7686,7 +7927,7 @@
           <p:nvPr/>
         </p:nvPicPr>
         <p:blipFill>
-          <a:blip r:embed="rId6">
+          <a:blip r:embed="rId7">
             <a:extLst>
               <a:ext uri="{28A0092B-C50C-407E-A947-70E740481C1C}">
                 <a14:useLocalDpi xmlns:a14="http://schemas.microsoft.com/office/drawing/2010/main" val="0"/>
@@ -7707,8 +7948,13 @@
             <a:avLst/>
           </a:prstGeom>
           <a:noFill/>
-          <a:ln>
-            <a:noFill/>
+          <a:ln w="38100">
+            <a:solidFill>
+              <a:srgbClr val="4F82BD"/>
+            </a:solidFill>
+            <a:miter lim="800000"/>
+            <a:headEnd/>
+            <a:tailEnd/>
           </a:ln>
           <a:effectLst/>
           <a:extLst>
@@ -7718,16 +7964,6 @@
                   <a:schemeClr val="accent1"/>
                 </a:solidFill>
               </a14:hiddenFill>
-            </a:ext>
-            <a:ext uri="{91240B29-F687-4F45-9708-019B960494DF}">
-              <a14:hiddenLine xmlns:a14="http://schemas.microsoft.com/office/drawing/2010/main" w="9525">
-                <a:solidFill>
-                  <a:schemeClr val="tx1"/>
-                </a:solidFill>
-                <a:miter lim="800000"/>
-                <a:headEnd/>
-                <a:tailEnd/>
-              </a14:hiddenLine>
             </a:ext>
             <a:ext uri="{AF507438-7753-43E0-B8FC-AC1667EBCBE1}">
               <a14:hiddenEffects xmlns:a14="http://schemas.microsoft.com/office/drawing/2010/main">
@@ -7750,7 +7986,7 @@
           <p:nvPr/>
         </p:nvPicPr>
         <p:blipFill>
-          <a:blip r:embed="rId7">
+          <a:blip r:embed="rId8">
             <a:extLst>
               <a:ext uri="{28A0092B-C50C-407E-A947-70E740481C1C}">
                 <a14:useLocalDpi xmlns:a14="http://schemas.microsoft.com/office/drawing/2010/main" val="0"/>
@@ -7771,8 +8007,13 @@
             <a:avLst/>
           </a:prstGeom>
           <a:noFill/>
-          <a:ln>
-            <a:noFill/>
+          <a:ln w="38100">
+            <a:solidFill>
+              <a:srgbClr val="BF4F4D"/>
+            </a:solidFill>
+            <a:miter lim="800000"/>
+            <a:headEnd/>
+            <a:tailEnd/>
           </a:ln>
           <a:effectLst/>
           <a:extLst>
@@ -7782,16 +8023,6 @@
                   <a:schemeClr val="accent1"/>
                 </a:solidFill>
               </a14:hiddenFill>
-            </a:ext>
-            <a:ext uri="{91240B29-F687-4F45-9708-019B960494DF}">
-              <a14:hiddenLine xmlns:a14="http://schemas.microsoft.com/office/drawing/2010/main" w="9525">
-                <a:solidFill>
-                  <a:schemeClr val="tx1"/>
-                </a:solidFill>
-                <a:miter lim="800000"/>
-                <a:headEnd/>
-                <a:tailEnd/>
-              </a14:hiddenLine>
             </a:ext>
             <a:ext uri="{AF507438-7753-43E0-B8FC-AC1667EBCBE1}">
               <a14:hiddenEffects xmlns:a14="http://schemas.microsoft.com/office/drawing/2010/main">
@@ -7915,7 +8146,7 @@
           <p:nvPr/>
         </p:nvPicPr>
         <p:blipFill>
-          <a:blip r:embed="rId2">
+          <a:blip r:embed="rId3">
             <a:extLst>
               <a:ext uri="{28A0092B-C50C-407E-A947-70E740481C1C}">
                 <a14:useLocalDpi xmlns:a14="http://schemas.microsoft.com/office/drawing/2010/main" val="0"/>
@@ -7979,7 +8210,7 @@
           <p:nvPr/>
         </p:nvPicPr>
         <p:blipFill>
-          <a:blip r:embed="rId3">
+          <a:blip r:embed="rId4">
             <a:extLst>
               <a:ext uri="{28A0092B-C50C-407E-A947-70E740481C1C}">
                 <a14:useLocalDpi xmlns:a14="http://schemas.microsoft.com/office/drawing/2010/main" val="0"/>
@@ -8043,7 +8274,7 @@
           <p:nvPr/>
         </p:nvPicPr>
         <p:blipFill>
-          <a:blip r:embed="rId4">
+          <a:blip r:embed="rId5">
             <a:extLst>
               <a:ext uri="{28A0092B-C50C-407E-A947-70E740481C1C}">
                 <a14:useLocalDpi xmlns:a14="http://schemas.microsoft.com/office/drawing/2010/main" val="0"/>
@@ -8064,8 +8295,13 @@
             <a:avLst/>
           </a:prstGeom>
           <a:noFill/>
-          <a:ln>
-            <a:noFill/>
+          <a:ln w="38100">
+            <a:solidFill>
+              <a:srgbClr val="9BBA59"/>
+            </a:solidFill>
+            <a:miter lim="800000"/>
+            <a:headEnd/>
+            <a:tailEnd/>
           </a:ln>
           <a:effectLst/>
           <a:extLst>
@@ -8075,16 +8311,6 @@
                   <a:schemeClr val="accent1"/>
                 </a:solidFill>
               </a14:hiddenFill>
-            </a:ext>
-            <a:ext uri="{91240B29-F687-4F45-9708-019B960494DF}">
-              <a14:hiddenLine xmlns:a14="http://schemas.microsoft.com/office/drawing/2010/main" w="9525">
-                <a:solidFill>
-                  <a:schemeClr val="tx1"/>
-                </a:solidFill>
-                <a:miter lim="800000"/>
-                <a:headEnd/>
-                <a:tailEnd/>
-              </a14:hiddenLine>
             </a:ext>
             <a:ext uri="{AF507438-7753-43E0-B8FC-AC1667EBCBE1}">
               <a14:hiddenEffects xmlns:a14="http://schemas.microsoft.com/office/drawing/2010/main">
@@ -8107,7 +8333,7 @@
           <p:nvPr/>
         </p:nvPicPr>
         <p:blipFill>
-          <a:blip r:embed="rId5">
+          <a:blip r:embed="rId6">
             <a:extLst>
               <a:ext uri="{28A0092B-C50C-407E-A947-70E740481C1C}">
                 <a14:useLocalDpi xmlns:a14="http://schemas.microsoft.com/office/drawing/2010/main" val="0"/>
@@ -8128,8 +8354,13 @@
             <a:avLst/>
           </a:prstGeom>
           <a:noFill/>
-          <a:ln>
-            <a:noFill/>
+          <a:ln w="38100">
+            <a:solidFill>
+              <a:srgbClr val="BF4F4D"/>
+            </a:solidFill>
+            <a:miter lim="800000"/>
+            <a:headEnd/>
+            <a:tailEnd/>
           </a:ln>
           <a:effectLst/>
           <a:extLst>
@@ -8139,16 +8370,6 @@
                   <a:schemeClr val="accent1"/>
                 </a:solidFill>
               </a14:hiddenFill>
-            </a:ext>
-            <a:ext uri="{91240B29-F687-4F45-9708-019B960494DF}">
-              <a14:hiddenLine xmlns:a14="http://schemas.microsoft.com/office/drawing/2010/main" w="9525">
-                <a:solidFill>
-                  <a:schemeClr val="tx1"/>
-                </a:solidFill>
-                <a:miter lim="800000"/>
-                <a:headEnd/>
-                <a:tailEnd/>
-              </a14:hiddenLine>
             </a:ext>
             <a:ext uri="{AF507438-7753-43E0-B8FC-AC1667EBCBE1}">
               <a14:hiddenEffects xmlns:a14="http://schemas.microsoft.com/office/drawing/2010/main">
@@ -8171,7 +8392,7 @@
           <p:nvPr/>
         </p:nvPicPr>
         <p:blipFill>
-          <a:blip r:embed="rId6">
+          <a:blip r:embed="rId7">
             <a:extLst>
               <a:ext uri="{28A0092B-C50C-407E-A947-70E740481C1C}">
                 <a14:useLocalDpi xmlns:a14="http://schemas.microsoft.com/office/drawing/2010/main" val="0"/>
@@ -8192,8 +8413,13 @@
             <a:avLst/>
           </a:prstGeom>
           <a:noFill/>
-          <a:ln>
-            <a:noFill/>
+          <a:ln w="38100">
+            <a:solidFill>
+              <a:srgbClr val="4F82BD"/>
+            </a:solidFill>
+            <a:miter lim="800000"/>
+            <a:headEnd/>
+            <a:tailEnd/>
           </a:ln>
           <a:effectLst/>
           <a:extLst>
@@ -8203,16 +8429,6 @@
                   <a:schemeClr val="accent1"/>
                 </a:solidFill>
               </a14:hiddenFill>
-            </a:ext>
-            <a:ext uri="{91240B29-F687-4F45-9708-019B960494DF}">
-              <a14:hiddenLine xmlns:a14="http://schemas.microsoft.com/office/drawing/2010/main" w="9525">
-                <a:solidFill>
-                  <a:schemeClr val="tx1"/>
-                </a:solidFill>
-                <a:miter lim="800000"/>
-                <a:headEnd/>
-                <a:tailEnd/>
-              </a14:hiddenLine>
             </a:ext>
             <a:ext uri="{AF507438-7753-43E0-B8FC-AC1667EBCBE1}">
               <a14:hiddenEffects xmlns:a14="http://schemas.microsoft.com/office/drawing/2010/main">
@@ -8235,7 +8451,7 @@
           <p:nvPr/>
         </p:nvPicPr>
         <p:blipFill>
-          <a:blip r:embed="rId7">
+          <a:blip r:embed="rId8">
             <a:extLst>
               <a:ext uri="{28A0092B-C50C-407E-A947-70E740481C1C}">
                 <a14:useLocalDpi xmlns:a14="http://schemas.microsoft.com/office/drawing/2010/main" val="0"/>
@@ -8299,7 +8515,7 @@
           <p:nvPr/>
         </p:nvPicPr>
         <p:blipFill>
-          <a:blip r:embed="rId8">
+          <a:blip r:embed="rId9">
             <a:extLst>
               <a:ext uri="{28A0092B-C50C-407E-A947-70E740481C1C}">
                 <a14:useLocalDpi xmlns:a14="http://schemas.microsoft.com/office/drawing/2010/main" val="0"/>
@@ -8464,7 +8680,7 @@
           <p:nvPr/>
         </p:nvPicPr>
         <p:blipFill>
-          <a:blip r:embed="rId2">
+          <a:blip r:embed="rId3">
             <a:extLst>
               <a:ext uri="{28A0092B-C50C-407E-A947-70E740481C1C}">
                 <a14:useLocalDpi xmlns:a14="http://schemas.microsoft.com/office/drawing/2010/main" val="0"/>
@@ -8528,7 +8744,7 @@
           <p:nvPr/>
         </p:nvPicPr>
         <p:blipFill>
-          <a:blip r:embed="rId3">
+          <a:blip r:embed="rId4">
             <a:extLst>
               <a:ext uri="{28A0092B-C50C-407E-A947-70E740481C1C}">
                 <a14:useLocalDpi xmlns:a14="http://schemas.microsoft.com/office/drawing/2010/main" val="0"/>
@@ -8592,7 +8808,7 @@
           <p:nvPr/>
         </p:nvPicPr>
         <p:blipFill>
-          <a:blip r:embed="rId4">
+          <a:blip r:embed="rId5">
             <a:extLst>
               <a:ext uri="{28A0092B-C50C-407E-A947-70E740481C1C}">
                 <a14:useLocalDpi xmlns:a14="http://schemas.microsoft.com/office/drawing/2010/main" val="0"/>
@@ -8613,8 +8829,13 @@
             <a:avLst/>
           </a:prstGeom>
           <a:noFill/>
-          <a:ln>
-            <a:noFill/>
+          <a:ln w="38100">
+            <a:solidFill>
+              <a:srgbClr val="9BBA59"/>
+            </a:solidFill>
+            <a:miter lim="800000"/>
+            <a:headEnd/>
+            <a:tailEnd/>
           </a:ln>
           <a:effectLst/>
           <a:extLst>
@@ -8624,16 +8845,6 @@
                   <a:schemeClr val="accent1"/>
                 </a:solidFill>
               </a14:hiddenFill>
-            </a:ext>
-            <a:ext uri="{91240B29-F687-4F45-9708-019B960494DF}">
-              <a14:hiddenLine xmlns:a14="http://schemas.microsoft.com/office/drawing/2010/main" w="9525">
-                <a:solidFill>
-                  <a:schemeClr val="tx1"/>
-                </a:solidFill>
-                <a:miter lim="800000"/>
-                <a:headEnd/>
-                <a:tailEnd/>
-              </a14:hiddenLine>
             </a:ext>
             <a:ext uri="{AF507438-7753-43E0-B8FC-AC1667EBCBE1}">
               <a14:hiddenEffects xmlns:a14="http://schemas.microsoft.com/office/drawing/2010/main">
@@ -8656,7 +8867,7 @@
           <p:nvPr/>
         </p:nvPicPr>
         <p:blipFill>
-          <a:blip r:embed="rId5">
+          <a:blip r:embed="rId6">
             <a:extLst>
               <a:ext uri="{28A0092B-C50C-407E-A947-70E740481C1C}">
                 <a14:useLocalDpi xmlns:a14="http://schemas.microsoft.com/office/drawing/2010/main" val="0"/>
@@ -8677,8 +8888,13 @@
             <a:avLst/>
           </a:prstGeom>
           <a:noFill/>
-          <a:ln>
-            <a:noFill/>
+          <a:ln w="38100">
+            <a:solidFill>
+              <a:srgbClr val="BF4F4D"/>
+            </a:solidFill>
+            <a:miter lim="800000"/>
+            <a:headEnd/>
+            <a:tailEnd/>
           </a:ln>
           <a:effectLst/>
           <a:extLst>
@@ -8688,16 +8904,6 @@
                   <a:schemeClr val="accent1"/>
                 </a:solidFill>
               </a14:hiddenFill>
-            </a:ext>
-            <a:ext uri="{91240B29-F687-4F45-9708-019B960494DF}">
-              <a14:hiddenLine xmlns:a14="http://schemas.microsoft.com/office/drawing/2010/main" w="9525">
-                <a:solidFill>
-                  <a:schemeClr val="tx1"/>
-                </a:solidFill>
-                <a:miter lim="800000"/>
-                <a:headEnd/>
-                <a:tailEnd/>
-              </a14:hiddenLine>
             </a:ext>
             <a:ext uri="{AF507438-7753-43E0-B8FC-AC1667EBCBE1}">
               <a14:hiddenEffects xmlns:a14="http://schemas.microsoft.com/office/drawing/2010/main">
@@ -8720,7 +8926,7 @@
           <p:nvPr/>
         </p:nvPicPr>
         <p:blipFill>
-          <a:blip r:embed="rId6">
+          <a:blip r:embed="rId7">
             <a:extLst>
               <a:ext uri="{28A0092B-C50C-407E-A947-70E740481C1C}">
                 <a14:useLocalDpi xmlns:a14="http://schemas.microsoft.com/office/drawing/2010/main" val="0"/>
@@ -8734,15 +8940,20 @@
         </p:blipFill>
         <p:spPr bwMode="auto">
           <a:xfrm>
-            <a:off x="3241200" y="4155600"/>
-            <a:ext cx="2438400" cy="2438400"/>
+            <a:off x="3200400" y="4114800"/>
+            <a:ext cx="2520000" cy="2520000"/>
           </a:xfrm>
           <a:prstGeom prst="rect">
             <a:avLst/>
           </a:prstGeom>
           <a:noFill/>
-          <a:ln>
-            <a:noFill/>
+          <a:ln w="38100">
+            <a:solidFill>
+              <a:srgbClr val="4F82BD"/>
+            </a:solidFill>
+            <a:miter lim="800000"/>
+            <a:headEnd/>
+            <a:tailEnd/>
           </a:ln>
           <a:effectLst/>
           <a:extLst>
@@ -8752,16 +8963,6 @@
                   <a:schemeClr val="accent1"/>
                 </a:solidFill>
               </a14:hiddenFill>
-            </a:ext>
-            <a:ext uri="{91240B29-F687-4F45-9708-019B960494DF}">
-              <a14:hiddenLine xmlns:a14="http://schemas.microsoft.com/office/drawing/2010/main" w="9525">
-                <a:solidFill>
-                  <a:schemeClr val="tx1"/>
-                </a:solidFill>
-                <a:miter lim="800000"/>
-                <a:headEnd/>
-                <a:tailEnd/>
-              </a14:hiddenLine>
             </a:ext>
             <a:ext uri="{AF507438-7753-43E0-B8FC-AC1667EBCBE1}">
               <a14:hiddenEffects xmlns:a14="http://schemas.microsoft.com/office/drawing/2010/main">
@@ -8784,7 +8985,7 @@
           <p:nvPr/>
         </p:nvPicPr>
         <p:blipFill>
-          <a:blip r:embed="rId7">
+          <a:blip r:embed="rId8">
             <a:extLst>
               <a:ext uri="{28A0092B-C50C-407E-A947-70E740481C1C}">
                 <a14:useLocalDpi xmlns:a14="http://schemas.microsoft.com/office/drawing/2010/main" val="0"/>
@@ -8848,7 +9049,7 @@
           <p:nvPr/>
         </p:nvPicPr>
         <p:blipFill>
-          <a:blip r:embed="rId8">
+          <a:blip r:embed="rId9">
             <a:extLst>
               <a:ext uri="{28A0092B-C50C-407E-A947-70E740481C1C}">
                 <a14:useLocalDpi xmlns:a14="http://schemas.microsoft.com/office/drawing/2010/main" val="0"/>
@@ -8967,8 +9168,8 @@
           </a:p>
         </p:txBody>
       </p:sp>
-      <mc:AlternateContent xmlns:mc="http://schemas.openxmlformats.org/markup-compatibility/2006">
-        <mc:Choice xmlns:a14="http://schemas.microsoft.com/office/drawing/2010/main" Requires="a14">
+      <mc:AlternateContent xmlns:mc="http://schemas.openxmlformats.org/markup-compatibility/2006" xmlns:a14="http://schemas.microsoft.com/office/drawing/2010/main">
+        <mc:Choice Requires="a14">
           <p:graphicFrame>
             <p:nvGraphicFramePr>
               <p:cNvPr id="4" name="Content Placeholder 3"/>
@@ -9305,7 +9506,6 @@
                           </a:endParaRPr>
                         </a:p>
                         <a:p>
-                          <a:pPr/>
                           <a:r>
                             <a:rPr lang="en-US" sz="2600" b="1" dirty="0" smtClean="0">
                               <a:latin typeface="Cambria" pitchFamily="18" charset="0"/>
@@ -9633,7 +9833,6 @@
                           </a:endParaRPr>
                         </a:p>
                         <a:p>
-                          <a:pPr/>
                           <a:r>
                             <a:rPr lang="en-US" sz="2600" b="1" dirty="0" smtClean="0">
                               <a:latin typeface="Cambria" pitchFamily="18" charset="0"/>
@@ -9873,7 +10072,6 @@
                           </a:endParaRPr>
                         </a:p>
                         <a:p>
-                          <a:pPr/>
                           <a:r>
                             <a:rPr lang="en-US" sz="2600" b="1" dirty="0" smtClean="0">
                               <a:latin typeface="Cambria" pitchFamily="18" charset="0"/>
@@ -10068,7 +10266,7 @@
             </a:graphic>
           </p:graphicFrame>
         </mc:Choice>
-        <mc:Fallback>
+        <mc:Fallback xmlns="">
           <p:graphicFrame>
             <p:nvGraphicFramePr>
               <p:cNvPr id="4" name="Content Placeholder 3"/>
@@ -10966,39 +11164,21 @@
               <a:rPr lang="sk-SK" dirty="0" smtClean="0">
                 <a:latin typeface="Cambria" pitchFamily="18" charset="0"/>
               </a:rPr>
-              <a:t>SNR </a:t>
+              <a:t>SNR výsledků blíž u sebe</a:t>
+            </a:r>
+          </a:p>
+          <a:p>
+            <a:r>
+              <a:rPr lang="sk-SK" dirty="0">
+                <a:latin typeface="Cambria" pitchFamily="18" charset="0"/>
+              </a:rPr>
+              <a:t>p</a:t>
             </a:r>
             <a:r>
               <a:rPr lang="sk-SK" dirty="0" smtClean="0">
                 <a:latin typeface="Cambria" pitchFamily="18" charset="0"/>
               </a:rPr>
-              <a:t>výsledků blíž u sebe</a:t>
-            </a:r>
-          </a:p>
-          <a:p>
-            <a:r>
-              <a:rPr lang="sk-SK" dirty="0">
-                <a:latin typeface="Cambria" pitchFamily="18" charset="0"/>
-              </a:rPr>
-              <a:t>p</a:t>
-            </a:r>
-            <a:r>
-              <a:rPr lang="sk-SK" dirty="0" smtClean="0">
-                <a:latin typeface="Cambria" pitchFamily="18" charset="0"/>
-              </a:rPr>
-              <a:t>ropad úspěšnosti MC-AM oproti Tico, hlavní faktor - </a:t>
-            </a:r>
-            <a:r>
-              <a:rPr lang="sk-SK" dirty="0" smtClean="0">
-                <a:latin typeface="Cambria" pitchFamily="18" charset="0"/>
-              </a:rPr>
-              <a:t>variabilita </a:t>
-            </a:r>
-            <a:r>
-              <a:rPr lang="sk-SK" dirty="0" smtClean="0">
-                <a:latin typeface="Cambria" pitchFamily="18" charset="0"/>
-              </a:rPr>
-              <a:t>PSF a intenzity v snímcích</a:t>
+              <a:t>ropad úspěšnosti MC-AM oproti Tico, hlavní faktor - variabilita PSF a intenzity v snímcích</a:t>
             </a:r>
           </a:p>
           <a:p>
@@ -11981,8 +12161,8 @@
           </a:p>
         </p:txBody>
       </p:sp>
-      <mc:AlternateContent xmlns:mc="http://schemas.openxmlformats.org/markup-compatibility/2006">
-        <mc:Choice xmlns:a14="http://schemas.microsoft.com/office/drawing/2010/main" Requires="a14">
+      <mc:AlternateContent xmlns:mc="http://schemas.openxmlformats.org/markup-compatibility/2006" xmlns:a14="http://schemas.microsoft.com/office/drawing/2010/main">
+        <mc:Choice Requires="a14">
           <p:sp>
             <p:nvSpPr>
               <p:cNvPr id="3" name="Content Placeholder 2"/>
@@ -12325,7 +12505,7 @@
             </p:txBody>
           </p:sp>
         </mc:Choice>
-        <mc:Fallback>
+        <mc:Fallback xmlns="">
           <p:sp>
             <p:nvSpPr>
               <p:cNvPr id="3" name="Content Placeholder 2"/>
@@ -12565,8 +12745,8 @@
           </a:p>
         </p:txBody>
       </p:sp>
-      <mc:AlternateContent xmlns:mc="http://schemas.openxmlformats.org/markup-compatibility/2006">
-        <mc:Choice xmlns:a14="http://schemas.microsoft.com/office/drawing/2010/main" Requires="a14">
+      <mc:AlternateContent xmlns:mc="http://schemas.openxmlformats.org/markup-compatibility/2006" xmlns:a14="http://schemas.microsoft.com/office/drawing/2010/main">
+        <mc:Choice Requires="a14">
           <p:sp>
             <p:nvSpPr>
               <p:cNvPr id="6" name="TextBox 5"/>
@@ -12726,7 +12906,7 @@
             </p:txBody>
           </p:sp>
         </mc:Choice>
-        <mc:Fallback>
+        <mc:Fallback xmlns="">
           <p:sp>
             <p:nvSpPr>
               <p:cNvPr id="6" name="TextBox 5"/>
@@ -12765,8 +12945,8 @@
           </p:sp>
         </mc:Fallback>
       </mc:AlternateContent>
-      <mc:AlternateContent xmlns:mc="http://schemas.openxmlformats.org/markup-compatibility/2006">
-        <mc:Choice xmlns:a14="http://schemas.microsoft.com/office/drawing/2010/main" Requires="a14">
+      <mc:AlternateContent xmlns:mc="http://schemas.openxmlformats.org/markup-compatibility/2006" xmlns:a14="http://schemas.microsoft.com/office/drawing/2010/main">
+        <mc:Choice Requires="a14">
           <p:sp>
             <p:nvSpPr>
               <p:cNvPr id="10" name="TextBox 9"/>
@@ -12789,7 +12969,6 @@
               </a:bodyPr>
               <a:lstStyle/>
               <a:p>
-                <a:pPr/>
                 <a14:m>
                   <m:oMath xmlns:m="http://schemas.openxmlformats.org/officeDocument/2006/math">
                     <m:sSub>
@@ -12950,7 +13129,7 @@
             </p:txBody>
           </p:sp>
         </mc:Choice>
-        <mc:Fallback>
+        <mc:Fallback xmlns="">
           <p:sp>
             <p:nvSpPr>
               <p:cNvPr id="10" name="TextBox 9"/>
@@ -13330,13 +13509,7 @@
               <a:rPr lang="cs-CZ" sz="2200" b="1" dirty="0" smtClean="0">
                 <a:latin typeface="Cambria" pitchFamily="18" charset="0"/>
               </a:rPr>
-              <a:t>š</a:t>
-            </a:r>
-            <a:r>
-              <a:rPr lang="cs-CZ" sz="2200" b="1" dirty="0" smtClean="0">
-                <a:latin typeface="Cambria" pitchFamily="18" charset="0"/>
-              </a:rPr>
-              <a:t>umu</a:t>
+              <a:t>šumu</a:t>
             </a:r>
           </a:p>
           <a:p>
@@ -13431,9 +13604,6 @@
               </a:rPr>
               <a:t>)</a:t>
             </a:r>
-            <a:endParaRPr lang="en-US" sz="2200" b="1" dirty="0" smtClean="0">
-              <a:latin typeface="Cambria" pitchFamily="18" charset="0"/>
-            </a:endParaRPr>
           </a:p>
         </p:txBody>
       </p:sp>
@@ -17676,8 +17846,8 @@
           </a:p>
         </p:txBody>
       </p:sp>
-      <mc:AlternateContent xmlns:mc="http://schemas.openxmlformats.org/markup-compatibility/2006">
-        <mc:Choice xmlns:a14="http://schemas.microsoft.com/office/drawing/2010/main" Requires="a14">
+      <mc:AlternateContent xmlns:mc="http://schemas.openxmlformats.org/markup-compatibility/2006" xmlns:a14="http://schemas.microsoft.com/office/drawing/2010/main">
+        <mc:Choice Requires="a14">
           <p:sp>
             <p:nvSpPr>
               <p:cNvPr id="3" name="Content Placeholder 2"/>
@@ -18091,7 +18261,7 @@
             </p:txBody>
           </p:sp>
         </mc:Choice>
-        <mc:Fallback>
+        <mc:Fallback xmlns="">
           <p:sp>
             <p:nvSpPr>
               <p:cNvPr id="3" name="Content Placeholder 2"/>
@@ -19510,13 +19680,7 @@
               <a:rPr lang="cs-CZ" dirty="0" smtClean="0">
                 <a:latin typeface="Cambria" pitchFamily="18" charset="0"/>
               </a:rPr>
-              <a:t>simulovaná a reálná </a:t>
-            </a:r>
-            <a:r>
-              <a:rPr lang="cs-CZ" dirty="0" smtClean="0">
-                <a:latin typeface="Cambria" pitchFamily="18" charset="0"/>
-              </a:rPr>
-              <a:t>data </a:t>
+              <a:t>simulovaná a reálná data </a:t>
             </a:r>
             <a:r>
               <a:rPr lang="en-US" dirty="0" smtClean="0">
@@ -19551,13 +19715,7 @@
               <a:rPr lang="cs-CZ" dirty="0" smtClean="0">
                 <a:latin typeface="Cambria" pitchFamily="18" charset="0"/>
               </a:rPr>
-              <a:t>m</a:t>
-            </a:r>
-            <a:r>
-              <a:rPr lang="cs-CZ" dirty="0" smtClean="0">
-                <a:latin typeface="Cambria" pitchFamily="18" charset="0"/>
-              </a:rPr>
-              <a:t>ěníme velikost a typ rozmazání a šum  </a:t>
+              <a:t>měníme velikost a typ rozmazání a šum  </a:t>
             </a:r>
             <a:endParaRPr lang="en-US" dirty="0" smtClean="0">
               <a:latin typeface="Cambria" pitchFamily="18" charset="0"/>
@@ -19568,13 +19726,7 @@
               <a:rPr lang="cs-CZ" dirty="0" smtClean="0">
                 <a:latin typeface="Cambria" pitchFamily="18" charset="0"/>
               </a:rPr>
-              <a:t>výsledky </a:t>
-            </a:r>
-            <a:r>
-              <a:rPr lang="cs-CZ" dirty="0" smtClean="0">
-                <a:latin typeface="Cambria" pitchFamily="18" charset="0"/>
-              </a:rPr>
-              <a:t>vyhodnocovány pomocí </a:t>
+              <a:t>výsledky vyhodnocovány pomocí </a:t>
             </a:r>
             <a:r>
               <a:rPr lang="cs-CZ" i="1" dirty="0" smtClean="0">
@@ -21311,13 +21463,13 @@
         </p:nvCxnSpPr>
         <p:spPr>
           <a:xfrm rot="5400000">
-            <a:off x="3566408" y="3694526"/>
-            <a:ext cx="1725931" cy="1024546"/>
+            <a:off x="3399641" y="3745006"/>
+            <a:ext cx="1842218" cy="807300"/>
           </a:xfrm>
           <a:prstGeom prst="bentConnector4">
             <a:avLst>
-              <a:gd name="adj1" fmla="val -1709"/>
-              <a:gd name="adj2" fmla="val 122312"/>
+              <a:gd name="adj1" fmla="val 6678"/>
+              <a:gd name="adj2" fmla="val 128317"/>
             </a:avLst>
           </a:prstGeom>
           <a:ln w="38100">
